--- a/Nerdearla2021.pptx
+++ b/Nerdearla2021.pptx
@@ -8,9 +8,10 @@
     <p:sldId id="256" r:id="rId2"/>
     <p:sldId id="257" r:id="rId3"/>
     <p:sldId id="258" r:id="rId4"/>
-    <p:sldId id="259" r:id="rId5"/>
-    <p:sldId id="260" r:id="rId6"/>
-    <p:sldId id="261" r:id="rId7"/>
+    <p:sldId id="263" r:id="rId5"/>
+    <p:sldId id="259" r:id="rId6"/>
+    <p:sldId id="260" r:id="rId7"/>
+    <p:sldId id="261" r:id="rId8"/>
   </p:sldIdLst>
   <p:sldSz cx="12192000" cy="6858000"/>
   <p:notesSz cx="6858000" cy="9144000"/>
@@ -266,7 +267,7 @@
           <a:p>
             <a:fld id="{AFC04680-4C82-1E47-AAED-E60B4B187337}" type="datetimeFigureOut">
               <a:rPr lang="es-CL" smtClean="0"/>
-              <a:t>26-07-21</a:t>
+              <a:t>27-07-21</a:t>
             </a:fld>
             <a:endParaRPr lang="es-CL"/>
           </a:p>
@@ -466,7 +467,7 @@
           <a:p>
             <a:fld id="{AFC04680-4C82-1E47-AAED-E60B4B187337}" type="datetimeFigureOut">
               <a:rPr lang="es-CL" smtClean="0"/>
-              <a:t>26-07-21</a:t>
+              <a:t>27-07-21</a:t>
             </a:fld>
             <a:endParaRPr lang="es-CL"/>
           </a:p>
@@ -676,7 +677,7 @@
           <a:p>
             <a:fld id="{AFC04680-4C82-1E47-AAED-E60B4B187337}" type="datetimeFigureOut">
               <a:rPr lang="es-CL" smtClean="0"/>
-              <a:t>26-07-21</a:t>
+              <a:t>27-07-21</a:t>
             </a:fld>
             <a:endParaRPr lang="es-CL"/>
           </a:p>
@@ -876,7 +877,7 @@
           <a:p>
             <a:fld id="{AFC04680-4C82-1E47-AAED-E60B4B187337}" type="datetimeFigureOut">
               <a:rPr lang="es-CL" smtClean="0"/>
-              <a:t>26-07-21</a:t>
+              <a:t>27-07-21</a:t>
             </a:fld>
             <a:endParaRPr lang="es-CL"/>
           </a:p>
@@ -1152,7 +1153,7 @@
           <a:p>
             <a:fld id="{AFC04680-4C82-1E47-AAED-E60B4B187337}" type="datetimeFigureOut">
               <a:rPr lang="es-CL" smtClean="0"/>
-              <a:t>26-07-21</a:t>
+              <a:t>27-07-21</a:t>
             </a:fld>
             <a:endParaRPr lang="es-CL"/>
           </a:p>
@@ -1420,7 +1421,7 @@
           <a:p>
             <a:fld id="{AFC04680-4C82-1E47-AAED-E60B4B187337}" type="datetimeFigureOut">
               <a:rPr lang="es-CL" smtClean="0"/>
-              <a:t>26-07-21</a:t>
+              <a:t>27-07-21</a:t>
             </a:fld>
             <a:endParaRPr lang="es-CL"/>
           </a:p>
@@ -1835,7 +1836,7 @@
           <a:p>
             <a:fld id="{AFC04680-4C82-1E47-AAED-E60B4B187337}" type="datetimeFigureOut">
               <a:rPr lang="es-CL" smtClean="0"/>
-              <a:t>26-07-21</a:t>
+              <a:t>27-07-21</a:t>
             </a:fld>
             <a:endParaRPr lang="es-CL"/>
           </a:p>
@@ -1977,7 +1978,7 @@
           <a:p>
             <a:fld id="{AFC04680-4C82-1E47-AAED-E60B4B187337}" type="datetimeFigureOut">
               <a:rPr lang="es-CL" smtClean="0"/>
-              <a:t>26-07-21</a:t>
+              <a:t>27-07-21</a:t>
             </a:fld>
             <a:endParaRPr lang="es-CL"/>
           </a:p>
@@ -2090,7 +2091,7 @@
           <a:p>
             <a:fld id="{AFC04680-4C82-1E47-AAED-E60B4B187337}" type="datetimeFigureOut">
               <a:rPr lang="es-CL" smtClean="0"/>
-              <a:t>26-07-21</a:t>
+              <a:t>27-07-21</a:t>
             </a:fld>
             <a:endParaRPr lang="es-CL"/>
           </a:p>
@@ -2403,7 +2404,7 @@
           <a:p>
             <a:fld id="{AFC04680-4C82-1E47-AAED-E60B4B187337}" type="datetimeFigureOut">
               <a:rPr lang="es-CL" smtClean="0"/>
-              <a:t>26-07-21</a:t>
+              <a:t>27-07-21</a:t>
             </a:fld>
             <a:endParaRPr lang="es-CL"/>
           </a:p>
@@ -2692,7 +2693,7 @@
           <a:p>
             <a:fld id="{AFC04680-4C82-1E47-AAED-E60B4B187337}" type="datetimeFigureOut">
               <a:rPr lang="es-CL" smtClean="0"/>
-              <a:t>26-07-21</a:t>
+              <a:t>27-07-21</a:t>
             </a:fld>
             <a:endParaRPr lang="es-CL"/>
           </a:p>
@@ -2935,7 +2936,7 @@
           <a:p>
             <a:fld id="{AFC04680-4C82-1E47-AAED-E60B4B187337}" type="datetimeFigureOut">
               <a:rPr lang="es-CL" smtClean="0"/>
-              <a:t>26-07-21</a:t>
+              <a:t>27-07-21</a:t>
             </a:fld>
             <a:endParaRPr lang="es-CL"/>
           </a:p>
@@ -5125,6 +5126,322 @@
     <p:bg>
       <p:bgPr>
         <a:solidFill>
+          <a:schemeClr val="bg1"/>
+        </a:solidFill>
+        <a:effectLst/>
+      </p:bgPr>
+    </p:bg>
+    <p:spTree>
+      <p:nvGrpSpPr>
+        <p:cNvPr id="1" name=""/>
+        <p:cNvGrpSpPr/>
+        <p:nvPr/>
+      </p:nvGrpSpPr>
+      <p:grpSpPr>
+        <a:xfrm>
+          <a:off x="0" y="0"/>
+          <a:ext cx="0" cy="0"/>
+          <a:chOff x="0" y="0"/>
+          <a:chExt cx="0" cy="0"/>
+        </a:xfrm>
+      </p:grpSpPr>
+      <p:sp>
+        <p:nvSpPr>
+          <p:cNvPr id="8" name="Rectangle 7">
+            <a:extLst>
+              <a:ext uri="{FF2B5EF4-FFF2-40B4-BE49-F238E27FC236}">
+                <a16:creationId xmlns:a16="http://schemas.microsoft.com/office/drawing/2014/main" id="{6753252F-4873-4F63-801D-CC719279A7D5}"/>
+              </a:ext>
+              <a:ext uri="{C183D7F6-B498-43B3-948B-1728B52AA6E4}">
+                <adec:decorative xmlns:adec="http://schemas.microsoft.com/office/drawing/2017/decorative" val="1"/>
+              </a:ext>
+            </a:extLst>
+          </p:cNvPr>
+          <p:cNvSpPr>
+            <a:spLocks noGrp="1" noRot="1" noChangeAspect="1" noMove="1" noResize="1" noEditPoints="1" noAdjustHandles="1" noChangeArrowheads="1" noChangeShapeType="1" noTextEdit="1"/>
+          </p:cNvSpPr>
+          <p:nvPr>
+            <p:extLst>
+              <p:ext uri="{386F3935-93C4-4BCD-93E2-E3B085C9AB24}">
+                <p16:designElem xmlns:p16="http://schemas.microsoft.com/office/powerpoint/2015/main" val="1"/>
+              </p:ext>
+            </p:extLst>
+          </p:nvPr>
+        </p:nvSpPr>
+        <p:spPr>
+          <a:xfrm>
+            <a:off x="0" y="0"/>
+            <a:ext cx="12192000" cy="6858000"/>
+          </a:xfrm>
+          <a:prstGeom prst="rect">
+            <a:avLst/>
+          </a:prstGeom>
+          <a:solidFill>
+            <a:srgbClr val="FFFFFF"/>
+          </a:solidFill>
+          <a:ln>
+            <a:noFill/>
+          </a:ln>
+        </p:spPr>
+        <p:style>
+          <a:lnRef idx="2">
+            <a:schemeClr val="accent1">
+              <a:shade val="50000"/>
+            </a:schemeClr>
+          </a:lnRef>
+          <a:fillRef idx="1">
+            <a:schemeClr val="accent1"/>
+          </a:fillRef>
+          <a:effectRef idx="0">
+            <a:schemeClr val="accent1"/>
+          </a:effectRef>
+          <a:fontRef idx="minor">
+            <a:schemeClr val="lt1"/>
+          </a:fontRef>
+        </p:style>
+        <p:txBody>
+          <a:bodyPr rtlCol="0" anchor="ctr"/>
+          <a:lstStyle/>
+          <a:p>
+            <a:pPr algn="ctr"/>
+            <a:endParaRPr lang="en-US"/>
+          </a:p>
+        </p:txBody>
+      </p:sp>
+      <p:sp>
+        <p:nvSpPr>
+          <p:cNvPr id="10" name="Rectangle 9">
+            <a:extLst>
+              <a:ext uri="{FF2B5EF4-FFF2-40B4-BE49-F238E27FC236}">
+                <a16:creationId xmlns:a16="http://schemas.microsoft.com/office/drawing/2014/main" id="{047C8CCB-F95D-4249-92DD-651249D3535A}"/>
+              </a:ext>
+              <a:ext uri="{C183D7F6-B498-43B3-948B-1728B52AA6E4}">
+                <adec:decorative xmlns:adec="http://schemas.microsoft.com/office/drawing/2017/decorative" val="1"/>
+              </a:ext>
+            </a:extLst>
+          </p:cNvPr>
+          <p:cNvSpPr>
+            <a:spLocks noGrp="1" noRot="1" noChangeAspect="1" noMove="1" noResize="1" noEditPoints="1" noAdjustHandles="1" noChangeArrowheads="1" noChangeShapeType="1" noTextEdit="1"/>
+          </p:cNvSpPr>
+          <p:nvPr>
+            <p:extLst>
+              <p:ext uri="{386F3935-93C4-4BCD-93E2-E3B085C9AB24}">
+                <p16:designElem xmlns:p16="http://schemas.microsoft.com/office/powerpoint/2015/main" val="1"/>
+              </p:ext>
+            </p:extLst>
+          </p:nvPr>
+        </p:nvSpPr>
+        <p:spPr>
+          <a:xfrm>
+            <a:off x="0" y="0"/>
+            <a:ext cx="2013557" cy="6858000"/>
+          </a:xfrm>
+          <a:prstGeom prst="rect">
+            <a:avLst/>
+          </a:prstGeom>
+          <a:solidFill>
+            <a:srgbClr val="7F7F7F"/>
+          </a:solidFill>
+          <a:ln>
+            <a:noFill/>
+          </a:ln>
+        </p:spPr>
+        <p:style>
+          <a:lnRef idx="2">
+            <a:schemeClr val="accent1">
+              <a:shade val="50000"/>
+            </a:schemeClr>
+          </a:lnRef>
+          <a:fillRef idx="1">
+            <a:schemeClr val="accent1"/>
+          </a:fillRef>
+          <a:effectRef idx="0">
+            <a:schemeClr val="accent1"/>
+          </a:effectRef>
+          <a:fontRef idx="minor">
+            <a:schemeClr val="lt1"/>
+          </a:fontRef>
+        </p:style>
+        <p:txBody>
+          <a:bodyPr rtlCol="0" anchor="ctr"/>
+          <a:lstStyle/>
+          <a:p>
+            <a:pPr algn="ctr"/>
+            <a:endParaRPr lang="en-US"/>
+          </a:p>
+        </p:txBody>
+      </p:sp>
+      <p:sp>
+        <p:nvSpPr>
+          <p:cNvPr id="2" name="Título 1">
+            <a:extLst>
+              <a:ext uri="{FF2B5EF4-FFF2-40B4-BE49-F238E27FC236}">
+                <a16:creationId xmlns:a16="http://schemas.microsoft.com/office/drawing/2014/main" id="{B7FF38FA-F67F-7E42-9A83-B2F23472B3CB}"/>
+              </a:ext>
+            </a:extLst>
+          </p:cNvPr>
+          <p:cNvSpPr>
+            <a:spLocks noGrp="1"/>
+          </p:cNvSpPr>
+          <p:nvPr>
+            <p:ph type="title"/>
+          </p:nvPr>
+        </p:nvSpPr>
+        <p:spPr>
+          <a:xfrm>
+            <a:off x="640080" y="2074363"/>
+            <a:ext cx="2752354" cy="2709275"/>
+          </a:xfrm>
+          <a:prstGeom prst="ellipse">
+            <a:avLst/>
+          </a:prstGeom>
+          <a:solidFill>
+            <a:srgbClr val="262626"/>
+          </a:solidFill>
+          <a:ln w="174625" cmpd="thinThick">
+            <a:solidFill>
+              <a:srgbClr val="262626"/>
+            </a:solidFill>
+          </a:ln>
+        </p:spPr>
+        <p:txBody>
+          <a:bodyPr anchor="ctr">
+            <a:normAutofit/>
+          </a:bodyPr>
+          <a:lstStyle/>
+          <a:p>
+            <a:pPr algn="ctr"/>
+            <a:r>
+              <a:rPr lang="es-CL" sz="2600" dirty="0">
+                <a:solidFill>
+                  <a:srgbClr val="FFFFFF"/>
+                </a:solidFill>
+              </a:rPr>
+              <a:t>Arquitectura de Temporal Server</a:t>
+            </a:r>
+          </a:p>
+        </p:txBody>
+      </p:sp>
+      <p:pic>
+        <p:nvPicPr>
+          <p:cNvPr id="3" name="Picture 2" descr="Temporal Server simple relationship diagram">
+            <a:extLst>
+              <a:ext uri="{FF2B5EF4-FFF2-40B4-BE49-F238E27FC236}">
+                <a16:creationId xmlns:a16="http://schemas.microsoft.com/office/drawing/2014/main" id="{A6185061-F702-4947-8B0B-D805E7A712BC}"/>
+              </a:ext>
+            </a:extLst>
+          </p:cNvPr>
+          <p:cNvPicPr>
+            <a:picLocks noChangeAspect="1" noChangeArrowheads="1"/>
+          </p:cNvPicPr>
+          <p:nvPr/>
+        </p:nvPicPr>
+        <p:blipFill>
+          <a:blip r:embed="rId2">
+            <a:extLst>
+              <a:ext uri="{28A0092B-C50C-407E-A947-70E740481C1C}">
+                <a14:useLocalDpi xmlns:a14="http://schemas.microsoft.com/office/drawing/2010/main" val="0"/>
+              </a:ext>
+            </a:extLst>
+          </a:blip>
+          <a:stretch>
+            <a:fillRect/>
+          </a:stretch>
+        </p:blipFill>
+        <p:spPr bwMode="auto">
+          <a:xfrm>
+            <a:off x="4187810" y="499695"/>
+            <a:ext cx="7202393" cy="5851944"/>
+          </a:xfrm>
+          <a:prstGeom prst="rect">
+            <a:avLst/>
+          </a:prstGeom>
+          <a:noFill/>
+          <a:extLst>
+            <a:ext uri="{909E8E84-426E-40DD-AFC4-6F175D3DCCD1}">
+              <a14:hiddenFill xmlns:a14="http://schemas.microsoft.com/office/drawing/2010/main">
+                <a:solidFill>
+                  <a:srgbClr val="FFFFFF"/>
+                </a:solidFill>
+              </a14:hiddenFill>
+            </a:ext>
+          </a:extLst>
+        </p:spPr>
+      </p:pic>
+      <p:sp>
+        <p:nvSpPr>
+          <p:cNvPr id="4" name="Rectángulo 3">
+            <a:extLst>
+              <a:ext uri="{FF2B5EF4-FFF2-40B4-BE49-F238E27FC236}">
+                <a16:creationId xmlns:a16="http://schemas.microsoft.com/office/drawing/2014/main" id="{C71CA631-D14D-BF4E-A2EB-F73E2A8BFA5B}"/>
+              </a:ext>
+            </a:extLst>
+          </p:cNvPr>
+          <p:cNvSpPr/>
+          <p:nvPr/>
+        </p:nvSpPr>
+        <p:spPr>
+          <a:xfrm>
+            <a:off x="4563266" y="6358305"/>
+            <a:ext cx="4874604" cy="369332"/>
+          </a:xfrm>
+          <a:prstGeom prst="rect">
+            <a:avLst/>
+          </a:prstGeom>
+        </p:spPr>
+        <p:txBody>
+          <a:bodyPr wrap="none">
+            <a:spAutoFit/>
+          </a:bodyPr>
+          <a:lstStyle/>
+          <a:p>
+            <a:r>
+              <a:rPr lang="es-CL" dirty="0"/>
+              <a:t>https://</a:t>
+            </a:r>
+            <a:r>
+              <a:rPr lang="es-CL" dirty="0" err="1"/>
+              <a:t>docs.temporal.io</a:t>
+            </a:r>
+            <a:r>
+              <a:rPr lang="es-CL" dirty="0"/>
+              <a:t>/</a:t>
+            </a:r>
+            <a:r>
+              <a:rPr lang="es-CL" dirty="0" err="1"/>
+              <a:t>docs</a:t>
+            </a:r>
+            <a:r>
+              <a:rPr lang="es-CL" dirty="0"/>
+              <a:t>/server-</a:t>
+            </a:r>
+            <a:r>
+              <a:rPr lang="es-CL" dirty="0" err="1"/>
+              <a:t>architecture</a:t>
+            </a:r>
+            <a:endParaRPr lang="es-CL" dirty="0"/>
+          </a:p>
+        </p:txBody>
+      </p:sp>
+    </p:spTree>
+    <p:extLst>
+      <p:ext uri="{BB962C8B-B14F-4D97-AF65-F5344CB8AC3E}">
+        <p14:creationId xmlns:p14="http://schemas.microsoft.com/office/powerpoint/2010/main" val="2770642388"/>
+      </p:ext>
+    </p:extLst>
+  </p:cSld>
+  <p:clrMapOvr>
+    <a:masterClrMapping/>
+  </p:clrMapOvr>
+</p:sld>
+</file>
+
+<file path=ppt/slides/slide5.xml><?xml version="1.0" encoding="utf-8"?>
+<p:sld xmlns:a="http://schemas.openxmlformats.org/drawingml/2006/main" xmlns:r="http://schemas.openxmlformats.org/officeDocument/2006/relationships" xmlns:p="http://schemas.openxmlformats.org/presentationml/2006/main">
+  <p:cSld>
+    <p:bg>
+      <p:bgPr>
+        <a:solidFill>
           <a:schemeClr val="bg1">
             <a:tint val="95000"/>
             <a:satMod val="170000"/>
@@ -5597,7 +5914,7 @@
 </p:sld>
 </file>
 
-<file path=ppt/slides/slide5.xml><?xml version="1.0" encoding="utf-8"?>
+<file path=ppt/slides/slide6.xml><?xml version="1.0" encoding="utf-8"?>
 <p:sld xmlns:a="http://schemas.openxmlformats.org/drawingml/2006/main" xmlns:r="http://schemas.openxmlformats.org/officeDocument/2006/relationships" xmlns:p="http://schemas.openxmlformats.org/presentationml/2006/main">
   <p:cSld>
     <p:spTree>
@@ -6273,7 +6590,7 @@
 </p:sld>
 </file>
 
-<file path=ppt/slides/slide6.xml><?xml version="1.0" encoding="utf-8"?>
+<file path=ppt/slides/slide7.xml><?xml version="1.0" encoding="utf-8"?>
 <p:sld xmlns:a="http://schemas.openxmlformats.org/drawingml/2006/main" xmlns:r="http://schemas.openxmlformats.org/officeDocument/2006/relationships" xmlns:p="http://schemas.openxmlformats.org/presentationml/2006/main">
   <p:cSld>
     <p:bg>

--- a/Nerdearla2021.pptx
+++ b/Nerdearla2021.pptx
@@ -4,14 +4,25 @@
   <p:sldMasterIdLst>
     <p:sldMasterId id="2147483648" r:id="rId1"/>
   </p:sldMasterIdLst>
+  <p:notesMasterIdLst>
+    <p:notesMasterId r:id="rId17"/>
+  </p:notesMasterIdLst>
   <p:sldIdLst>
     <p:sldId id="256" r:id="rId2"/>
-    <p:sldId id="257" r:id="rId3"/>
-    <p:sldId id="258" r:id="rId4"/>
-    <p:sldId id="263" r:id="rId5"/>
-    <p:sldId id="259" r:id="rId6"/>
-    <p:sldId id="260" r:id="rId7"/>
-    <p:sldId id="261" r:id="rId8"/>
+    <p:sldId id="264" r:id="rId3"/>
+    <p:sldId id="265" r:id="rId4"/>
+    <p:sldId id="257" r:id="rId5"/>
+    <p:sldId id="258" r:id="rId6"/>
+    <p:sldId id="267" r:id="rId7"/>
+    <p:sldId id="263" r:id="rId8"/>
+    <p:sldId id="259" r:id="rId9"/>
+    <p:sldId id="260" r:id="rId10"/>
+    <p:sldId id="261" r:id="rId11"/>
+    <p:sldId id="268" r:id="rId12"/>
+    <p:sldId id="269" r:id="rId13"/>
+    <p:sldId id="271" r:id="rId14"/>
+    <p:sldId id="272" r:id="rId15"/>
+    <p:sldId id="270" r:id="rId16"/>
   </p:sldIdLst>
   <p:sldSz cx="12192000" cy="6858000"/>
   <p:notesSz cx="6858000" cy="9144000"/>
@@ -118,6 +129,440 @@
 </p:presentation>
 </file>
 
+<file path=ppt/notesMasters/notesMaster1.xml><?xml version="1.0" encoding="utf-8"?>
+<p:notesMaster xmlns:a="http://schemas.openxmlformats.org/drawingml/2006/main" xmlns:r="http://schemas.openxmlformats.org/officeDocument/2006/relationships" xmlns:p="http://schemas.openxmlformats.org/presentationml/2006/main">
+  <p:cSld>
+    <p:bg>
+      <p:bgRef idx="1001">
+        <a:schemeClr val="bg1"/>
+      </p:bgRef>
+    </p:bg>
+    <p:spTree>
+      <p:nvGrpSpPr>
+        <p:cNvPr id="1" name=""/>
+        <p:cNvGrpSpPr/>
+        <p:nvPr/>
+      </p:nvGrpSpPr>
+      <p:grpSpPr>
+        <a:xfrm>
+          <a:off x="0" y="0"/>
+          <a:ext cx="0" cy="0"/>
+          <a:chOff x="0" y="0"/>
+          <a:chExt cx="0" cy="0"/>
+        </a:xfrm>
+      </p:grpSpPr>
+      <p:sp>
+        <p:nvSpPr>
+          <p:cNvPr id="2" name="Marcador de encabezado 1"/>
+          <p:cNvSpPr>
+            <a:spLocks noGrp="1"/>
+          </p:cNvSpPr>
+          <p:nvPr>
+            <p:ph type="hdr" sz="quarter"/>
+          </p:nvPr>
+        </p:nvSpPr>
+        <p:spPr>
+          <a:xfrm>
+            <a:off x="0" y="0"/>
+            <a:ext cx="2971800" cy="458788"/>
+          </a:xfrm>
+          <a:prstGeom prst="rect">
+            <a:avLst/>
+          </a:prstGeom>
+        </p:spPr>
+        <p:txBody>
+          <a:bodyPr vert="horz" lIns="91440" tIns="45720" rIns="91440" bIns="45720" rtlCol="0"/>
+          <a:lstStyle>
+            <a:lvl1pPr algn="l">
+              <a:defRPr sz="1200"/>
+            </a:lvl1pPr>
+          </a:lstStyle>
+          <a:p>
+            <a:endParaRPr lang="es-CL"/>
+          </a:p>
+        </p:txBody>
+      </p:sp>
+      <p:sp>
+        <p:nvSpPr>
+          <p:cNvPr id="3" name="Marcador de fecha 2"/>
+          <p:cNvSpPr>
+            <a:spLocks noGrp="1"/>
+          </p:cNvSpPr>
+          <p:nvPr>
+            <p:ph type="dt" idx="1"/>
+          </p:nvPr>
+        </p:nvSpPr>
+        <p:spPr>
+          <a:xfrm>
+            <a:off x="3884613" y="0"/>
+            <a:ext cx="2971800" cy="458788"/>
+          </a:xfrm>
+          <a:prstGeom prst="rect">
+            <a:avLst/>
+          </a:prstGeom>
+        </p:spPr>
+        <p:txBody>
+          <a:bodyPr vert="horz" lIns="91440" tIns="45720" rIns="91440" bIns="45720" rtlCol="0"/>
+          <a:lstStyle>
+            <a:lvl1pPr algn="r">
+              <a:defRPr sz="1200"/>
+            </a:lvl1pPr>
+          </a:lstStyle>
+          <a:p>
+            <a:fld id="{392460D8-2E51-C948-B98C-EAB232FD2765}" type="datetimeFigureOut">
+              <a:rPr lang="es-CL" smtClean="0"/>
+              <a:t>29-07-21</a:t>
+            </a:fld>
+            <a:endParaRPr lang="es-CL"/>
+          </a:p>
+        </p:txBody>
+      </p:sp>
+      <p:sp>
+        <p:nvSpPr>
+          <p:cNvPr id="4" name="Marcador de imagen de diapositiva 3"/>
+          <p:cNvSpPr>
+            <a:spLocks noGrp="1" noRot="1" noChangeAspect="1"/>
+          </p:cNvSpPr>
+          <p:nvPr>
+            <p:ph type="sldImg" idx="2"/>
+          </p:nvPr>
+        </p:nvSpPr>
+        <p:spPr>
+          <a:xfrm>
+            <a:off x="685800" y="1143000"/>
+            <a:ext cx="5486400" cy="3086100"/>
+          </a:xfrm>
+          <a:prstGeom prst="rect">
+            <a:avLst/>
+          </a:prstGeom>
+          <a:noFill/>
+          <a:ln w="12700">
+            <a:solidFill>
+              <a:prstClr val="black"/>
+            </a:solidFill>
+          </a:ln>
+        </p:spPr>
+        <p:txBody>
+          <a:bodyPr vert="horz" lIns="91440" tIns="45720" rIns="91440" bIns="45720" rtlCol="0" anchor="ctr"/>
+          <a:lstStyle/>
+          <a:p>
+            <a:endParaRPr lang="es-CL"/>
+          </a:p>
+        </p:txBody>
+      </p:sp>
+      <p:sp>
+        <p:nvSpPr>
+          <p:cNvPr id="5" name="Marcador de notas 4"/>
+          <p:cNvSpPr>
+            <a:spLocks noGrp="1"/>
+          </p:cNvSpPr>
+          <p:nvPr>
+            <p:ph type="body" sz="quarter" idx="3"/>
+          </p:nvPr>
+        </p:nvSpPr>
+        <p:spPr>
+          <a:xfrm>
+            <a:off x="685800" y="4400550"/>
+            <a:ext cx="5486400" cy="3600450"/>
+          </a:xfrm>
+          <a:prstGeom prst="rect">
+            <a:avLst/>
+          </a:prstGeom>
+        </p:spPr>
+        <p:txBody>
+          <a:bodyPr vert="horz" lIns="91440" tIns="45720" rIns="91440" bIns="45720" rtlCol="0"/>
+          <a:lstStyle/>
+          <a:p>
+            <a:pPr lvl="0"/>
+            <a:r>
+              <a:rPr lang="es-ES"/>
+              <a:t>Haga clic para modificar los estilos de texto del patrón</a:t>
+            </a:r>
+          </a:p>
+          <a:p>
+            <a:pPr lvl="1"/>
+            <a:r>
+              <a:rPr lang="es-ES"/>
+              <a:t>Segundo nivel</a:t>
+            </a:r>
+          </a:p>
+          <a:p>
+            <a:pPr lvl="2"/>
+            <a:r>
+              <a:rPr lang="es-ES"/>
+              <a:t>Tercer nivel</a:t>
+            </a:r>
+          </a:p>
+          <a:p>
+            <a:pPr lvl="3"/>
+            <a:r>
+              <a:rPr lang="es-ES"/>
+              <a:t>Cuarto nivel</a:t>
+            </a:r>
+          </a:p>
+          <a:p>
+            <a:pPr lvl="4"/>
+            <a:r>
+              <a:rPr lang="es-ES"/>
+              <a:t>Quinto nivel</a:t>
+            </a:r>
+            <a:endParaRPr lang="es-CL"/>
+          </a:p>
+        </p:txBody>
+      </p:sp>
+      <p:sp>
+        <p:nvSpPr>
+          <p:cNvPr id="6" name="Marcador de pie de página 5"/>
+          <p:cNvSpPr>
+            <a:spLocks noGrp="1"/>
+          </p:cNvSpPr>
+          <p:nvPr>
+            <p:ph type="ftr" sz="quarter" idx="4"/>
+          </p:nvPr>
+        </p:nvSpPr>
+        <p:spPr>
+          <a:xfrm>
+            <a:off x="0" y="8685213"/>
+            <a:ext cx="2971800" cy="458787"/>
+          </a:xfrm>
+          <a:prstGeom prst="rect">
+            <a:avLst/>
+          </a:prstGeom>
+        </p:spPr>
+        <p:txBody>
+          <a:bodyPr vert="horz" lIns="91440" tIns="45720" rIns="91440" bIns="45720" rtlCol="0" anchor="b"/>
+          <a:lstStyle>
+            <a:lvl1pPr algn="l">
+              <a:defRPr sz="1200"/>
+            </a:lvl1pPr>
+          </a:lstStyle>
+          <a:p>
+            <a:endParaRPr lang="es-CL"/>
+          </a:p>
+        </p:txBody>
+      </p:sp>
+      <p:sp>
+        <p:nvSpPr>
+          <p:cNvPr id="7" name="Marcador de número de diapositiva 6"/>
+          <p:cNvSpPr>
+            <a:spLocks noGrp="1"/>
+          </p:cNvSpPr>
+          <p:nvPr>
+            <p:ph type="sldNum" sz="quarter" idx="5"/>
+          </p:nvPr>
+        </p:nvSpPr>
+        <p:spPr>
+          <a:xfrm>
+            <a:off x="3884613" y="8685213"/>
+            <a:ext cx="2971800" cy="458787"/>
+          </a:xfrm>
+          <a:prstGeom prst="rect">
+            <a:avLst/>
+          </a:prstGeom>
+        </p:spPr>
+        <p:txBody>
+          <a:bodyPr vert="horz" lIns="91440" tIns="45720" rIns="91440" bIns="45720" rtlCol="0" anchor="b"/>
+          <a:lstStyle>
+            <a:lvl1pPr algn="r">
+              <a:defRPr sz="1200"/>
+            </a:lvl1pPr>
+          </a:lstStyle>
+          <a:p>
+            <a:fld id="{7C0F2BD9-BC1C-5E47-BA60-A83E3B582671}" type="slidenum">
+              <a:rPr lang="es-CL" smtClean="0"/>
+              <a:t>‹Nº›</a:t>
+            </a:fld>
+            <a:endParaRPr lang="es-CL"/>
+          </a:p>
+        </p:txBody>
+      </p:sp>
+    </p:spTree>
+    <p:extLst>
+      <p:ext uri="{BB962C8B-B14F-4D97-AF65-F5344CB8AC3E}">
+        <p14:creationId xmlns:p14="http://schemas.microsoft.com/office/powerpoint/2010/main" val="2637445476"/>
+      </p:ext>
+    </p:extLst>
+  </p:cSld>
+  <p:clrMap bg1="lt1" tx1="dk1" bg2="lt2" tx2="dk2" accent1="accent1" accent2="accent2" accent3="accent3" accent4="accent4" accent5="accent5" accent6="accent6" hlink="hlink" folHlink="folHlink"/>
+  <p:notesStyle>
+    <a:lvl1pPr marL="0" algn="l" defTabSz="914400" rtl="0" eaLnBrk="1" latinLnBrk="0" hangingPunct="1">
+      <a:defRPr sz="1200" kern="1200">
+        <a:solidFill>
+          <a:schemeClr val="tx1"/>
+        </a:solidFill>
+        <a:latin typeface="+mn-lt"/>
+        <a:ea typeface="+mn-ea"/>
+        <a:cs typeface="+mn-cs"/>
+      </a:defRPr>
+    </a:lvl1pPr>
+    <a:lvl2pPr marL="457200" algn="l" defTabSz="914400" rtl="0" eaLnBrk="1" latinLnBrk="0" hangingPunct="1">
+      <a:defRPr sz="1200" kern="1200">
+        <a:solidFill>
+          <a:schemeClr val="tx1"/>
+        </a:solidFill>
+        <a:latin typeface="+mn-lt"/>
+        <a:ea typeface="+mn-ea"/>
+        <a:cs typeface="+mn-cs"/>
+      </a:defRPr>
+    </a:lvl2pPr>
+    <a:lvl3pPr marL="914400" algn="l" defTabSz="914400" rtl="0" eaLnBrk="1" latinLnBrk="0" hangingPunct="1">
+      <a:defRPr sz="1200" kern="1200">
+        <a:solidFill>
+          <a:schemeClr val="tx1"/>
+        </a:solidFill>
+        <a:latin typeface="+mn-lt"/>
+        <a:ea typeface="+mn-ea"/>
+        <a:cs typeface="+mn-cs"/>
+      </a:defRPr>
+    </a:lvl3pPr>
+    <a:lvl4pPr marL="1371600" algn="l" defTabSz="914400" rtl="0" eaLnBrk="1" latinLnBrk="0" hangingPunct="1">
+      <a:defRPr sz="1200" kern="1200">
+        <a:solidFill>
+          <a:schemeClr val="tx1"/>
+        </a:solidFill>
+        <a:latin typeface="+mn-lt"/>
+        <a:ea typeface="+mn-ea"/>
+        <a:cs typeface="+mn-cs"/>
+      </a:defRPr>
+    </a:lvl4pPr>
+    <a:lvl5pPr marL="1828800" algn="l" defTabSz="914400" rtl="0" eaLnBrk="1" latinLnBrk="0" hangingPunct="1">
+      <a:defRPr sz="1200" kern="1200">
+        <a:solidFill>
+          <a:schemeClr val="tx1"/>
+        </a:solidFill>
+        <a:latin typeface="+mn-lt"/>
+        <a:ea typeface="+mn-ea"/>
+        <a:cs typeface="+mn-cs"/>
+      </a:defRPr>
+    </a:lvl5pPr>
+    <a:lvl6pPr marL="2286000" algn="l" defTabSz="914400" rtl="0" eaLnBrk="1" latinLnBrk="0" hangingPunct="1">
+      <a:defRPr sz="1200" kern="1200">
+        <a:solidFill>
+          <a:schemeClr val="tx1"/>
+        </a:solidFill>
+        <a:latin typeface="+mn-lt"/>
+        <a:ea typeface="+mn-ea"/>
+        <a:cs typeface="+mn-cs"/>
+      </a:defRPr>
+    </a:lvl6pPr>
+    <a:lvl7pPr marL="2743200" algn="l" defTabSz="914400" rtl="0" eaLnBrk="1" latinLnBrk="0" hangingPunct="1">
+      <a:defRPr sz="1200" kern="1200">
+        <a:solidFill>
+          <a:schemeClr val="tx1"/>
+        </a:solidFill>
+        <a:latin typeface="+mn-lt"/>
+        <a:ea typeface="+mn-ea"/>
+        <a:cs typeface="+mn-cs"/>
+      </a:defRPr>
+    </a:lvl7pPr>
+    <a:lvl8pPr marL="3200400" algn="l" defTabSz="914400" rtl="0" eaLnBrk="1" latinLnBrk="0" hangingPunct="1">
+      <a:defRPr sz="1200" kern="1200">
+        <a:solidFill>
+          <a:schemeClr val="tx1"/>
+        </a:solidFill>
+        <a:latin typeface="+mn-lt"/>
+        <a:ea typeface="+mn-ea"/>
+        <a:cs typeface="+mn-cs"/>
+      </a:defRPr>
+    </a:lvl8pPr>
+    <a:lvl9pPr marL="3657600" algn="l" defTabSz="914400" rtl="0" eaLnBrk="1" latinLnBrk="0" hangingPunct="1">
+      <a:defRPr sz="1200" kern="1200">
+        <a:solidFill>
+          <a:schemeClr val="tx1"/>
+        </a:solidFill>
+        <a:latin typeface="+mn-lt"/>
+        <a:ea typeface="+mn-ea"/>
+        <a:cs typeface="+mn-cs"/>
+      </a:defRPr>
+    </a:lvl9pPr>
+  </p:notesStyle>
+</p:notesMaster>
+</file>
+
+<file path=ppt/notesSlides/notesSlide1.xml><?xml version="1.0" encoding="utf-8"?>
+<p:notes xmlns:a="http://schemas.openxmlformats.org/drawingml/2006/main" xmlns:r="http://schemas.openxmlformats.org/officeDocument/2006/relationships" xmlns:p="http://schemas.openxmlformats.org/presentationml/2006/main">
+  <p:cSld>
+    <p:spTree>
+      <p:nvGrpSpPr>
+        <p:cNvPr id="1" name=""/>
+        <p:cNvGrpSpPr/>
+        <p:nvPr/>
+      </p:nvGrpSpPr>
+      <p:grpSpPr>
+        <a:xfrm>
+          <a:off x="0" y="0"/>
+          <a:ext cx="0" cy="0"/>
+          <a:chOff x="0" y="0"/>
+          <a:chExt cx="0" cy="0"/>
+        </a:xfrm>
+      </p:grpSpPr>
+      <p:sp>
+        <p:nvSpPr>
+          <p:cNvPr id="2" name="Marcador de imagen de diapositiva 1"/>
+          <p:cNvSpPr>
+            <a:spLocks noGrp="1" noRot="1" noChangeAspect="1"/>
+          </p:cNvSpPr>
+          <p:nvPr>
+            <p:ph type="sldImg"/>
+          </p:nvPr>
+        </p:nvSpPr>
+        <p:spPr/>
+      </p:sp>
+      <p:sp>
+        <p:nvSpPr>
+          <p:cNvPr id="3" name="Marcador de notas 2"/>
+          <p:cNvSpPr>
+            <a:spLocks noGrp="1"/>
+          </p:cNvSpPr>
+          <p:nvPr>
+            <p:ph type="body" idx="1"/>
+          </p:nvPr>
+        </p:nvSpPr>
+        <p:spPr/>
+        <p:txBody>
+          <a:bodyPr/>
+          <a:lstStyle/>
+          <a:p>
+            <a:endParaRPr lang="es-CL" dirty="0"/>
+          </a:p>
+        </p:txBody>
+      </p:sp>
+      <p:sp>
+        <p:nvSpPr>
+          <p:cNvPr id="4" name="Marcador de número de diapositiva 3"/>
+          <p:cNvSpPr>
+            <a:spLocks noGrp="1"/>
+          </p:cNvSpPr>
+          <p:nvPr>
+            <p:ph type="sldNum" sz="quarter" idx="5"/>
+          </p:nvPr>
+        </p:nvSpPr>
+        <p:spPr/>
+        <p:txBody>
+          <a:bodyPr/>
+          <a:lstStyle/>
+          <a:p>
+            <a:fld id="{7C0F2BD9-BC1C-5E47-BA60-A83E3B582671}" type="slidenum">
+              <a:rPr lang="es-CL" smtClean="0"/>
+              <a:t>1</a:t>
+            </a:fld>
+            <a:endParaRPr lang="es-CL"/>
+          </a:p>
+        </p:txBody>
+      </p:sp>
+    </p:spTree>
+    <p:extLst>
+      <p:ext uri="{BB962C8B-B14F-4D97-AF65-F5344CB8AC3E}">
+        <p14:creationId xmlns:p14="http://schemas.microsoft.com/office/powerpoint/2010/main" val="1259405409"/>
+      </p:ext>
+    </p:extLst>
+  </p:cSld>
+  <p:clrMapOvr>
+    <a:masterClrMapping/>
+  </p:clrMapOvr>
+</p:notes>
+</file>
+
 <file path=ppt/slideLayouts/slideLayout1.xml><?xml version="1.0" encoding="utf-8"?>
 <p:sldLayout xmlns:a="http://schemas.openxmlformats.org/drawingml/2006/main" xmlns:r="http://schemas.openxmlformats.org/officeDocument/2006/relationships" xmlns:p="http://schemas.openxmlformats.org/presentationml/2006/main" type="title" preserve="1">
   <p:cSld name="Diapositiva de título">
@@ -267,7 +712,7 @@
           <a:p>
             <a:fld id="{AFC04680-4C82-1E47-AAED-E60B4B187337}" type="datetimeFigureOut">
               <a:rPr lang="es-CL" smtClean="0"/>
-              <a:t>27-07-21</a:t>
+              <a:t>29-07-21</a:t>
             </a:fld>
             <a:endParaRPr lang="es-CL"/>
           </a:p>
@@ -467,7 +912,7 @@
           <a:p>
             <a:fld id="{AFC04680-4C82-1E47-AAED-E60B4B187337}" type="datetimeFigureOut">
               <a:rPr lang="es-CL" smtClean="0"/>
-              <a:t>27-07-21</a:t>
+              <a:t>29-07-21</a:t>
             </a:fld>
             <a:endParaRPr lang="es-CL"/>
           </a:p>
@@ -677,7 +1122,7 @@
           <a:p>
             <a:fld id="{AFC04680-4C82-1E47-AAED-E60B4B187337}" type="datetimeFigureOut">
               <a:rPr lang="es-CL" smtClean="0"/>
-              <a:t>27-07-21</a:t>
+              <a:t>29-07-21</a:t>
             </a:fld>
             <a:endParaRPr lang="es-CL"/>
           </a:p>
@@ -877,7 +1322,7 @@
           <a:p>
             <a:fld id="{AFC04680-4C82-1E47-AAED-E60B4B187337}" type="datetimeFigureOut">
               <a:rPr lang="es-CL" smtClean="0"/>
-              <a:t>27-07-21</a:t>
+              <a:t>29-07-21</a:t>
             </a:fld>
             <a:endParaRPr lang="es-CL"/>
           </a:p>
@@ -1153,7 +1598,7 @@
           <a:p>
             <a:fld id="{AFC04680-4C82-1E47-AAED-E60B4B187337}" type="datetimeFigureOut">
               <a:rPr lang="es-CL" smtClean="0"/>
-              <a:t>27-07-21</a:t>
+              <a:t>29-07-21</a:t>
             </a:fld>
             <a:endParaRPr lang="es-CL"/>
           </a:p>
@@ -1421,7 +1866,7 @@
           <a:p>
             <a:fld id="{AFC04680-4C82-1E47-AAED-E60B4B187337}" type="datetimeFigureOut">
               <a:rPr lang="es-CL" smtClean="0"/>
-              <a:t>27-07-21</a:t>
+              <a:t>29-07-21</a:t>
             </a:fld>
             <a:endParaRPr lang="es-CL"/>
           </a:p>
@@ -1836,7 +2281,7 @@
           <a:p>
             <a:fld id="{AFC04680-4C82-1E47-AAED-E60B4B187337}" type="datetimeFigureOut">
               <a:rPr lang="es-CL" smtClean="0"/>
-              <a:t>27-07-21</a:t>
+              <a:t>29-07-21</a:t>
             </a:fld>
             <a:endParaRPr lang="es-CL"/>
           </a:p>
@@ -1978,7 +2423,7 @@
           <a:p>
             <a:fld id="{AFC04680-4C82-1E47-AAED-E60B4B187337}" type="datetimeFigureOut">
               <a:rPr lang="es-CL" smtClean="0"/>
-              <a:t>27-07-21</a:t>
+              <a:t>29-07-21</a:t>
             </a:fld>
             <a:endParaRPr lang="es-CL"/>
           </a:p>
@@ -2091,7 +2536,7 @@
           <a:p>
             <a:fld id="{AFC04680-4C82-1E47-AAED-E60B4B187337}" type="datetimeFigureOut">
               <a:rPr lang="es-CL" smtClean="0"/>
-              <a:t>27-07-21</a:t>
+              <a:t>29-07-21</a:t>
             </a:fld>
             <a:endParaRPr lang="es-CL"/>
           </a:p>
@@ -2404,7 +2849,7 @@
           <a:p>
             <a:fld id="{AFC04680-4C82-1E47-AAED-E60B4B187337}" type="datetimeFigureOut">
               <a:rPr lang="es-CL" smtClean="0"/>
-              <a:t>27-07-21</a:t>
+              <a:t>29-07-21</a:t>
             </a:fld>
             <a:endParaRPr lang="es-CL"/>
           </a:p>
@@ -2693,7 +3138,7 @@
           <a:p>
             <a:fld id="{AFC04680-4C82-1E47-AAED-E60B4B187337}" type="datetimeFigureOut">
               <a:rPr lang="es-CL" smtClean="0"/>
-              <a:t>27-07-21</a:t>
+              <a:t>29-07-21</a:t>
             </a:fld>
             <a:endParaRPr lang="es-CL"/>
           </a:p>
@@ -2936,7 +3381,7 @@
           <a:p>
             <a:fld id="{AFC04680-4C82-1E47-AAED-E60B4B187337}" type="datetimeFigureOut">
               <a:rPr lang="es-CL" smtClean="0"/>
-              <a:t>27-07-21</a:t>
+              <a:t>29-07-21</a:t>
             </a:fld>
             <a:endParaRPr lang="es-CL"/>
           </a:p>
@@ -3376,7 +3821,7 @@
           <p:nvPr/>
         </p:nvPicPr>
         <p:blipFill>
-          <a:blip r:embed="rId2"/>
+          <a:blip r:embed="rId3"/>
           <a:stretch>
             <a:fillRect/>
           </a:stretch>
@@ -3572,7 +4017,7 @@
           <p:nvPr/>
         </p:nvPicPr>
         <p:blipFill>
-          <a:blip r:embed="rId3"/>
+          <a:blip r:embed="rId4"/>
           <a:stretch>
             <a:fillRect/>
           </a:stretch>
@@ -3600,7 +4045,7 @@
 </p:sld>
 </file>
 
-<file path=ppt/slides/slide2.xml><?xml version="1.0" encoding="utf-8"?>
+<file path=ppt/slides/slide10.xml><?xml version="1.0" encoding="utf-8"?>
 <p:sld xmlns:a="http://schemas.openxmlformats.org/drawingml/2006/main" xmlns:r="http://schemas.openxmlformats.org/officeDocument/2006/relationships" xmlns:p="http://schemas.openxmlformats.org/presentationml/2006/main">
   <p:cSld>
     <p:bg>
@@ -3630,10 +4075,10 @@
       </p:grpSpPr>
       <p:sp>
         <p:nvSpPr>
-          <p:cNvPr id="2" name="Título 1">
-            <a:extLst>
-              <a:ext uri="{FF2B5EF4-FFF2-40B4-BE49-F238E27FC236}">
-                <a16:creationId xmlns:a16="http://schemas.microsoft.com/office/drawing/2014/main" id="{DB1FD8B5-8F34-FC46-AEEF-79A5345BBAFB}"/>
+          <p:cNvPr id="17" name="Título 16">
+            <a:extLst>
+              <a:ext uri="{FF2B5EF4-FFF2-40B4-BE49-F238E27FC236}">
+                <a16:creationId xmlns:a16="http://schemas.microsoft.com/office/drawing/2014/main" id="{FA5AA584-4C68-C543-ACEA-B917E3D51079}"/>
               </a:ext>
             </a:extLst>
           </p:cNvPr>
@@ -3646,8 +4091,3269 @@
         </p:nvSpPr>
         <p:spPr>
           <a:xfrm>
-            <a:off x="5435963" y="694538"/>
-            <a:ext cx="6554573" cy="994925"/>
+            <a:off x="6354468" y="1396289"/>
+            <a:ext cx="5277333" cy="1325563"/>
+          </a:xfrm>
+        </p:spPr>
+        <p:txBody>
+          <a:bodyPr vert="horz" lIns="91440" tIns="45720" rIns="91440" bIns="45720" rtlCol="0" anchor="ctr">
+            <a:normAutofit/>
+          </a:bodyPr>
+          <a:lstStyle/>
+          <a:p>
+            <a:r>
+              <a:rPr lang="en-US"/>
+              <a:t>¿Preguntas?</a:t>
+            </a:r>
+          </a:p>
+        </p:txBody>
+      </p:sp>
+      <p:sp>
+        <p:nvSpPr>
+          <p:cNvPr id="26" name="Freeform: Shape 25">
+            <a:extLst>
+              <a:ext uri="{FF2B5EF4-FFF2-40B4-BE49-F238E27FC236}">
+                <a16:creationId xmlns:a16="http://schemas.microsoft.com/office/drawing/2014/main" id="{432691CC-4AB8-48AF-B822-EBF7F4E9E6CD}"/>
+              </a:ext>
+              <a:ext uri="{C183D7F6-B498-43B3-948B-1728B52AA6E4}">
+                <adec:decorative xmlns:adec="http://schemas.microsoft.com/office/drawing/2017/decorative" val="1"/>
+              </a:ext>
+            </a:extLst>
+          </p:cNvPr>
+          <p:cNvSpPr>
+            <a:spLocks noGrp="1" noRot="1" noChangeAspect="1" noMove="1" noResize="1" noEditPoints="1" noAdjustHandles="1" noChangeArrowheads="1" noChangeShapeType="1" noTextEdit="1"/>
+          </p:cNvSpPr>
+          <p:nvPr>
+            <p:extLst>
+              <p:ext uri="{386F3935-93C4-4BCD-93E2-E3B085C9AB24}">
+                <p16:designElem xmlns:p16="http://schemas.microsoft.com/office/powerpoint/2015/main" val="1"/>
+              </p:ext>
+            </p:extLst>
+          </p:nvPr>
+        </p:nvSpPr>
+        <p:spPr>
+          <a:xfrm>
+            <a:off x="1129705" y="1"/>
+            <a:ext cx="4480560" cy="2513993"/>
+          </a:xfrm>
+          <a:custGeom>
+            <a:avLst/>
+            <a:gdLst>
+              <a:gd name="connsiteX0" fmla="*/ 18382 w 4480560"/>
+              <a:gd name="connsiteY0" fmla="*/ 0 h 2513993"/>
+              <a:gd name="connsiteX1" fmla="*/ 4462178 w 4480560"/>
+              <a:gd name="connsiteY1" fmla="*/ 0 h 2513993"/>
+              <a:gd name="connsiteX2" fmla="*/ 4468994 w 4480560"/>
+              <a:gd name="connsiteY2" fmla="*/ 44657 h 2513993"/>
+              <a:gd name="connsiteX3" fmla="*/ 4480560 w 4480560"/>
+              <a:gd name="connsiteY3" fmla="*/ 273713 h 2513993"/>
+              <a:gd name="connsiteX4" fmla="*/ 2240280 w 4480560"/>
+              <a:gd name="connsiteY4" fmla="*/ 2513993 h 2513993"/>
+              <a:gd name="connsiteX5" fmla="*/ 0 w 4480560"/>
+              <a:gd name="connsiteY5" fmla="*/ 273713 h 2513993"/>
+              <a:gd name="connsiteX6" fmla="*/ 11567 w 4480560"/>
+              <a:gd name="connsiteY6" fmla="*/ 44657 h 2513993"/>
+            </a:gdLst>
+            <a:ahLst/>
+            <a:cxnLst>
+              <a:cxn ang="0">
+                <a:pos x="connsiteX0" y="connsiteY0"/>
+              </a:cxn>
+              <a:cxn ang="0">
+                <a:pos x="connsiteX1" y="connsiteY1"/>
+              </a:cxn>
+              <a:cxn ang="0">
+                <a:pos x="connsiteX2" y="connsiteY2"/>
+              </a:cxn>
+              <a:cxn ang="0">
+                <a:pos x="connsiteX3" y="connsiteY3"/>
+              </a:cxn>
+              <a:cxn ang="0">
+                <a:pos x="connsiteX4" y="connsiteY4"/>
+              </a:cxn>
+              <a:cxn ang="0">
+                <a:pos x="connsiteX5" y="connsiteY5"/>
+              </a:cxn>
+              <a:cxn ang="0">
+                <a:pos x="connsiteX6" y="connsiteY6"/>
+              </a:cxn>
+            </a:cxnLst>
+            <a:rect l="l" t="t" r="r" b="b"/>
+            <a:pathLst>
+              <a:path w="4480560" h="2513993">
+                <a:moveTo>
+                  <a:pt x="18382" y="0"/>
+                </a:moveTo>
+                <a:lnTo>
+                  <a:pt x="4462178" y="0"/>
+                </a:lnTo>
+                <a:lnTo>
+                  <a:pt x="4468994" y="44657"/>
+                </a:lnTo>
+                <a:cubicBezTo>
+                  <a:pt x="4476642" y="119969"/>
+                  <a:pt x="4480560" y="196384"/>
+                  <a:pt x="4480560" y="273713"/>
+                </a:cubicBezTo>
+                <a:cubicBezTo>
+                  <a:pt x="4480560" y="1510985"/>
+                  <a:pt x="3477552" y="2513993"/>
+                  <a:pt x="2240280" y="2513993"/>
+                </a:cubicBezTo>
+                <a:cubicBezTo>
+                  <a:pt x="1003008" y="2513993"/>
+                  <a:pt x="0" y="1510985"/>
+                  <a:pt x="0" y="273713"/>
+                </a:cubicBezTo>
+                <a:cubicBezTo>
+                  <a:pt x="0" y="196384"/>
+                  <a:pt x="3918" y="119969"/>
+                  <a:pt x="11567" y="44657"/>
+                </a:cubicBezTo>
+                <a:close/>
+              </a:path>
+            </a:pathLst>
+          </a:custGeom>
+          <a:solidFill>
+            <a:srgbClr val="FFFFFF">
+              <a:alpha val="80000"/>
+            </a:srgbClr>
+          </a:solidFill>
+          <a:ln>
+            <a:noFill/>
+          </a:ln>
+        </p:spPr>
+        <p:style>
+          <a:lnRef idx="2">
+            <a:schemeClr val="accent1">
+              <a:shade val="50000"/>
+            </a:schemeClr>
+          </a:lnRef>
+          <a:fillRef idx="1">
+            <a:schemeClr val="accent1"/>
+          </a:fillRef>
+          <a:effectRef idx="0">
+            <a:schemeClr val="accent1"/>
+          </a:effectRef>
+          <a:fontRef idx="minor">
+            <a:schemeClr val="lt1"/>
+          </a:fontRef>
+        </p:style>
+        <p:txBody>
+          <a:bodyPr rtlCol="0" anchor="ctr"/>
+          <a:lstStyle/>
+          <a:p>
+            <a:pPr marL="0" marR="0" lvl="0" indent="0" algn="ctr" defTabSz="914400" rtl="0" eaLnBrk="1" fontAlgn="auto" latinLnBrk="0" hangingPunct="1">
+              <a:lnSpc>
+                <a:spcPct val="100000"/>
+              </a:lnSpc>
+              <a:spcBef>
+                <a:spcPts val="0"/>
+              </a:spcBef>
+              <a:spcAft>
+                <a:spcPts val="0"/>
+              </a:spcAft>
+              <a:buClrTx/>
+              <a:buSzTx/>
+              <a:buFontTx/>
+              <a:buNone/>
+              <a:tabLst/>
+              <a:defRPr/>
+            </a:pPr>
+            <a:endParaRPr kumimoji="0" lang="en-US" sz="1800" b="0" i="0" u="none" strike="noStrike" kern="1200" cap="none" spc="0" normalizeH="0" baseline="0" noProof="0">
+              <a:ln>
+                <a:noFill/>
+              </a:ln>
+              <a:solidFill>
+                <a:prstClr val="white"/>
+              </a:solidFill>
+              <a:effectLst/>
+              <a:uLnTx/>
+              <a:uFillTx/>
+              <a:latin typeface="Calibri" panose="020F0502020204030204"/>
+              <a:ea typeface="+mn-ea"/>
+              <a:cs typeface="+mn-cs"/>
+            </a:endParaRPr>
+          </a:p>
+        </p:txBody>
+      </p:sp>
+      <p:sp>
+        <p:nvSpPr>
+          <p:cNvPr id="28" name="Freeform: Shape 27">
+            <a:extLst>
+              <a:ext uri="{FF2B5EF4-FFF2-40B4-BE49-F238E27FC236}">
+                <a16:creationId xmlns:a16="http://schemas.microsoft.com/office/drawing/2014/main" id="{47311653-CA1C-4366-AF7B-2E9767F1871B}"/>
+              </a:ext>
+              <a:ext uri="{C183D7F6-B498-43B3-948B-1728B52AA6E4}">
+                <adec:decorative xmlns:adec="http://schemas.microsoft.com/office/drawing/2017/decorative" val="1"/>
+              </a:ext>
+            </a:extLst>
+          </p:cNvPr>
+          <p:cNvSpPr>
+            <a:spLocks noGrp="1" noRot="1" noChangeAspect="1" noMove="1" noResize="1" noEditPoints="1" noAdjustHandles="1" noChangeArrowheads="1" noChangeShapeType="1" noTextEdit="1"/>
+          </p:cNvSpPr>
+          <p:nvPr>
+            <p:extLst>
+              <p:ext uri="{386F3935-93C4-4BCD-93E2-E3B085C9AB24}">
+                <p16:designElem xmlns:p16="http://schemas.microsoft.com/office/powerpoint/2015/main" val="1"/>
+              </p:ext>
+            </p:extLst>
+          </p:nvPr>
+        </p:nvSpPr>
+        <p:spPr>
+          <a:xfrm>
+            <a:off x="1294297" y="2"/>
+            <a:ext cx="4151376" cy="2349401"/>
+          </a:xfrm>
+          <a:custGeom>
+            <a:avLst/>
+            <a:gdLst>
+              <a:gd name="connsiteX0" fmla="*/ 20101 w 4151376"/>
+              <a:gd name="connsiteY0" fmla="*/ 0 h 2349401"/>
+              <a:gd name="connsiteX1" fmla="*/ 4131276 w 4151376"/>
+              <a:gd name="connsiteY1" fmla="*/ 0 h 2349401"/>
+              <a:gd name="connsiteX2" fmla="*/ 4140659 w 4151376"/>
+              <a:gd name="connsiteY2" fmla="*/ 61486 h 2349401"/>
+              <a:gd name="connsiteX3" fmla="*/ 4151376 w 4151376"/>
+              <a:gd name="connsiteY3" fmla="*/ 273713 h 2349401"/>
+              <a:gd name="connsiteX4" fmla="*/ 2075688 w 4151376"/>
+              <a:gd name="connsiteY4" fmla="*/ 2349401 h 2349401"/>
+              <a:gd name="connsiteX5" fmla="*/ 0 w 4151376"/>
+              <a:gd name="connsiteY5" fmla="*/ 273713 h 2349401"/>
+              <a:gd name="connsiteX6" fmla="*/ 10717 w 4151376"/>
+              <a:gd name="connsiteY6" fmla="*/ 61486 h 2349401"/>
+            </a:gdLst>
+            <a:ahLst/>
+            <a:cxnLst>
+              <a:cxn ang="0">
+                <a:pos x="connsiteX0" y="connsiteY0"/>
+              </a:cxn>
+              <a:cxn ang="0">
+                <a:pos x="connsiteX1" y="connsiteY1"/>
+              </a:cxn>
+              <a:cxn ang="0">
+                <a:pos x="connsiteX2" y="connsiteY2"/>
+              </a:cxn>
+              <a:cxn ang="0">
+                <a:pos x="connsiteX3" y="connsiteY3"/>
+              </a:cxn>
+              <a:cxn ang="0">
+                <a:pos x="connsiteX4" y="connsiteY4"/>
+              </a:cxn>
+              <a:cxn ang="0">
+                <a:pos x="connsiteX5" y="connsiteY5"/>
+              </a:cxn>
+              <a:cxn ang="0">
+                <a:pos x="connsiteX6" y="connsiteY6"/>
+              </a:cxn>
+            </a:cxnLst>
+            <a:rect l="l" t="t" r="r" b="b"/>
+            <a:pathLst>
+              <a:path w="4151376" h="2349401">
+                <a:moveTo>
+                  <a:pt x="20101" y="0"/>
+                </a:moveTo>
+                <a:lnTo>
+                  <a:pt x="4131276" y="0"/>
+                </a:lnTo>
+                <a:lnTo>
+                  <a:pt x="4140659" y="61486"/>
+                </a:lnTo>
+                <a:cubicBezTo>
+                  <a:pt x="4147746" y="131265"/>
+                  <a:pt x="4151376" y="202065"/>
+                  <a:pt x="4151376" y="273713"/>
+                </a:cubicBezTo>
+                <a:cubicBezTo>
+                  <a:pt x="4151376" y="1420084"/>
+                  <a:pt x="3222059" y="2349401"/>
+                  <a:pt x="2075688" y="2349401"/>
+                </a:cubicBezTo>
+                <a:cubicBezTo>
+                  <a:pt x="929317" y="2349401"/>
+                  <a:pt x="0" y="1420084"/>
+                  <a:pt x="0" y="273713"/>
+                </a:cubicBezTo>
+                <a:cubicBezTo>
+                  <a:pt x="0" y="202065"/>
+                  <a:pt x="3630" y="131265"/>
+                  <a:pt x="10717" y="61486"/>
+                </a:cubicBezTo>
+                <a:close/>
+              </a:path>
+            </a:pathLst>
+          </a:custGeom>
+          <a:solidFill>
+            <a:schemeClr val="tx1"/>
+          </a:solidFill>
+          <a:ln>
+            <a:noFill/>
+          </a:ln>
+        </p:spPr>
+        <p:style>
+          <a:lnRef idx="2">
+            <a:schemeClr val="accent1">
+              <a:shade val="50000"/>
+            </a:schemeClr>
+          </a:lnRef>
+          <a:fillRef idx="1">
+            <a:schemeClr val="accent1"/>
+          </a:fillRef>
+          <a:effectRef idx="0">
+            <a:schemeClr val="accent1"/>
+          </a:effectRef>
+          <a:fontRef idx="minor">
+            <a:schemeClr val="lt1"/>
+          </a:fontRef>
+        </p:style>
+        <p:txBody>
+          <a:bodyPr rtlCol="0" anchor="ctr"/>
+          <a:lstStyle/>
+          <a:p>
+            <a:pPr marL="0" marR="0" lvl="0" indent="0" algn="ctr" defTabSz="914400" rtl="0" eaLnBrk="1" fontAlgn="auto" latinLnBrk="0" hangingPunct="1">
+              <a:lnSpc>
+                <a:spcPct val="100000"/>
+              </a:lnSpc>
+              <a:spcBef>
+                <a:spcPts val="0"/>
+              </a:spcBef>
+              <a:spcAft>
+                <a:spcPts val="0"/>
+              </a:spcAft>
+              <a:buClrTx/>
+              <a:buSzTx/>
+              <a:buFontTx/>
+              <a:buNone/>
+              <a:tabLst/>
+              <a:defRPr/>
+            </a:pPr>
+            <a:endParaRPr kumimoji="0" lang="en-US" sz="1800" b="0" i="0" u="none" strike="noStrike" kern="1200" cap="none" spc="0" normalizeH="0" baseline="0" noProof="0">
+              <a:ln>
+                <a:noFill/>
+              </a:ln>
+              <a:solidFill>
+                <a:prstClr val="white"/>
+              </a:solidFill>
+              <a:effectLst/>
+              <a:uLnTx/>
+              <a:uFillTx/>
+              <a:latin typeface="Calibri" panose="020F0502020204030204"/>
+              <a:ea typeface="+mn-ea"/>
+              <a:cs typeface="+mn-cs"/>
+            </a:endParaRPr>
+          </a:p>
+        </p:txBody>
+      </p:sp>
+      <p:pic>
+        <p:nvPicPr>
+          <p:cNvPr id="21" name="Imagen 20" descr="Dibujo con letras&#10;&#10;Descripción generada automáticamente con confianza media">
+            <a:extLst>
+              <a:ext uri="{FF2B5EF4-FFF2-40B4-BE49-F238E27FC236}">
+                <a16:creationId xmlns:a16="http://schemas.microsoft.com/office/drawing/2014/main" id="{2F86149E-C6F9-6E4E-8384-23CC51BA0993}"/>
+              </a:ext>
+            </a:extLst>
+          </p:cNvPr>
+          <p:cNvPicPr>
+            <a:picLocks noChangeAspect="1"/>
+          </p:cNvPicPr>
+          <p:nvPr/>
+        </p:nvPicPr>
+        <p:blipFill>
+          <a:blip r:embed="rId2"/>
+          <a:stretch>
+            <a:fillRect/>
+          </a:stretch>
+        </p:blipFill>
+        <p:spPr>
+          <a:xfrm>
+            <a:off x="2248114" y="805647"/>
+            <a:ext cx="2267712" cy="354665"/>
+          </a:xfrm>
+          <a:prstGeom prst="rect">
+            <a:avLst/>
+          </a:prstGeom>
+        </p:spPr>
+      </p:pic>
+      <p:sp>
+        <p:nvSpPr>
+          <p:cNvPr id="30" name="Freeform: Shape 29">
+            <a:extLst>
+              <a:ext uri="{FF2B5EF4-FFF2-40B4-BE49-F238E27FC236}">
+                <a16:creationId xmlns:a16="http://schemas.microsoft.com/office/drawing/2014/main" id="{D6A8E1B4-B839-4C58-B08A-F0B09458080B}"/>
+              </a:ext>
+              <a:ext uri="{C183D7F6-B498-43B3-948B-1728B52AA6E4}">
+                <adec:decorative xmlns:adec="http://schemas.microsoft.com/office/drawing/2017/decorative" val="1"/>
+              </a:ext>
+            </a:extLst>
+          </p:cNvPr>
+          <p:cNvSpPr>
+            <a:spLocks noGrp="1" noRot="1" noChangeAspect="1" noMove="1" noResize="1" noEditPoints="1" noAdjustHandles="1" noChangeArrowheads="1" noChangeShapeType="1" noTextEdit="1"/>
+          </p:cNvSpPr>
+          <p:nvPr>
+            <p:extLst>
+              <p:ext uri="{386F3935-93C4-4BCD-93E2-E3B085C9AB24}">
+                <p16:designElem xmlns:p16="http://schemas.microsoft.com/office/powerpoint/2015/main" val="1"/>
+              </p:ext>
+            </p:extLst>
+          </p:nvPr>
+        </p:nvSpPr>
+        <p:spPr>
+          <a:xfrm flipH="1">
+            <a:off x="0" y="2909477"/>
+            <a:ext cx="4966870" cy="3948522"/>
+          </a:xfrm>
+          <a:custGeom>
+            <a:avLst/>
+            <a:gdLst>
+              <a:gd name="connsiteX0" fmla="*/ 2748962 w 4966870"/>
+              <a:gd name="connsiteY0" fmla="*/ 0 h 3948522"/>
+              <a:gd name="connsiteX1" fmla="*/ 4870195 w 4966870"/>
+              <a:gd name="connsiteY1" fmla="*/ 1000367 h 3948522"/>
+              <a:gd name="connsiteX2" fmla="*/ 4966870 w 4966870"/>
+              <a:gd name="connsiteY2" fmla="*/ 1129649 h 3948522"/>
+              <a:gd name="connsiteX3" fmla="*/ 4966870 w 4966870"/>
+              <a:gd name="connsiteY3" fmla="*/ 3948522 h 3948522"/>
+              <a:gd name="connsiteX4" fmla="*/ 278430 w 4966870"/>
+              <a:gd name="connsiteY4" fmla="*/ 3948522 h 3948522"/>
+              <a:gd name="connsiteX5" fmla="*/ 216027 w 4966870"/>
+              <a:gd name="connsiteY5" fmla="*/ 3818982 h 3948522"/>
+              <a:gd name="connsiteX6" fmla="*/ 0 w 4966870"/>
+              <a:gd name="connsiteY6" fmla="*/ 2748962 h 3948522"/>
+              <a:gd name="connsiteX7" fmla="*/ 2748962 w 4966870"/>
+              <a:gd name="connsiteY7" fmla="*/ 0 h 3948522"/>
+            </a:gdLst>
+            <a:ahLst/>
+            <a:cxnLst>
+              <a:cxn ang="0">
+                <a:pos x="connsiteX0" y="connsiteY0"/>
+              </a:cxn>
+              <a:cxn ang="0">
+                <a:pos x="connsiteX1" y="connsiteY1"/>
+              </a:cxn>
+              <a:cxn ang="0">
+                <a:pos x="connsiteX2" y="connsiteY2"/>
+              </a:cxn>
+              <a:cxn ang="0">
+                <a:pos x="connsiteX3" y="connsiteY3"/>
+              </a:cxn>
+              <a:cxn ang="0">
+                <a:pos x="connsiteX4" y="connsiteY4"/>
+              </a:cxn>
+              <a:cxn ang="0">
+                <a:pos x="connsiteX5" y="connsiteY5"/>
+              </a:cxn>
+              <a:cxn ang="0">
+                <a:pos x="connsiteX6" y="connsiteY6"/>
+              </a:cxn>
+              <a:cxn ang="0">
+                <a:pos x="connsiteX7" y="connsiteY7"/>
+              </a:cxn>
+            </a:cxnLst>
+            <a:rect l="l" t="t" r="r" b="b"/>
+            <a:pathLst>
+              <a:path w="4966870" h="3948522">
+                <a:moveTo>
+                  <a:pt x="2748962" y="0"/>
+                </a:moveTo>
+                <a:cubicBezTo>
+                  <a:pt x="3602955" y="0"/>
+                  <a:pt x="4365995" y="389418"/>
+                  <a:pt x="4870195" y="1000367"/>
+                </a:cubicBezTo>
+                <a:lnTo>
+                  <a:pt x="4966870" y="1129649"/>
+                </a:lnTo>
+                <a:lnTo>
+                  <a:pt x="4966870" y="3948522"/>
+                </a:lnTo>
+                <a:lnTo>
+                  <a:pt x="278430" y="3948522"/>
+                </a:lnTo>
+                <a:lnTo>
+                  <a:pt x="216027" y="3818982"/>
+                </a:lnTo>
+                <a:cubicBezTo>
+                  <a:pt x="76922" y="3490101"/>
+                  <a:pt x="0" y="3128515"/>
+                  <a:pt x="0" y="2748962"/>
+                </a:cubicBezTo>
+                <a:cubicBezTo>
+                  <a:pt x="0" y="1230752"/>
+                  <a:pt x="1230752" y="0"/>
+                  <a:pt x="2748962" y="0"/>
+                </a:cubicBezTo>
+                <a:close/>
+              </a:path>
+            </a:pathLst>
+          </a:custGeom>
+          <a:solidFill>
+            <a:srgbClr val="FFFFFF">
+              <a:alpha val="80000"/>
+            </a:srgbClr>
+          </a:solidFill>
+          <a:ln>
+            <a:noFill/>
+          </a:ln>
+        </p:spPr>
+        <p:style>
+          <a:lnRef idx="2">
+            <a:schemeClr val="accent1">
+              <a:shade val="50000"/>
+            </a:schemeClr>
+          </a:lnRef>
+          <a:fillRef idx="1">
+            <a:schemeClr val="accent1"/>
+          </a:fillRef>
+          <a:effectRef idx="0">
+            <a:schemeClr val="accent1"/>
+          </a:effectRef>
+          <a:fontRef idx="minor">
+            <a:schemeClr val="lt1"/>
+          </a:fontRef>
+        </p:style>
+        <p:txBody>
+          <a:bodyPr rtlCol="0" anchor="ctr"/>
+          <a:lstStyle/>
+          <a:p>
+            <a:pPr marL="0" marR="0" lvl="0" indent="0" algn="ctr" defTabSz="914400" rtl="0" eaLnBrk="1" fontAlgn="auto" latinLnBrk="0" hangingPunct="1">
+              <a:lnSpc>
+                <a:spcPct val="100000"/>
+              </a:lnSpc>
+              <a:spcBef>
+                <a:spcPts val="0"/>
+              </a:spcBef>
+              <a:spcAft>
+                <a:spcPts val="0"/>
+              </a:spcAft>
+              <a:buClrTx/>
+              <a:buSzTx/>
+              <a:buFontTx/>
+              <a:buNone/>
+              <a:tabLst/>
+              <a:defRPr/>
+            </a:pPr>
+            <a:endParaRPr kumimoji="0" lang="en-US" sz="1800" b="0" i="0" u="none" strike="noStrike" kern="1200" cap="none" spc="0" normalizeH="0" baseline="0" noProof="0">
+              <a:ln>
+                <a:noFill/>
+              </a:ln>
+              <a:solidFill>
+                <a:prstClr val="white"/>
+              </a:solidFill>
+              <a:effectLst/>
+              <a:uLnTx/>
+              <a:uFillTx/>
+              <a:latin typeface="Calibri" panose="020F0502020204030204"/>
+              <a:ea typeface="+mn-ea"/>
+              <a:cs typeface="+mn-cs"/>
+            </a:endParaRPr>
+          </a:p>
+        </p:txBody>
+      </p:sp>
+      <p:sp>
+        <p:nvSpPr>
+          <p:cNvPr id="32" name="Freeform: Shape 31">
+            <a:extLst>
+              <a:ext uri="{FF2B5EF4-FFF2-40B4-BE49-F238E27FC236}">
+                <a16:creationId xmlns:a16="http://schemas.microsoft.com/office/drawing/2014/main" id="{2CABF795-F18F-494E-BBDE-C1415B786531}"/>
+              </a:ext>
+              <a:ext uri="{C183D7F6-B498-43B3-948B-1728B52AA6E4}">
+                <adec:decorative xmlns:adec="http://schemas.microsoft.com/office/drawing/2017/decorative" val="1"/>
+              </a:ext>
+            </a:extLst>
+          </p:cNvPr>
+          <p:cNvSpPr>
+            <a:spLocks noGrp="1" noRot="1" noChangeAspect="1" noMove="1" noResize="1" noEditPoints="1" noAdjustHandles="1" noChangeArrowheads="1" noChangeShapeType="1" noTextEdit="1"/>
+          </p:cNvSpPr>
+          <p:nvPr>
+            <p:extLst>
+              <p:ext uri="{386F3935-93C4-4BCD-93E2-E3B085C9AB24}">
+                <p16:designElem xmlns:p16="http://schemas.microsoft.com/office/powerpoint/2015/main" val="1"/>
+              </p:ext>
+            </p:extLst>
+          </p:nvPr>
+        </p:nvSpPr>
+        <p:spPr>
+          <a:xfrm flipH="1">
+            <a:off x="0" y="3075259"/>
+            <a:ext cx="4801088" cy="3782741"/>
+          </a:xfrm>
+          <a:custGeom>
+            <a:avLst/>
+            <a:gdLst>
+              <a:gd name="connsiteX0" fmla="*/ 2583180 w 4801088"/>
+              <a:gd name="connsiteY0" fmla="*/ 0 h 3782741"/>
+              <a:gd name="connsiteX1" fmla="*/ 4725194 w 4801088"/>
+              <a:gd name="connsiteY1" fmla="*/ 1138900 h 3782741"/>
+              <a:gd name="connsiteX2" fmla="*/ 4801088 w 4801088"/>
+              <a:gd name="connsiteY2" fmla="*/ 1263826 h 3782741"/>
+              <a:gd name="connsiteX3" fmla="*/ 4801088 w 4801088"/>
+              <a:gd name="connsiteY3" fmla="*/ 3782741 h 3782741"/>
+              <a:gd name="connsiteX4" fmla="*/ 296488 w 4801088"/>
+              <a:gd name="connsiteY4" fmla="*/ 3782741 h 3782741"/>
+              <a:gd name="connsiteX5" fmla="*/ 202999 w 4801088"/>
+              <a:gd name="connsiteY5" fmla="*/ 3588671 h 3782741"/>
+              <a:gd name="connsiteX6" fmla="*/ 0 w 4801088"/>
+              <a:gd name="connsiteY6" fmla="*/ 2583180 h 3782741"/>
+              <a:gd name="connsiteX7" fmla="*/ 2583180 w 4801088"/>
+              <a:gd name="connsiteY7" fmla="*/ 0 h 3782741"/>
+            </a:gdLst>
+            <a:ahLst/>
+            <a:cxnLst>
+              <a:cxn ang="0">
+                <a:pos x="connsiteX0" y="connsiteY0"/>
+              </a:cxn>
+              <a:cxn ang="0">
+                <a:pos x="connsiteX1" y="connsiteY1"/>
+              </a:cxn>
+              <a:cxn ang="0">
+                <a:pos x="connsiteX2" y="connsiteY2"/>
+              </a:cxn>
+              <a:cxn ang="0">
+                <a:pos x="connsiteX3" y="connsiteY3"/>
+              </a:cxn>
+              <a:cxn ang="0">
+                <a:pos x="connsiteX4" y="connsiteY4"/>
+              </a:cxn>
+              <a:cxn ang="0">
+                <a:pos x="connsiteX5" y="connsiteY5"/>
+              </a:cxn>
+              <a:cxn ang="0">
+                <a:pos x="connsiteX6" y="connsiteY6"/>
+              </a:cxn>
+              <a:cxn ang="0">
+                <a:pos x="connsiteX7" y="connsiteY7"/>
+              </a:cxn>
+            </a:cxnLst>
+            <a:rect l="l" t="t" r="r" b="b"/>
+            <a:pathLst>
+              <a:path w="4801088" h="3782741">
+                <a:moveTo>
+                  <a:pt x="2583180" y="0"/>
+                </a:moveTo>
+                <a:cubicBezTo>
+                  <a:pt x="3474837" y="0"/>
+                  <a:pt x="4260977" y="451769"/>
+                  <a:pt x="4725194" y="1138900"/>
+                </a:cubicBezTo>
+                <a:lnTo>
+                  <a:pt x="4801088" y="1263826"/>
+                </a:lnTo>
+                <a:lnTo>
+                  <a:pt x="4801088" y="3782741"/>
+                </a:lnTo>
+                <a:lnTo>
+                  <a:pt x="296488" y="3782741"/>
+                </a:lnTo>
+                <a:lnTo>
+                  <a:pt x="202999" y="3588671"/>
+                </a:lnTo>
+                <a:cubicBezTo>
+                  <a:pt x="72283" y="3279623"/>
+                  <a:pt x="0" y="2939843"/>
+                  <a:pt x="0" y="2583180"/>
+                </a:cubicBezTo>
+                <a:cubicBezTo>
+                  <a:pt x="0" y="1156529"/>
+                  <a:pt x="1156529" y="0"/>
+                  <a:pt x="2583180" y="0"/>
+                </a:cubicBezTo>
+                <a:close/>
+              </a:path>
+            </a:pathLst>
+          </a:custGeom>
+          <a:solidFill>
+            <a:schemeClr val="tx1"/>
+          </a:solidFill>
+          <a:ln>
+            <a:noFill/>
+          </a:ln>
+        </p:spPr>
+        <p:style>
+          <a:lnRef idx="2">
+            <a:schemeClr val="accent1">
+              <a:shade val="50000"/>
+            </a:schemeClr>
+          </a:lnRef>
+          <a:fillRef idx="1">
+            <a:schemeClr val="accent1"/>
+          </a:fillRef>
+          <a:effectRef idx="0">
+            <a:schemeClr val="accent1"/>
+          </a:effectRef>
+          <a:fontRef idx="minor">
+            <a:schemeClr val="lt1"/>
+          </a:fontRef>
+        </p:style>
+        <p:txBody>
+          <a:bodyPr rtlCol="0" anchor="ctr"/>
+          <a:lstStyle/>
+          <a:p>
+            <a:pPr marL="0" marR="0" lvl="0" indent="0" algn="ctr" defTabSz="914400" rtl="0" eaLnBrk="1" fontAlgn="auto" latinLnBrk="0" hangingPunct="1">
+              <a:lnSpc>
+                <a:spcPct val="100000"/>
+              </a:lnSpc>
+              <a:spcBef>
+                <a:spcPts val="0"/>
+              </a:spcBef>
+              <a:spcAft>
+                <a:spcPts val="0"/>
+              </a:spcAft>
+              <a:buClrTx/>
+              <a:buSzTx/>
+              <a:buFontTx/>
+              <a:buNone/>
+              <a:tabLst/>
+              <a:defRPr/>
+            </a:pPr>
+            <a:endParaRPr kumimoji="0" lang="en-US" sz="1800" b="0" i="0" u="none" strike="noStrike" kern="1200" cap="none" spc="0" normalizeH="0" baseline="0" noProof="0">
+              <a:ln>
+                <a:noFill/>
+              </a:ln>
+              <a:solidFill>
+                <a:prstClr val="white"/>
+              </a:solidFill>
+              <a:effectLst/>
+              <a:uLnTx/>
+              <a:uFillTx/>
+              <a:latin typeface="Calibri" panose="020F0502020204030204"/>
+              <a:ea typeface="+mn-ea"/>
+              <a:cs typeface="+mn-cs"/>
+            </a:endParaRPr>
+          </a:p>
+        </p:txBody>
+      </p:sp>
+      <p:pic>
+        <p:nvPicPr>
+          <p:cNvPr id="15" name="Imagen 14" descr="Logotipo&#10;&#10;Descripción generada automáticamente">
+            <a:extLst>
+              <a:ext uri="{FF2B5EF4-FFF2-40B4-BE49-F238E27FC236}">
+                <a16:creationId xmlns:a16="http://schemas.microsoft.com/office/drawing/2014/main" id="{0ED32C8B-7E47-8D48-B053-3C1EC3250ED5}"/>
+              </a:ext>
+            </a:extLst>
+          </p:cNvPr>
+          <p:cNvPicPr>
+            <a:picLocks noChangeAspect="1"/>
+          </p:cNvPicPr>
+          <p:nvPr/>
+        </p:nvPicPr>
+        <p:blipFill>
+          <a:blip r:embed="rId3"/>
+          <a:stretch>
+            <a:fillRect/>
+          </a:stretch>
+        </p:blipFill>
+        <p:spPr>
+          <a:xfrm>
+            <a:off x="489490" y="4890774"/>
+            <a:ext cx="3474720" cy="816560"/>
+          </a:xfrm>
+          <a:prstGeom prst="rect">
+            <a:avLst/>
+          </a:prstGeom>
+        </p:spPr>
+      </p:pic>
+      <p:sp>
+        <p:nvSpPr>
+          <p:cNvPr id="3" name="Rectángulo 2">
+            <a:extLst>
+              <a:ext uri="{FF2B5EF4-FFF2-40B4-BE49-F238E27FC236}">
+                <a16:creationId xmlns:a16="http://schemas.microsoft.com/office/drawing/2014/main" id="{A2770C0F-B011-5440-9D06-BE5B26D8E5AE}"/>
+              </a:ext>
+            </a:extLst>
+          </p:cNvPr>
+          <p:cNvSpPr/>
+          <p:nvPr/>
+        </p:nvSpPr>
+        <p:spPr>
+          <a:xfrm>
+            <a:off x="4966870" y="5299054"/>
+            <a:ext cx="7266982" cy="1579438"/>
+          </a:xfrm>
+          <a:prstGeom prst="rect">
+            <a:avLst/>
+          </a:prstGeom>
+        </p:spPr>
+        <p:txBody>
+          <a:bodyPr vert="horz" lIns="91440" tIns="45720" rIns="91440" bIns="45720" rtlCol="0" anchor="t">
+            <a:normAutofit/>
+          </a:bodyPr>
+          <a:lstStyle/>
+          <a:p>
+            <a:pPr marL="285750" indent="-228600">
+              <a:lnSpc>
+                <a:spcPct val="90000"/>
+              </a:lnSpc>
+              <a:spcAft>
+                <a:spcPts val="600"/>
+              </a:spcAft>
+              <a:buFont typeface="Arial" panose="020B0604020202020204" pitchFamily="34" charset="0"/>
+              <a:buChar char="•"/>
+            </a:pPr>
+            <a:r>
+              <a:rPr lang="en-US" sz="2000" dirty="0">
+                <a:hlinkClick r:id="rId4">
+                  <a:extLst>
+                    <a:ext uri="{A12FA001-AC4F-418D-AE19-62706E023703}">
+                      <ahyp:hlinkClr xmlns:ahyp="http://schemas.microsoft.com/office/drawing/2018/hyperlinkcolor" val="tx"/>
+                    </a:ext>
+                  </a:extLst>
+                </a:hlinkClick>
+              </a:rPr>
+              <a:t>https://docs.temporal.io</a:t>
+            </a:r>
+            <a:endParaRPr lang="en-US" sz="2000" dirty="0"/>
+          </a:p>
+          <a:p>
+            <a:pPr marL="285750" indent="-228600">
+              <a:lnSpc>
+                <a:spcPct val="90000"/>
+              </a:lnSpc>
+              <a:spcAft>
+                <a:spcPts val="600"/>
+              </a:spcAft>
+              <a:buFont typeface="Arial" panose="020B0604020202020204" pitchFamily="34" charset="0"/>
+              <a:buChar char="•"/>
+            </a:pPr>
+            <a:endParaRPr lang="en-US" sz="2000" dirty="0"/>
+          </a:p>
+          <a:p>
+            <a:pPr marL="285750" indent="-228600">
+              <a:lnSpc>
+                <a:spcPct val="90000"/>
+              </a:lnSpc>
+              <a:spcAft>
+                <a:spcPts val="600"/>
+              </a:spcAft>
+              <a:buFont typeface="Arial" panose="020B0604020202020204" pitchFamily="34" charset="0"/>
+              <a:buChar char="•"/>
+            </a:pPr>
+            <a:r>
+              <a:rPr lang="en-US" sz="2000" dirty="0">
+                <a:hlinkClick r:id="rId5">
+                  <a:extLst>
+                    <a:ext uri="{A12FA001-AC4F-418D-AE19-62706E023703}">
+                      <ahyp:hlinkClr xmlns:ahyp="http://schemas.microsoft.com/office/drawing/2018/hyperlinkcolor" val="tx"/>
+                    </a:ext>
+                  </a:extLst>
+                </a:hlinkClick>
+              </a:rPr>
+              <a:t>https://github.com/jclanas2019/temporal-io-workshop-2021</a:t>
+            </a:r>
+            <a:endParaRPr lang="en-US" sz="2000" dirty="0"/>
+          </a:p>
+          <a:p>
+            <a:pPr marL="285750" indent="-228600">
+              <a:lnSpc>
+                <a:spcPct val="90000"/>
+              </a:lnSpc>
+              <a:spcAft>
+                <a:spcPts val="600"/>
+              </a:spcAft>
+              <a:buFont typeface="Arial" panose="020B0604020202020204" pitchFamily="34" charset="0"/>
+              <a:buChar char="•"/>
+            </a:pPr>
+            <a:endParaRPr lang="en-US" sz="2000" dirty="0"/>
+          </a:p>
+          <a:p>
+            <a:pPr marL="285750" indent="-228600">
+              <a:lnSpc>
+                <a:spcPct val="90000"/>
+              </a:lnSpc>
+              <a:spcAft>
+                <a:spcPts val="600"/>
+              </a:spcAft>
+              <a:buFont typeface="Arial" panose="020B0604020202020204" pitchFamily="34" charset="0"/>
+              <a:buChar char="•"/>
+            </a:pPr>
+            <a:endParaRPr lang="en-US" sz="2000" dirty="0"/>
+          </a:p>
+        </p:txBody>
+      </p:sp>
+      <p:pic>
+        <p:nvPicPr>
+          <p:cNvPr id="6" name="Imagen 5" descr="Icono&#10;&#10;Descripción generada automáticamente">
+            <a:extLst>
+              <a:ext uri="{FF2B5EF4-FFF2-40B4-BE49-F238E27FC236}">
+                <a16:creationId xmlns:a16="http://schemas.microsoft.com/office/drawing/2014/main" id="{25C722AC-50AF-0C41-90A9-7436A77CDFC0}"/>
+              </a:ext>
+            </a:extLst>
+          </p:cNvPr>
+          <p:cNvPicPr>
+            <a:picLocks noChangeAspect="1"/>
+          </p:cNvPicPr>
+          <p:nvPr/>
+        </p:nvPicPr>
+        <p:blipFill>
+          <a:blip r:embed="rId6"/>
+          <a:stretch>
+            <a:fillRect/>
+          </a:stretch>
+        </p:blipFill>
+        <p:spPr>
+          <a:xfrm>
+            <a:off x="136703" y="139141"/>
+            <a:ext cx="767422" cy="915839"/>
+          </a:xfrm>
+          <a:prstGeom prst="rect">
+            <a:avLst/>
+          </a:prstGeom>
+        </p:spPr>
+      </p:pic>
+    </p:spTree>
+    <p:extLst>
+      <p:ext uri="{BB962C8B-B14F-4D97-AF65-F5344CB8AC3E}">
+        <p14:creationId xmlns:p14="http://schemas.microsoft.com/office/powerpoint/2010/main" val="3477478790"/>
+      </p:ext>
+    </p:extLst>
+  </p:cSld>
+  <p:clrMapOvr>
+    <a:overrideClrMapping bg1="dk1" tx1="lt1" bg2="dk2" tx2="lt2" accent1="accent1" accent2="accent2" accent3="accent3" accent4="accent4" accent5="accent5" accent6="accent6" hlink="hlink" folHlink="folHlink"/>
+  </p:clrMapOvr>
+</p:sld>
+</file>
+
+<file path=ppt/slides/slide11.xml><?xml version="1.0" encoding="utf-8"?>
+<p:sld xmlns:a="http://schemas.openxmlformats.org/drawingml/2006/main" xmlns:r="http://schemas.openxmlformats.org/officeDocument/2006/relationships" xmlns:p="http://schemas.openxmlformats.org/presentationml/2006/main">
+  <p:cSld>
+    <p:spTree>
+      <p:nvGrpSpPr>
+        <p:cNvPr id="1" name=""/>
+        <p:cNvGrpSpPr/>
+        <p:nvPr/>
+      </p:nvGrpSpPr>
+      <p:grpSpPr>
+        <a:xfrm>
+          <a:off x="0" y="0"/>
+          <a:ext cx="0" cy="0"/>
+          <a:chOff x="0" y="0"/>
+          <a:chExt cx="0" cy="0"/>
+        </a:xfrm>
+      </p:grpSpPr>
+      <p:sp>
+        <p:nvSpPr>
+          <p:cNvPr id="2" name="Título 1">
+            <a:extLst>
+              <a:ext uri="{FF2B5EF4-FFF2-40B4-BE49-F238E27FC236}">
+                <a16:creationId xmlns:a16="http://schemas.microsoft.com/office/drawing/2014/main" id="{EB7D6D2D-7156-BF41-894F-452015326630}"/>
+              </a:ext>
+            </a:extLst>
+          </p:cNvPr>
+          <p:cNvSpPr>
+            <a:spLocks noGrp="1"/>
+          </p:cNvSpPr>
+          <p:nvPr>
+            <p:ph type="title"/>
+          </p:nvPr>
+        </p:nvSpPr>
+        <p:spPr/>
+        <p:txBody>
+          <a:bodyPr>
+            <a:normAutofit fontScale="90000"/>
+          </a:bodyPr>
+          <a:lstStyle/>
+          <a:p>
+            <a:r>
+              <a:rPr lang="es-CL" sz="3600" dirty="0"/>
+              <a:t>https://</a:t>
+            </a:r>
+            <a:r>
+              <a:rPr lang="es-CL" sz="3600" dirty="0" err="1"/>
+              <a:t>docs.temporal.io</a:t>
+            </a:r>
+            <a:r>
+              <a:rPr lang="es-CL" sz="3600" dirty="0"/>
+              <a:t>/blog/</a:t>
+            </a:r>
+            <a:r>
+              <a:rPr lang="es-CL" sz="3600" dirty="0" err="1"/>
+              <a:t>workflow-engine-principles</a:t>
+            </a:r>
+            <a:r>
+              <a:rPr lang="es-CL" sz="3600" dirty="0"/>
+              <a:t>/</a:t>
+            </a:r>
+            <a:br>
+              <a:rPr lang="es-CL" dirty="0"/>
+            </a:br>
+            <a:endParaRPr lang="es-CL" dirty="0"/>
+          </a:p>
+        </p:txBody>
+      </p:sp>
+      <p:pic>
+        <p:nvPicPr>
+          <p:cNvPr id="3074" name="Picture 2" descr="Designing Workflow Engine-v7-images 010">
+            <a:extLst>
+              <a:ext uri="{FF2B5EF4-FFF2-40B4-BE49-F238E27FC236}">
+                <a16:creationId xmlns:a16="http://schemas.microsoft.com/office/drawing/2014/main" id="{4F0CB2AF-B48F-C845-92DB-DE4580B9288A}"/>
+              </a:ext>
+            </a:extLst>
+          </p:cNvPr>
+          <p:cNvPicPr>
+            <a:picLocks noChangeAspect="1" noChangeArrowheads="1"/>
+          </p:cNvPicPr>
+          <p:nvPr/>
+        </p:nvPicPr>
+        <p:blipFill>
+          <a:blip r:embed="rId2">
+            <a:extLst>
+              <a:ext uri="{28A0092B-C50C-407E-A947-70E740481C1C}">
+                <a14:useLocalDpi xmlns:a14="http://schemas.microsoft.com/office/drawing/2010/main" val="0"/>
+              </a:ext>
+            </a:extLst>
+          </a:blip>
+          <a:srcRect/>
+          <a:stretch>
+            <a:fillRect/>
+          </a:stretch>
+        </p:blipFill>
+        <p:spPr bwMode="auto">
+          <a:xfrm>
+            <a:off x="1150680" y="1297172"/>
+            <a:ext cx="9659088" cy="5433237"/>
+          </a:xfrm>
+          <a:prstGeom prst="rect">
+            <a:avLst/>
+          </a:prstGeom>
+          <a:noFill/>
+          <a:extLst>
+            <a:ext uri="{909E8E84-426E-40DD-AFC4-6F175D3DCCD1}">
+              <a14:hiddenFill xmlns:a14="http://schemas.microsoft.com/office/drawing/2010/main">
+                <a:solidFill>
+                  <a:srgbClr val="FFFFFF"/>
+                </a:solidFill>
+              </a14:hiddenFill>
+            </a:ext>
+          </a:extLst>
+        </p:spPr>
+      </p:pic>
+    </p:spTree>
+    <p:extLst>
+      <p:ext uri="{BB962C8B-B14F-4D97-AF65-F5344CB8AC3E}">
+        <p14:creationId xmlns:p14="http://schemas.microsoft.com/office/powerpoint/2010/main" val="736636664"/>
+      </p:ext>
+    </p:extLst>
+  </p:cSld>
+  <p:clrMapOvr>
+    <a:masterClrMapping/>
+  </p:clrMapOvr>
+</p:sld>
+</file>
+
+<file path=ppt/slides/slide12.xml><?xml version="1.0" encoding="utf-8"?>
+<p:sld xmlns:a="http://schemas.openxmlformats.org/drawingml/2006/main" xmlns:r="http://schemas.openxmlformats.org/officeDocument/2006/relationships" xmlns:p="http://schemas.openxmlformats.org/presentationml/2006/main">
+  <p:cSld>
+    <p:spTree>
+      <p:nvGrpSpPr>
+        <p:cNvPr id="1" name=""/>
+        <p:cNvGrpSpPr/>
+        <p:nvPr/>
+      </p:nvGrpSpPr>
+      <p:grpSpPr>
+        <a:xfrm>
+          <a:off x="0" y="0"/>
+          <a:ext cx="0" cy="0"/>
+          <a:chOff x="0" y="0"/>
+          <a:chExt cx="0" cy="0"/>
+        </a:xfrm>
+      </p:grpSpPr>
+      <p:sp>
+        <p:nvSpPr>
+          <p:cNvPr id="2" name="Título 1">
+            <a:extLst>
+              <a:ext uri="{FF2B5EF4-FFF2-40B4-BE49-F238E27FC236}">
+                <a16:creationId xmlns:a16="http://schemas.microsoft.com/office/drawing/2014/main" id="{EB7D6D2D-7156-BF41-894F-452015326630}"/>
+              </a:ext>
+            </a:extLst>
+          </p:cNvPr>
+          <p:cNvSpPr>
+            <a:spLocks noGrp="1"/>
+          </p:cNvSpPr>
+          <p:nvPr>
+            <p:ph type="title"/>
+          </p:nvPr>
+        </p:nvSpPr>
+        <p:spPr/>
+        <p:txBody>
+          <a:bodyPr>
+            <a:normAutofit fontScale="90000"/>
+          </a:bodyPr>
+          <a:lstStyle/>
+          <a:p>
+            <a:r>
+              <a:rPr lang="es-CL" sz="3600" dirty="0"/>
+              <a:t>https://</a:t>
+            </a:r>
+            <a:r>
+              <a:rPr lang="es-CL" sz="3600" dirty="0" err="1"/>
+              <a:t>docs.temporal.io</a:t>
+            </a:r>
+            <a:r>
+              <a:rPr lang="es-CL" sz="3600" dirty="0"/>
+              <a:t>/blog/</a:t>
+            </a:r>
+            <a:r>
+              <a:rPr lang="es-CL" sz="3600" dirty="0" err="1"/>
+              <a:t>workflow-engine-principles</a:t>
+            </a:r>
+            <a:r>
+              <a:rPr lang="es-CL" sz="3600" dirty="0"/>
+              <a:t>/</a:t>
+            </a:r>
+            <a:br>
+              <a:rPr lang="es-CL" dirty="0"/>
+            </a:br>
+            <a:endParaRPr lang="es-CL" dirty="0"/>
+          </a:p>
+        </p:txBody>
+      </p:sp>
+      <p:pic>
+        <p:nvPicPr>
+          <p:cNvPr id="4098" name="Picture 2" descr="Designing Workflow Engine-v7-images 011">
+            <a:extLst>
+              <a:ext uri="{FF2B5EF4-FFF2-40B4-BE49-F238E27FC236}">
+                <a16:creationId xmlns:a16="http://schemas.microsoft.com/office/drawing/2014/main" id="{EBC8375E-6639-3E4F-9414-0BCB6893AE21}"/>
+              </a:ext>
+            </a:extLst>
+          </p:cNvPr>
+          <p:cNvPicPr>
+            <a:picLocks noChangeAspect="1" noChangeArrowheads="1"/>
+          </p:cNvPicPr>
+          <p:nvPr/>
+        </p:nvPicPr>
+        <p:blipFill>
+          <a:blip r:embed="rId2">
+            <a:extLst>
+              <a:ext uri="{28A0092B-C50C-407E-A947-70E740481C1C}">
+                <a14:useLocalDpi xmlns:a14="http://schemas.microsoft.com/office/drawing/2010/main" val="0"/>
+              </a:ext>
+            </a:extLst>
+          </a:blip>
+          <a:srcRect/>
+          <a:stretch>
+            <a:fillRect/>
+          </a:stretch>
+        </p:blipFill>
+        <p:spPr bwMode="auto">
+          <a:xfrm>
+            <a:off x="1164265" y="1309798"/>
+            <a:ext cx="9863470" cy="5548202"/>
+          </a:xfrm>
+          <a:prstGeom prst="rect">
+            <a:avLst/>
+          </a:prstGeom>
+          <a:noFill/>
+          <a:extLst>
+            <a:ext uri="{909E8E84-426E-40DD-AFC4-6F175D3DCCD1}">
+              <a14:hiddenFill xmlns:a14="http://schemas.microsoft.com/office/drawing/2010/main">
+                <a:solidFill>
+                  <a:srgbClr val="FFFFFF"/>
+                </a:solidFill>
+              </a14:hiddenFill>
+            </a:ext>
+          </a:extLst>
+        </p:spPr>
+      </p:pic>
+    </p:spTree>
+    <p:extLst>
+      <p:ext uri="{BB962C8B-B14F-4D97-AF65-F5344CB8AC3E}">
+        <p14:creationId xmlns:p14="http://schemas.microsoft.com/office/powerpoint/2010/main" val="2652963984"/>
+      </p:ext>
+    </p:extLst>
+  </p:cSld>
+  <p:clrMapOvr>
+    <a:masterClrMapping/>
+  </p:clrMapOvr>
+</p:sld>
+</file>
+
+<file path=ppt/slides/slide13.xml><?xml version="1.0" encoding="utf-8"?>
+<p:sld xmlns:a="http://schemas.openxmlformats.org/drawingml/2006/main" xmlns:r="http://schemas.openxmlformats.org/officeDocument/2006/relationships" xmlns:p="http://schemas.openxmlformats.org/presentationml/2006/main">
+  <p:cSld>
+    <p:spTree>
+      <p:nvGrpSpPr>
+        <p:cNvPr id="1" name=""/>
+        <p:cNvGrpSpPr/>
+        <p:nvPr/>
+      </p:nvGrpSpPr>
+      <p:grpSpPr>
+        <a:xfrm>
+          <a:off x="0" y="0"/>
+          <a:ext cx="0" cy="0"/>
+          <a:chOff x="0" y="0"/>
+          <a:chExt cx="0" cy="0"/>
+        </a:xfrm>
+      </p:grpSpPr>
+      <p:sp>
+        <p:nvSpPr>
+          <p:cNvPr id="2" name="Título 1">
+            <a:extLst>
+              <a:ext uri="{FF2B5EF4-FFF2-40B4-BE49-F238E27FC236}">
+                <a16:creationId xmlns:a16="http://schemas.microsoft.com/office/drawing/2014/main" id="{EB7D6D2D-7156-BF41-894F-452015326630}"/>
+              </a:ext>
+            </a:extLst>
+          </p:cNvPr>
+          <p:cNvSpPr>
+            <a:spLocks noGrp="1"/>
+          </p:cNvSpPr>
+          <p:nvPr>
+            <p:ph type="title"/>
+          </p:nvPr>
+        </p:nvSpPr>
+        <p:spPr/>
+        <p:txBody>
+          <a:bodyPr>
+            <a:normAutofit fontScale="90000"/>
+          </a:bodyPr>
+          <a:lstStyle/>
+          <a:p>
+            <a:r>
+              <a:rPr lang="es-CL" sz="3600" dirty="0"/>
+              <a:t>https://</a:t>
+            </a:r>
+            <a:r>
+              <a:rPr lang="es-CL" sz="3600" dirty="0" err="1"/>
+              <a:t>docs.temporal.io</a:t>
+            </a:r>
+            <a:r>
+              <a:rPr lang="es-CL" sz="3600" dirty="0"/>
+              <a:t>/blog/</a:t>
+            </a:r>
+            <a:r>
+              <a:rPr lang="es-CL" sz="3600" dirty="0" err="1"/>
+              <a:t>workflow-engine-principles</a:t>
+            </a:r>
+            <a:r>
+              <a:rPr lang="es-CL" sz="3600" dirty="0"/>
+              <a:t>/</a:t>
+            </a:r>
+            <a:br>
+              <a:rPr lang="es-CL" dirty="0"/>
+            </a:br>
+            <a:endParaRPr lang="es-CL" dirty="0"/>
+          </a:p>
+        </p:txBody>
+      </p:sp>
+      <p:pic>
+        <p:nvPicPr>
+          <p:cNvPr id="5122" name="Picture 2" descr="Designing Workflow Engine-v7-images 012">
+            <a:extLst>
+              <a:ext uri="{FF2B5EF4-FFF2-40B4-BE49-F238E27FC236}">
+                <a16:creationId xmlns:a16="http://schemas.microsoft.com/office/drawing/2014/main" id="{88DCCD18-59B1-2F4B-840A-CF55F02A3624}"/>
+              </a:ext>
+            </a:extLst>
+          </p:cNvPr>
+          <p:cNvPicPr>
+            <a:picLocks noChangeAspect="1" noChangeArrowheads="1"/>
+          </p:cNvPicPr>
+          <p:nvPr/>
+        </p:nvPicPr>
+        <p:blipFill>
+          <a:blip r:embed="rId2">
+            <a:extLst>
+              <a:ext uri="{28A0092B-C50C-407E-A947-70E740481C1C}">
+                <a14:useLocalDpi xmlns:a14="http://schemas.microsoft.com/office/drawing/2010/main" val="0"/>
+              </a:ext>
+            </a:extLst>
+          </a:blip>
+          <a:srcRect/>
+          <a:stretch>
+            <a:fillRect/>
+          </a:stretch>
+        </p:blipFill>
+        <p:spPr bwMode="auto">
+          <a:xfrm>
+            <a:off x="1169581" y="1315779"/>
+            <a:ext cx="9852837" cy="5542221"/>
+          </a:xfrm>
+          <a:prstGeom prst="rect">
+            <a:avLst/>
+          </a:prstGeom>
+          <a:noFill/>
+          <a:extLst>
+            <a:ext uri="{909E8E84-426E-40DD-AFC4-6F175D3DCCD1}">
+              <a14:hiddenFill xmlns:a14="http://schemas.microsoft.com/office/drawing/2010/main">
+                <a:solidFill>
+                  <a:srgbClr val="FFFFFF"/>
+                </a:solidFill>
+              </a14:hiddenFill>
+            </a:ext>
+          </a:extLst>
+        </p:spPr>
+      </p:pic>
+    </p:spTree>
+    <p:extLst>
+      <p:ext uri="{BB962C8B-B14F-4D97-AF65-F5344CB8AC3E}">
+        <p14:creationId xmlns:p14="http://schemas.microsoft.com/office/powerpoint/2010/main" val="1926955206"/>
+      </p:ext>
+    </p:extLst>
+  </p:cSld>
+  <p:clrMapOvr>
+    <a:masterClrMapping/>
+  </p:clrMapOvr>
+</p:sld>
+</file>
+
+<file path=ppt/slides/slide14.xml><?xml version="1.0" encoding="utf-8"?>
+<p:sld xmlns:a="http://schemas.openxmlformats.org/drawingml/2006/main" xmlns:r="http://schemas.openxmlformats.org/officeDocument/2006/relationships" xmlns:p="http://schemas.openxmlformats.org/presentationml/2006/main">
+  <p:cSld>
+    <p:spTree>
+      <p:nvGrpSpPr>
+        <p:cNvPr id="1" name=""/>
+        <p:cNvGrpSpPr/>
+        <p:nvPr/>
+      </p:nvGrpSpPr>
+      <p:grpSpPr>
+        <a:xfrm>
+          <a:off x="0" y="0"/>
+          <a:ext cx="0" cy="0"/>
+          <a:chOff x="0" y="0"/>
+          <a:chExt cx="0" cy="0"/>
+        </a:xfrm>
+      </p:grpSpPr>
+      <p:sp>
+        <p:nvSpPr>
+          <p:cNvPr id="2" name="Título 1">
+            <a:extLst>
+              <a:ext uri="{FF2B5EF4-FFF2-40B4-BE49-F238E27FC236}">
+                <a16:creationId xmlns:a16="http://schemas.microsoft.com/office/drawing/2014/main" id="{EB7D6D2D-7156-BF41-894F-452015326630}"/>
+              </a:ext>
+            </a:extLst>
+          </p:cNvPr>
+          <p:cNvSpPr>
+            <a:spLocks noGrp="1"/>
+          </p:cNvSpPr>
+          <p:nvPr>
+            <p:ph type="title"/>
+          </p:nvPr>
+        </p:nvSpPr>
+        <p:spPr/>
+        <p:txBody>
+          <a:bodyPr>
+            <a:normAutofit fontScale="90000"/>
+          </a:bodyPr>
+          <a:lstStyle/>
+          <a:p>
+            <a:r>
+              <a:rPr lang="es-CL" sz="3600" dirty="0"/>
+              <a:t>https://</a:t>
+            </a:r>
+            <a:r>
+              <a:rPr lang="es-CL" sz="3600" dirty="0" err="1"/>
+              <a:t>docs.temporal.io</a:t>
+            </a:r>
+            <a:r>
+              <a:rPr lang="es-CL" sz="3600" dirty="0"/>
+              <a:t>/blog/</a:t>
+            </a:r>
+            <a:r>
+              <a:rPr lang="es-CL" sz="3600" dirty="0" err="1"/>
+              <a:t>workflow-engine-principles</a:t>
+            </a:r>
+            <a:r>
+              <a:rPr lang="es-CL" sz="3600" dirty="0"/>
+              <a:t>/</a:t>
+            </a:r>
+            <a:br>
+              <a:rPr lang="es-CL" dirty="0"/>
+            </a:br>
+            <a:endParaRPr lang="es-CL" dirty="0"/>
+          </a:p>
+        </p:txBody>
+      </p:sp>
+      <p:pic>
+        <p:nvPicPr>
+          <p:cNvPr id="5124" name="Picture 4" descr="Designing Workflow Engine-v7-images 014">
+            <a:extLst>
+              <a:ext uri="{FF2B5EF4-FFF2-40B4-BE49-F238E27FC236}">
+                <a16:creationId xmlns:a16="http://schemas.microsoft.com/office/drawing/2014/main" id="{63FC3734-55D8-6E4C-9D8F-DC530E3EBF53}"/>
+              </a:ext>
+            </a:extLst>
+          </p:cNvPr>
+          <p:cNvPicPr>
+            <a:picLocks noChangeAspect="1" noChangeArrowheads="1"/>
+          </p:cNvPicPr>
+          <p:nvPr/>
+        </p:nvPicPr>
+        <p:blipFill>
+          <a:blip r:embed="rId2">
+            <a:extLst>
+              <a:ext uri="{28A0092B-C50C-407E-A947-70E740481C1C}">
+                <a14:useLocalDpi xmlns:a14="http://schemas.microsoft.com/office/drawing/2010/main" val="0"/>
+              </a:ext>
+            </a:extLst>
+          </a:blip>
+          <a:srcRect/>
+          <a:stretch>
+            <a:fillRect/>
+          </a:stretch>
+        </p:blipFill>
+        <p:spPr bwMode="auto">
+          <a:xfrm>
+            <a:off x="1219200" y="1371600"/>
+            <a:ext cx="9753600" cy="5486400"/>
+          </a:xfrm>
+          <a:prstGeom prst="rect">
+            <a:avLst/>
+          </a:prstGeom>
+          <a:noFill/>
+          <a:extLst>
+            <a:ext uri="{909E8E84-426E-40DD-AFC4-6F175D3DCCD1}">
+              <a14:hiddenFill xmlns:a14="http://schemas.microsoft.com/office/drawing/2010/main">
+                <a:solidFill>
+                  <a:srgbClr val="FFFFFF"/>
+                </a:solidFill>
+              </a14:hiddenFill>
+            </a:ext>
+          </a:extLst>
+        </p:spPr>
+      </p:pic>
+    </p:spTree>
+    <p:extLst>
+      <p:ext uri="{BB962C8B-B14F-4D97-AF65-F5344CB8AC3E}">
+        <p14:creationId xmlns:p14="http://schemas.microsoft.com/office/powerpoint/2010/main" val="1778242615"/>
+      </p:ext>
+    </p:extLst>
+  </p:cSld>
+  <p:clrMapOvr>
+    <a:masterClrMapping/>
+  </p:clrMapOvr>
+</p:sld>
+</file>
+
+<file path=ppt/slides/slide15.xml><?xml version="1.0" encoding="utf-8"?>
+<p:sld xmlns:a="http://schemas.openxmlformats.org/drawingml/2006/main" xmlns:r="http://schemas.openxmlformats.org/officeDocument/2006/relationships" xmlns:p="http://schemas.openxmlformats.org/presentationml/2006/main">
+  <p:cSld>
+    <p:spTree>
+      <p:nvGrpSpPr>
+        <p:cNvPr id="1" name=""/>
+        <p:cNvGrpSpPr/>
+        <p:nvPr/>
+      </p:nvGrpSpPr>
+      <p:grpSpPr>
+        <a:xfrm>
+          <a:off x="0" y="0"/>
+          <a:ext cx="0" cy="0"/>
+          <a:chOff x="0" y="0"/>
+          <a:chExt cx="0" cy="0"/>
+        </a:xfrm>
+      </p:grpSpPr>
+      <p:sp>
+        <p:nvSpPr>
+          <p:cNvPr id="2" name="Título 1">
+            <a:extLst>
+              <a:ext uri="{FF2B5EF4-FFF2-40B4-BE49-F238E27FC236}">
+                <a16:creationId xmlns:a16="http://schemas.microsoft.com/office/drawing/2014/main" id="{EB7D6D2D-7156-BF41-894F-452015326630}"/>
+              </a:ext>
+            </a:extLst>
+          </p:cNvPr>
+          <p:cNvSpPr>
+            <a:spLocks noGrp="1"/>
+          </p:cNvSpPr>
+          <p:nvPr>
+            <p:ph type="title"/>
+          </p:nvPr>
+        </p:nvSpPr>
+        <p:spPr/>
+        <p:txBody>
+          <a:bodyPr>
+            <a:normAutofit fontScale="90000"/>
+          </a:bodyPr>
+          <a:lstStyle/>
+          <a:p>
+            <a:r>
+              <a:rPr lang="es-CL" sz="3600" dirty="0"/>
+              <a:t>https://</a:t>
+            </a:r>
+            <a:r>
+              <a:rPr lang="es-CL" sz="3600" dirty="0" err="1"/>
+              <a:t>docs.temporal.io</a:t>
+            </a:r>
+            <a:r>
+              <a:rPr lang="es-CL" sz="3600" dirty="0"/>
+              <a:t>/blog/</a:t>
+            </a:r>
+            <a:r>
+              <a:rPr lang="es-CL" sz="3600" dirty="0" err="1"/>
+              <a:t>workflow-engine-principles</a:t>
+            </a:r>
+            <a:r>
+              <a:rPr lang="es-CL" sz="3600" dirty="0"/>
+              <a:t>/</a:t>
+            </a:r>
+            <a:br>
+              <a:rPr lang="es-CL" dirty="0"/>
+            </a:br>
+            <a:endParaRPr lang="es-CL" dirty="0"/>
+          </a:p>
+        </p:txBody>
+      </p:sp>
+      <p:pic>
+        <p:nvPicPr>
+          <p:cNvPr id="5126" name="Picture 6" descr="Designing Workflow Engine-v7-images 016">
+            <a:extLst>
+              <a:ext uri="{FF2B5EF4-FFF2-40B4-BE49-F238E27FC236}">
+                <a16:creationId xmlns:a16="http://schemas.microsoft.com/office/drawing/2014/main" id="{CDA89810-5366-A44B-B1A4-F31105075EEA}"/>
+              </a:ext>
+            </a:extLst>
+          </p:cNvPr>
+          <p:cNvPicPr>
+            <a:picLocks noChangeAspect="1" noChangeArrowheads="1"/>
+          </p:cNvPicPr>
+          <p:nvPr/>
+        </p:nvPicPr>
+        <p:blipFill>
+          <a:blip r:embed="rId2">
+            <a:extLst>
+              <a:ext uri="{28A0092B-C50C-407E-A947-70E740481C1C}">
+                <a14:useLocalDpi xmlns:a14="http://schemas.microsoft.com/office/drawing/2010/main" val="0"/>
+              </a:ext>
+            </a:extLst>
+          </a:blip>
+          <a:srcRect/>
+          <a:stretch>
+            <a:fillRect/>
+          </a:stretch>
+        </p:blipFill>
+        <p:spPr bwMode="auto">
+          <a:xfrm>
+            <a:off x="1170762" y="1190847"/>
+            <a:ext cx="10074939" cy="5667153"/>
+          </a:xfrm>
+          <a:prstGeom prst="rect">
+            <a:avLst/>
+          </a:prstGeom>
+          <a:noFill/>
+          <a:extLst>
+            <a:ext uri="{909E8E84-426E-40DD-AFC4-6F175D3DCCD1}">
+              <a14:hiddenFill xmlns:a14="http://schemas.microsoft.com/office/drawing/2010/main">
+                <a:solidFill>
+                  <a:srgbClr val="FFFFFF"/>
+                </a:solidFill>
+              </a14:hiddenFill>
+            </a:ext>
+          </a:extLst>
+        </p:spPr>
+      </p:pic>
+    </p:spTree>
+    <p:extLst>
+      <p:ext uri="{BB962C8B-B14F-4D97-AF65-F5344CB8AC3E}">
+        <p14:creationId xmlns:p14="http://schemas.microsoft.com/office/powerpoint/2010/main" val="2847892321"/>
+      </p:ext>
+    </p:extLst>
+  </p:cSld>
+  <p:clrMapOvr>
+    <a:masterClrMapping/>
+  </p:clrMapOvr>
+</p:sld>
+</file>
+
+<file path=ppt/slides/slide2.xml><?xml version="1.0" encoding="utf-8"?>
+<p:sld xmlns:a="http://schemas.openxmlformats.org/drawingml/2006/main" xmlns:r="http://schemas.openxmlformats.org/officeDocument/2006/relationships" xmlns:p="http://schemas.openxmlformats.org/presentationml/2006/main">
+  <p:cSld>
+    <p:bg>
+      <p:bgPr>
+        <a:solidFill>
+          <a:schemeClr val="bg1"/>
+        </a:solidFill>
+        <a:effectLst/>
+      </p:bgPr>
+    </p:bg>
+    <p:spTree>
+      <p:nvGrpSpPr>
+        <p:cNvPr id="1" name=""/>
+        <p:cNvGrpSpPr/>
+        <p:nvPr/>
+      </p:nvGrpSpPr>
+      <p:grpSpPr>
+        <a:xfrm>
+          <a:off x="0" y="0"/>
+          <a:ext cx="0" cy="0"/>
+          <a:chOff x="0" y="0"/>
+          <a:chExt cx="0" cy="0"/>
+        </a:xfrm>
+      </p:grpSpPr>
+      <p:sp useBgFill="1">
+        <p:nvSpPr>
+          <p:cNvPr id="11" name="Rectangle 10">
+            <a:extLst>
+              <a:ext uri="{FF2B5EF4-FFF2-40B4-BE49-F238E27FC236}">
+                <a16:creationId xmlns:a16="http://schemas.microsoft.com/office/drawing/2014/main" id="{06DA9DF9-31F7-4056-B42E-878CC92417B8}"/>
+              </a:ext>
+              <a:ext uri="{C183D7F6-B498-43B3-948B-1728B52AA6E4}">
+                <adec:decorative xmlns:adec="http://schemas.microsoft.com/office/drawing/2017/decorative" val="1"/>
+              </a:ext>
+            </a:extLst>
+          </p:cNvPr>
+          <p:cNvSpPr>
+            <a:spLocks noGrp="1" noRot="1" noChangeAspect="1" noMove="1" noResize="1" noEditPoints="1" noAdjustHandles="1" noChangeArrowheads="1" noChangeShapeType="1" noTextEdit="1"/>
+          </p:cNvSpPr>
+          <p:nvPr>
+            <p:extLst>
+              <p:ext uri="{386F3935-93C4-4BCD-93E2-E3B085C9AB24}">
+                <p16:designElem xmlns:p16="http://schemas.microsoft.com/office/powerpoint/2015/main" val="1"/>
+              </p:ext>
+            </p:extLst>
+          </p:nvPr>
+        </p:nvSpPr>
+        <p:spPr>
+          <a:xfrm>
+            <a:off x="0" y="0"/>
+            <a:ext cx="12188952" cy="6858000"/>
+          </a:xfrm>
+          <a:prstGeom prst="rect">
+            <a:avLst/>
+          </a:prstGeom>
+          <a:ln>
+            <a:noFill/>
+          </a:ln>
+        </p:spPr>
+        <p:style>
+          <a:lnRef idx="2">
+            <a:schemeClr val="accent1">
+              <a:shade val="50000"/>
+            </a:schemeClr>
+          </a:lnRef>
+          <a:fillRef idx="1">
+            <a:schemeClr val="accent1"/>
+          </a:fillRef>
+          <a:effectRef idx="0">
+            <a:schemeClr val="accent1"/>
+          </a:effectRef>
+          <a:fontRef idx="minor">
+            <a:schemeClr val="lt1"/>
+          </a:fontRef>
+        </p:style>
+        <p:txBody>
+          <a:bodyPr rtlCol="0" anchor="ctr"/>
+          <a:lstStyle/>
+          <a:p>
+            <a:pPr algn="ctr"/>
+            <a:endParaRPr lang="en-US"/>
+          </a:p>
+        </p:txBody>
+      </p:sp>
+      <p:sp>
+        <p:nvSpPr>
+          <p:cNvPr id="2" name="Título 1">
+            <a:extLst>
+              <a:ext uri="{FF2B5EF4-FFF2-40B4-BE49-F238E27FC236}">
+                <a16:creationId xmlns:a16="http://schemas.microsoft.com/office/drawing/2014/main" id="{69983E88-F752-C044-B264-21192A4B5416}"/>
+              </a:ext>
+            </a:extLst>
+          </p:cNvPr>
+          <p:cNvSpPr>
+            <a:spLocks noGrp="1"/>
+          </p:cNvSpPr>
+          <p:nvPr>
+            <p:ph type="title"/>
+          </p:nvPr>
+        </p:nvSpPr>
+        <p:spPr>
+          <a:xfrm>
+            <a:off x="689096" y="34899"/>
+            <a:ext cx="4620584" cy="1098247"/>
+          </a:xfrm>
+        </p:spPr>
+        <p:txBody>
+          <a:bodyPr vert="horz" lIns="91440" tIns="45720" rIns="91440" bIns="45720" rtlCol="0" anchor="b">
+            <a:normAutofit/>
+          </a:bodyPr>
+          <a:lstStyle/>
+          <a:p>
+            <a:pPr algn="ctr"/>
+            <a:r>
+              <a:rPr lang="en-US" sz="2400" b="1" dirty="0"/>
+              <a:t>Juan Carlos </a:t>
+            </a:r>
+            <a:r>
+              <a:rPr lang="en-US" sz="2400" b="1" dirty="0" err="1"/>
+              <a:t>Lanas</a:t>
+            </a:r>
+            <a:r>
+              <a:rPr lang="en-US" sz="2400" b="1" dirty="0"/>
+              <a:t> Ocampo</a:t>
+            </a:r>
+            <a:br>
+              <a:rPr lang="en-US" sz="2400" dirty="0"/>
+            </a:br>
+            <a:r>
+              <a:rPr lang="en-US" sz="1800" dirty="0" err="1"/>
+              <a:t>Subgerente</a:t>
+            </a:r>
+            <a:r>
+              <a:rPr lang="en-US" sz="1800" dirty="0"/>
+              <a:t> de Desarrollo de </a:t>
+            </a:r>
+            <a:r>
+              <a:rPr lang="en-US" sz="1800" dirty="0" err="1"/>
+              <a:t>Integraciones</a:t>
+            </a:r>
+            <a:r>
+              <a:rPr lang="en-US" sz="1800" dirty="0"/>
+              <a:t> </a:t>
+            </a:r>
+            <a:r>
+              <a:rPr lang="en-US" sz="1800" dirty="0" err="1"/>
+              <a:t>en</a:t>
+            </a:r>
+            <a:r>
+              <a:rPr lang="en-US" sz="1800" dirty="0"/>
+              <a:t> </a:t>
+            </a:r>
+            <a:r>
+              <a:rPr lang="en-US" sz="1800" dirty="0" err="1"/>
+              <a:t>Falabella</a:t>
+            </a:r>
+            <a:r>
+              <a:rPr lang="en-US" sz="1800" dirty="0"/>
+              <a:t> </a:t>
+            </a:r>
+            <a:r>
+              <a:rPr lang="en-US" sz="1800" dirty="0" err="1"/>
+              <a:t>Financiero</a:t>
+            </a:r>
+            <a:endParaRPr lang="en-US" sz="1800" dirty="0"/>
+          </a:p>
+        </p:txBody>
+      </p:sp>
+      <p:pic>
+        <p:nvPicPr>
+          <p:cNvPr id="6" name="Imagen 5" descr="Un hombre con lentes y camisa azul&#10;&#10;Descripción generada automáticamente">
+            <a:extLst>
+              <a:ext uri="{FF2B5EF4-FFF2-40B4-BE49-F238E27FC236}">
+                <a16:creationId xmlns:a16="http://schemas.microsoft.com/office/drawing/2014/main" id="{19BC8607-96E7-5849-ADD9-AFFF7887F832}"/>
+              </a:ext>
+            </a:extLst>
+          </p:cNvPr>
+          <p:cNvPicPr>
+            <a:picLocks noChangeAspect="1"/>
+          </p:cNvPicPr>
+          <p:nvPr/>
+        </p:nvPicPr>
+        <p:blipFill rotWithShape="1">
+          <a:blip r:embed="rId2"/>
+          <a:srcRect t="9101" b="4352"/>
+          <a:stretch/>
+        </p:blipFill>
+        <p:spPr>
+          <a:xfrm>
+            <a:off x="6229215" y="10"/>
+            <a:ext cx="5962785" cy="6857990"/>
+          </a:xfrm>
+          <a:custGeom>
+            <a:avLst/>
+            <a:gdLst/>
+            <a:ahLst/>
+            <a:cxnLst/>
+            <a:rect l="l" t="t" r="r" b="b"/>
+            <a:pathLst>
+              <a:path w="5962785" h="6858000">
+                <a:moveTo>
+                  <a:pt x="1044839" y="0"/>
+                </a:moveTo>
+                <a:lnTo>
+                  <a:pt x="5962785" y="0"/>
+                </a:lnTo>
+                <a:lnTo>
+                  <a:pt x="5962785" y="6858000"/>
+                </a:lnTo>
+                <a:lnTo>
+                  <a:pt x="1469886" y="6858000"/>
+                </a:lnTo>
+                <a:lnTo>
+                  <a:pt x="1416006" y="6823984"/>
+                </a:lnTo>
+                <a:cubicBezTo>
+                  <a:pt x="1356767" y="6787940"/>
+                  <a:pt x="1296437" y="6755500"/>
+                  <a:pt x="1232473" y="6733873"/>
+                </a:cubicBezTo>
+                <a:cubicBezTo>
+                  <a:pt x="1145250" y="6705037"/>
+                  <a:pt x="1060933" y="6654575"/>
+                  <a:pt x="1075471" y="6503186"/>
+                </a:cubicBezTo>
+                <a:cubicBezTo>
+                  <a:pt x="1078378" y="6459932"/>
+                  <a:pt x="1055118" y="6427493"/>
+                  <a:pt x="1020229" y="6438306"/>
+                </a:cubicBezTo>
+                <a:cubicBezTo>
+                  <a:pt x="953358" y="6459932"/>
+                  <a:pt x="921375" y="6398656"/>
+                  <a:pt x="883579" y="6351798"/>
+                </a:cubicBezTo>
+                <a:cubicBezTo>
+                  <a:pt x="816707" y="6268895"/>
+                  <a:pt x="752743" y="6182387"/>
+                  <a:pt x="645167" y="6167969"/>
+                </a:cubicBezTo>
+                <a:cubicBezTo>
+                  <a:pt x="665519" y="6103088"/>
+                  <a:pt x="700408" y="6110298"/>
+                  <a:pt x="732391" y="6124716"/>
+                </a:cubicBezTo>
+                <a:cubicBezTo>
+                  <a:pt x="816707" y="6160761"/>
+                  <a:pt x="901023" y="6200410"/>
+                  <a:pt x="985339" y="6236455"/>
+                </a:cubicBezTo>
+                <a:cubicBezTo>
+                  <a:pt x="1040581" y="6258081"/>
+                  <a:pt x="1095822" y="6290522"/>
+                  <a:pt x="1168509" y="6265291"/>
+                </a:cubicBezTo>
+                <a:cubicBezTo>
+                  <a:pt x="1104545" y="6135530"/>
+                  <a:pt x="996969" y="6110298"/>
+                  <a:pt x="909746" y="6070649"/>
+                </a:cubicBezTo>
+                <a:cubicBezTo>
+                  <a:pt x="802169" y="6020185"/>
+                  <a:pt x="738206" y="5926470"/>
+                  <a:pt x="659704" y="5818335"/>
+                </a:cubicBezTo>
+                <a:cubicBezTo>
+                  <a:pt x="738206" y="5789500"/>
+                  <a:pt x="787632" y="5868798"/>
+                  <a:pt x="851597" y="5865193"/>
+                </a:cubicBezTo>
+                <a:cubicBezTo>
+                  <a:pt x="854504" y="5854380"/>
+                  <a:pt x="860319" y="5832753"/>
+                  <a:pt x="860319" y="5832753"/>
+                </a:cubicBezTo>
+                <a:cubicBezTo>
+                  <a:pt x="755650" y="5775081"/>
+                  <a:pt x="709132" y="5666947"/>
+                  <a:pt x="691686" y="5533581"/>
+                </a:cubicBezTo>
+                <a:cubicBezTo>
+                  <a:pt x="685872" y="5465095"/>
+                  <a:pt x="648075" y="5443468"/>
+                  <a:pt x="610278" y="5411029"/>
+                </a:cubicBezTo>
+                <a:cubicBezTo>
+                  <a:pt x="482350" y="5299289"/>
+                  <a:pt x="345700" y="5198364"/>
+                  <a:pt x="238123" y="5046976"/>
+                </a:cubicBezTo>
+                <a:cubicBezTo>
+                  <a:pt x="363144" y="5064998"/>
+                  <a:pt x="461997" y="5165924"/>
+                  <a:pt x="592833" y="5209177"/>
+                </a:cubicBezTo>
+                <a:cubicBezTo>
+                  <a:pt x="488165" y="5043371"/>
+                  <a:pt x="351514" y="4956864"/>
+                  <a:pt x="226494" y="4855939"/>
+                </a:cubicBezTo>
+                <a:cubicBezTo>
+                  <a:pt x="168344" y="4809081"/>
+                  <a:pt x="116011" y="4751408"/>
+                  <a:pt x="49139" y="4726177"/>
+                </a:cubicBezTo>
+                <a:cubicBezTo>
+                  <a:pt x="25879" y="4718968"/>
+                  <a:pt x="-14825" y="4700947"/>
+                  <a:pt x="5527" y="4650483"/>
+                </a:cubicBezTo>
+                <a:cubicBezTo>
+                  <a:pt x="22972" y="4607230"/>
+                  <a:pt x="54954" y="4621648"/>
+                  <a:pt x="84029" y="4632460"/>
+                </a:cubicBezTo>
+                <a:cubicBezTo>
+                  <a:pt x="153807" y="4661296"/>
+                  <a:pt x="229401" y="4661296"/>
+                  <a:pt x="325347" y="4661296"/>
+                </a:cubicBezTo>
+                <a:cubicBezTo>
+                  <a:pt x="243939" y="4524326"/>
+                  <a:pt x="95658" y="4567580"/>
+                  <a:pt x="25879" y="4423401"/>
+                </a:cubicBezTo>
+                <a:cubicBezTo>
+                  <a:pt x="113103" y="4398170"/>
+                  <a:pt x="179975" y="4448632"/>
+                  <a:pt x="249753" y="4459446"/>
+                </a:cubicBezTo>
+                <a:cubicBezTo>
+                  <a:pt x="313718" y="4470259"/>
+                  <a:pt x="328254" y="4445028"/>
+                  <a:pt x="313718" y="4365729"/>
+                </a:cubicBezTo>
+                <a:cubicBezTo>
+                  <a:pt x="290458" y="4243177"/>
+                  <a:pt x="325347" y="4181900"/>
+                  <a:pt x="418386" y="4214341"/>
+                </a:cubicBezTo>
+                <a:cubicBezTo>
+                  <a:pt x="505609" y="4246781"/>
+                  <a:pt x="514332" y="4199922"/>
+                  <a:pt x="491072" y="4131438"/>
+                </a:cubicBezTo>
+                <a:cubicBezTo>
+                  <a:pt x="456183" y="4030512"/>
+                  <a:pt x="493979" y="3951214"/>
+                  <a:pt x="520147" y="3864706"/>
+                </a:cubicBezTo>
+                <a:cubicBezTo>
+                  <a:pt x="560851" y="3734945"/>
+                  <a:pt x="543407" y="3670064"/>
+                  <a:pt x="459090" y="3572743"/>
+                </a:cubicBezTo>
+                <a:cubicBezTo>
+                  <a:pt x="409664" y="3518676"/>
+                  <a:pt x="360236" y="3471818"/>
+                  <a:pt x="290458" y="3424959"/>
+                </a:cubicBezTo>
+                <a:cubicBezTo>
+                  <a:pt x="450368" y="3399728"/>
+                  <a:pt x="284643" y="3313221"/>
+                  <a:pt x="339884" y="3259153"/>
+                </a:cubicBezTo>
+                <a:cubicBezTo>
+                  <a:pt x="453275" y="3237527"/>
+                  <a:pt x="543407" y="3410542"/>
+                  <a:pt x="697501" y="3360078"/>
+                </a:cubicBezTo>
+                <a:cubicBezTo>
+                  <a:pt x="511425" y="3212294"/>
+                  <a:pt x="302087" y="3165436"/>
+                  <a:pt x="165437" y="2967190"/>
+                </a:cubicBezTo>
+                <a:cubicBezTo>
+                  <a:pt x="197419" y="2923937"/>
+                  <a:pt x="229401" y="2967190"/>
+                  <a:pt x="255568" y="2949167"/>
+                </a:cubicBezTo>
+                <a:cubicBezTo>
+                  <a:pt x="255568" y="2938354"/>
+                  <a:pt x="560851" y="3006840"/>
+                  <a:pt x="578296" y="2725691"/>
+                </a:cubicBezTo>
+                <a:cubicBezTo>
+                  <a:pt x="584111" y="2725691"/>
+                  <a:pt x="589926" y="2725691"/>
+                  <a:pt x="595740" y="2714876"/>
+                </a:cubicBezTo>
+                <a:cubicBezTo>
+                  <a:pt x="627722" y="2675228"/>
+                  <a:pt x="598648" y="2581510"/>
+                  <a:pt x="650982" y="2574301"/>
+                </a:cubicBezTo>
+                <a:cubicBezTo>
+                  <a:pt x="709132" y="2567092"/>
+                  <a:pt x="764373" y="2534653"/>
+                  <a:pt x="825429" y="2552674"/>
+                </a:cubicBezTo>
+                <a:cubicBezTo>
+                  <a:pt x="871949" y="2567092"/>
+                  <a:pt x="921375" y="2585115"/>
+                  <a:pt x="970802" y="2585115"/>
+                </a:cubicBezTo>
+                <a:cubicBezTo>
+                  <a:pt x="1023136" y="2585115"/>
+                  <a:pt x="1095822" y="2707668"/>
+                  <a:pt x="1127805" y="2545465"/>
+                </a:cubicBezTo>
+                <a:cubicBezTo>
+                  <a:pt x="1127805" y="2538257"/>
+                  <a:pt x="1217936" y="2556280"/>
+                  <a:pt x="1267362" y="2563488"/>
+                </a:cubicBezTo>
+                <a:cubicBezTo>
+                  <a:pt x="1308067" y="2570698"/>
+                  <a:pt x="1357494" y="2603137"/>
+                  <a:pt x="1386568" y="2538257"/>
+                </a:cubicBezTo>
+                <a:cubicBezTo>
+                  <a:pt x="1401105" y="2498607"/>
+                  <a:pt x="1331326" y="2426518"/>
+                  <a:pt x="1270270" y="2419309"/>
+                </a:cubicBezTo>
+                <a:cubicBezTo>
+                  <a:pt x="1215029" y="2412101"/>
+                  <a:pt x="1159787" y="2404892"/>
+                  <a:pt x="1107453" y="2419309"/>
+                </a:cubicBezTo>
+                <a:cubicBezTo>
+                  <a:pt x="1043489" y="2437331"/>
+                  <a:pt x="1008599" y="2408495"/>
+                  <a:pt x="991154" y="2343615"/>
+                </a:cubicBezTo>
+                <a:cubicBezTo>
+                  <a:pt x="970802" y="2275131"/>
+                  <a:pt x="933005" y="2239085"/>
+                  <a:pt x="880671" y="2206645"/>
+                </a:cubicBezTo>
+                <a:cubicBezTo>
+                  <a:pt x="752743" y="2127346"/>
+                  <a:pt x="630630" y="2033629"/>
+                  <a:pt x="491072" y="1986771"/>
+                </a:cubicBezTo>
+                <a:cubicBezTo>
+                  <a:pt x="464905" y="1979562"/>
+                  <a:pt x="432923" y="1965145"/>
+                  <a:pt x="421293" y="1903868"/>
+                </a:cubicBezTo>
+                <a:cubicBezTo>
+                  <a:pt x="799262" y="1997584"/>
+                  <a:pt x="1142342" y="2239085"/>
+                  <a:pt x="1531941" y="2224667"/>
+                </a:cubicBezTo>
+                <a:cubicBezTo>
+                  <a:pt x="1427272" y="2148974"/>
+                  <a:pt x="1302252" y="2145369"/>
+                  <a:pt x="1188861" y="2091301"/>
+                </a:cubicBezTo>
+                <a:cubicBezTo>
+                  <a:pt x="1270270" y="2051652"/>
+                  <a:pt x="1345864" y="2094906"/>
+                  <a:pt x="1421458" y="2116532"/>
+                </a:cubicBezTo>
+                <a:cubicBezTo>
+                  <a:pt x="1485422" y="2134554"/>
+                  <a:pt x="1543571" y="2138160"/>
+                  <a:pt x="1549386" y="2026420"/>
+                </a:cubicBezTo>
+                <a:cubicBezTo>
+                  <a:pt x="1549386" y="2015607"/>
+                  <a:pt x="1549386" y="2008398"/>
+                  <a:pt x="1549386" y="1997584"/>
+                </a:cubicBezTo>
+                <a:cubicBezTo>
+                  <a:pt x="1526126" y="1950727"/>
+                  <a:pt x="1494144" y="1929099"/>
+                  <a:pt x="1453440" y="1914682"/>
+                </a:cubicBezTo>
+                <a:cubicBezTo>
+                  <a:pt x="1430180" y="1907473"/>
+                  <a:pt x="1398198" y="1893056"/>
+                  <a:pt x="1398198" y="1860614"/>
+                </a:cubicBezTo>
+                <a:cubicBezTo>
+                  <a:pt x="1401105" y="1738063"/>
+                  <a:pt x="1322604" y="1702018"/>
+                  <a:pt x="1247011" y="1665972"/>
+                </a:cubicBezTo>
+                <a:cubicBezTo>
+                  <a:pt x="1287715" y="1604696"/>
+                  <a:pt x="1322604" y="1647950"/>
+                  <a:pt x="1354586" y="1644345"/>
+                </a:cubicBezTo>
+                <a:cubicBezTo>
+                  <a:pt x="1374939" y="1640741"/>
+                  <a:pt x="1395290" y="1637138"/>
+                  <a:pt x="1395290" y="1604696"/>
+                </a:cubicBezTo>
+                <a:cubicBezTo>
+                  <a:pt x="1395290" y="1579465"/>
+                  <a:pt x="1386568" y="1547025"/>
+                  <a:pt x="1366216" y="1547025"/>
+                </a:cubicBezTo>
+                <a:cubicBezTo>
+                  <a:pt x="1238288" y="1543420"/>
+                  <a:pt x="1165601" y="1370405"/>
+                  <a:pt x="1031858" y="1370405"/>
+                </a:cubicBezTo>
+                <a:cubicBezTo>
+                  <a:pt x="950450" y="1370405"/>
+                  <a:pt x="1072563" y="1273083"/>
+                  <a:pt x="1005692" y="1233435"/>
+                </a:cubicBezTo>
+                <a:cubicBezTo>
+                  <a:pt x="991154" y="1222621"/>
+                  <a:pt x="1046396" y="1208203"/>
+                  <a:pt x="1069655" y="1211808"/>
+                </a:cubicBezTo>
+                <a:cubicBezTo>
+                  <a:pt x="1092915" y="1215412"/>
+                  <a:pt x="1113268" y="1240644"/>
+                  <a:pt x="1142342" y="1222621"/>
+                </a:cubicBezTo>
+                <a:cubicBezTo>
+                  <a:pt x="1156879" y="1157741"/>
+                  <a:pt x="1119082" y="1132510"/>
+                  <a:pt x="1084193" y="1114487"/>
+                </a:cubicBezTo>
+                <a:cubicBezTo>
+                  <a:pt x="1008599" y="1071234"/>
+                  <a:pt x="933005" y="1020771"/>
+                  <a:pt x="848689" y="1006353"/>
+                </a:cubicBezTo>
+                <a:cubicBezTo>
+                  <a:pt x="819615" y="1002748"/>
+                  <a:pt x="802169" y="984726"/>
+                  <a:pt x="805077" y="948681"/>
+                </a:cubicBezTo>
+                <a:cubicBezTo>
+                  <a:pt x="810892" y="901822"/>
+                  <a:pt x="839967" y="916240"/>
+                  <a:pt x="863226" y="919844"/>
+                </a:cubicBezTo>
+                <a:cubicBezTo>
+                  <a:pt x="877764" y="923450"/>
+                  <a:pt x="892301" y="934263"/>
+                  <a:pt x="906838" y="909031"/>
+                </a:cubicBezTo>
+                <a:cubicBezTo>
+                  <a:pt x="566666" y="653113"/>
+                  <a:pt x="386404" y="667532"/>
+                  <a:pt x="5527" y="458471"/>
+                </a:cubicBezTo>
+                <a:cubicBezTo>
+                  <a:pt x="89843" y="418822"/>
+                  <a:pt x="150900" y="447658"/>
+                  <a:pt x="209049" y="454867"/>
+                </a:cubicBezTo>
+                <a:cubicBezTo>
+                  <a:pt x="354422" y="472890"/>
+                  <a:pt x="264290" y="505329"/>
+                  <a:pt x="409664" y="526956"/>
+                </a:cubicBezTo>
+                <a:cubicBezTo>
+                  <a:pt x="479443" y="537770"/>
+                  <a:pt x="543407" y="573815"/>
+                  <a:pt x="621908" y="516143"/>
+                </a:cubicBezTo>
+                <a:cubicBezTo>
+                  <a:pt x="674242" y="476494"/>
+                  <a:pt x="758558" y="519747"/>
+                  <a:pt x="822522" y="552188"/>
+                </a:cubicBezTo>
+                <a:cubicBezTo>
+                  <a:pt x="874856" y="581024"/>
+                  <a:pt x="927190" y="588232"/>
+                  <a:pt x="996969" y="552188"/>
+                </a:cubicBezTo>
+                <a:cubicBezTo>
+                  <a:pt x="933005" y="530562"/>
+                  <a:pt x="883579" y="512539"/>
+                  <a:pt x="834151" y="498120"/>
+                </a:cubicBezTo>
+                <a:cubicBezTo>
+                  <a:pt x="793447" y="487307"/>
+                  <a:pt x="770187" y="462076"/>
+                  <a:pt x="773095" y="408008"/>
+                </a:cubicBezTo>
+                <a:cubicBezTo>
+                  <a:pt x="773095" y="379172"/>
+                  <a:pt x="764373" y="339523"/>
+                  <a:pt x="793447" y="325106"/>
+                </a:cubicBezTo>
+                <a:cubicBezTo>
+                  <a:pt x="816707" y="310688"/>
+                  <a:pt x="848689" y="325106"/>
+                  <a:pt x="860319" y="350336"/>
+                </a:cubicBezTo>
+                <a:cubicBezTo>
+                  <a:pt x="874856" y="397195"/>
+                  <a:pt x="889393" y="440449"/>
+                  <a:pt x="938820" y="444054"/>
+                </a:cubicBezTo>
+                <a:cubicBezTo>
+                  <a:pt x="1005692" y="451262"/>
+                  <a:pt x="967894" y="422426"/>
+                  <a:pt x="956265" y="386381"/>
+                </a:cubicBezTo>
+                <a:cubicBezTo>
+                  <a:pt x="944635" y="346733"/>
+                  <a:pt x="979525" y="335919"/>
+                  <a:pt x="1002784" y="343127"/>
+                </a:cubicBezTo>
+                <a:cubicBezTo>
+                  <a:pt x="1090008" y="375569"/>
+                  <a:pt x="1180139" y="317897"/>
+                  <a:pt x="1270270" y="364755"/>
+                </a:cubicBezTo>
+                <a:cubicBezTo>
+                  <a:pt x="1247011" y="249411"/>
+                  <a:pt x="1197583" y="198949"/>
+                  <a:pt x="1092915" y="180926"/>
+                </a:cubicBezTo>
+                <a:cubicBezTo>
+                  <a:pt x="1055118" y="177322"/>
+                  <a:pt x="1014414" y="184530"/>
+                  <a:pt x="979525" y="152090"/>
+                </a:cubicBezTo>
+                <a:cubicBezTo>
+                  <a:pt x="959172" y="134068"/>
+                  <a:pt x="938820" y="112441"/>
+                  <a:pt x="953358" y="76396"/>
+                </a:cubicBezTo>
+                <a:cubicBezTo>
+                  <a:pt x="962080" y="51165"/>
+                  <a:pt x="985339" y="51165"/>
+                  <a:pt x="1005692" y="58373"/>
+                </a:cubicBezTo>
+                <a:cubicBezTo>
+                  <a:pt x="1090008" y="98023"/>
+                  <a:pt x="1180139" y="108837"/>
+                  <a:pt x="1267362" y="123254"/>
+                </a:cubicBezTo>
+                <a:cubicBezTo>
+                  <a:pt x="1281900" y="126859"/>
+                  <a:pt x="1296437" y="134068"/>
+                  <a:pt x="1310975" y="98023"/>
+                </a:cubicBezTo>
+                <a:cubicBezTo>
+                  <a:pt x="1260095" y="81803"/>
+                  <a:pt x="1209941" y="62879"/>
+                  <a:pt x="1159787" y="43505"/>
+                </a:cubicBezTo>
+                <a:close/>
+              </a:path>
+            </a:pathLst>
+          </a:custGeom>
+        </p:spPr>
+      </p:pic>
+      <p:sp>
+        <p:nvSpPr>
+          <p:cNvPr id="8" name="Título 1">
+            <a:extLst>
+              <a:ext uri="{FF2B5EF4-FFF2-40B4-BE49-F238E27FC236}">
+                <a16:creationId xmlns:a16="http://schemas.microsoft.com/office/drawing/2014/main" id="{7C96455F-E96D-6644-A1B9-B38689F33182}"/>
+              </a:ext>
+            </a:extLst>
+          </p:cNvPr>
+          <p:cNvSpPr txBox="1">
+            <a:spLocks/>
+          </p:cNvSpPr>
+          <p:nvPr/>
+        </p:nvSpPr>
+        <p:spPr>
+          <a:xfrm>
+            <a:off x="225484" y="1870900"/>
+            <a:ext cx="5582699" cy="1098247"/>
+          </a:xfrm>
+          <a:prstGeom prst="rect">
+            <a:avLst/>
+          </a:prstGeom>
+        </p:spPr>
+        <p:txBody>
+          <a:bodyPr vert="horz" lIns="91440" tIns="45720" rIns="91440" bIns="45720" rtlCol="0" anchor="b">
+            <a:normAutofit/>
+          </a:bodyPr>
+          <a:lstStyle>
+            <a:lvl1pPr algn="l" defTabSz="914400" rtl="0" eaLnBrk="1" latinLnBrk="0" hangingPunct="1">
+              <a:lnSpc>
+                <a:spcPct val="90000"/>
+              </a:lnSpc>
+              <a:spcBef>
+                <a:spcPct val="0"/>
+              </a:spcBef>
+              <a:buNone/>
+              <a:defRPr sz="4400" kern="1200">
+                <a:solidFill>
+                  <a:schemeClr val="tx1"/>
+                </a:solidFill>
+                <a:latin typeface="+mj-lt"/>
+                <a:ea typeface="+mj-ea"/>
+                <a:cs typeface="+mj-cs"/>
+              </a:defRPr>
+            </a:lvl1pPr>
+          </a:lstStyle>
+          <a:p>
+            <a:pPr algn="ctr"/>
+            <a:r>
+              <a:rPr lang="en-US" sz="2400" b="1" dirty="0">
+                <a:hlinkClick r:id="rId3"/>
+              </a:rPr>
+              <a:t>Juancarlos.lanas.Ocampo@gmail.com</a:t>
+            </a:r>
+            <a:endParaRPr lang="en-US" sz="2400" b="1" dirty="0"/>
+          </a:p>
+          <a:p>
+            <a:pPr algn="ctr"/>
+            <a:endParaRPr lang="en-US" sz="2400" b="1" dirty="0"/>
+          </a:p>
+          <a:p>
+            <a:pPr algn="ctr"/>
+            <a:r>
+              <a:rPr lang="en-US" sz="1800" dirty="0">
+                <a:hlinkClick r:id="rId4"/>
+              </a:rPr>
+              <a:t>https://www.linkedin.com/in/juancarloslanasocampo/</a:t>
+            </a:r>
+            <a:endParaRPr lang="en-US" sz="1800" dirty="0"/>
+          </a:p>
+          <a:p>
+            <a:pPr algn="ctr"/>
+            <a:endParaRPr lang="en-US" sz="1800" dirty="0"/>
+          </a:p>
+        </p:txBody>
+      </p:sp>
+      <p:pic>
+        <p:nvPicPr>
+          <p:cNvPr id="9" name="Imagen 8">
+            <a:extLst>
+              <a:ext uri="{FF2B5EF4-FFF2-40B4-BE49-F238E27FC236}">
+                <a16:creationId xmlns:a16="http://schemas.microsoft.com/office/drawing/2014/main" id="{C90D20BD-E266-9F4A-B216-9A16D28AAFD3}"/>
+              </a:ext>
+            </a:extLst>
+          </p:cNvPr>
+          <p:cNvPicPr>
+            <a:picLocks noChangeAspect="1"/>
+          </p:cNvPicPr>
+          <p:nvPr/>
+        </p:nvPicPr>
+        <p:blipFill>
+          <a:blip r:embed="rId5"/>
+          <a:stretch>
+            <a:fillRect/>
+          </a:stretch>
+        </p:blipFill>
+        <p:spPr>
+          <a:xfrm>
+            <a:off x="611084" y="5644528"/>
+            <a:ext cx="5615083" cy="1323636"/>
+          </a:xfrm>
+          <a:prstGeom prst="rect">
+            <a:avLst/>
+          </a:prstGeom>
+        </p:spPr>
+      </p:pic>
+      <p:pic>
+        <p:nvPicPr>
+          <p:cNvPr id="10" name="Imagen 9">
+            <a:extLst>
+              <a:ext uri="{FF2B5EF4-FFF2-40B4-BE49-F238E27FC236}">
+                <a16:creationId xmlns:a16="http://schemas.microsoft.com/office/drawing/2014/main" id="{A663536B-EC49-C04F-A955-D2A5EED71221}"/>
+              </a:ext>
+            </a:extLst>
+          </p:cNvPr>
+          <p:cNvPicPr>
+            <a:picLocks noChangeAspect="1"/>
+          </p:cNvPicPr>
+          <p:nvPr/>
+        </p:nvPicPr>
+        <p:blipFill>
+          <a:blip r:embed="rId6"/>
+          <a:stretch>
+            <a:fillRect/>
+          </a:stretch>
+        </p:blipFill>
+        <p:spPr>
+          <a:xfrm>
+            <a:off x="1690965" y="1337617"/>
+            <a:ext cx="2525587" cy="394997"/>
+          </a:xfrm>
+          <a:prstGeom prst="rect">
+            <a:avLst/>
+          </a:prstGeom>
+        </p:spPr>
+      </p:pic>
+      <p:cxnSp>
+        <p:nvCxnSpPr>
+          <p:cNvPr id="4" name="Conector recto de flecha 3">
+            <a:extLst>
+              <a:ext uri="{FF2B5EF4-FFF2-40B4-BE49-F238E27FC236}">
+                <a16:creationId xmlns:a16="http://schemas.microsoft.com/office/drawing/2014/main" id="{815399A2-4014-6542-80CE-CF93E62A6E75}"/>
+              </a:ext>
+            </a:extLst>
+          </p:cNvPr>
+          <p:cNvCxnSpPr/>
+          <p:nvPr/>
+        </p:nvCxnSpPr>
+        <p:spPr>
+          <a:xfrm>
+            <a:off x="555585" y="4456253"/>
+            <a:ext cx="5428526" cy="0"/>
+          </a:xfrm>
+          <a:prstGeom prst="straightConnector1">
+            <a:avLst/>
+          </a:prstGeom>
+          <a:ln w="50800">
+            <a:tailEnd type="triangle"/>
+          </a:ln>
+        </p:spPr>
+        <p:style>
+          <a:lnRef idx="1">
+            <a:schemeClr val="accent1"/>
+          </a:lnRef>
+          <a:fillRef idx="0">
+            <a:schemeClr val="accent1"/>
+          </a:fillRef>
+          <a:effectRef idx="0">
+            <a:schemeClr val="accent1"/>
+          </a:effectRef>
+          <a:fontRef idx="minor">
+            <a:schemeClr val="tx1"/>
+          </a:fontRef>
+        </p:style>
+      </p:cxnSp>
+      <p:sp>
+        <p:nvSpPr>
+          <p:cNvPr id="5" name="CuadroTexto 4">
+            <a:extLst>
+              <a:ext uri="{FF2B5EF4-FFF2-40B4-BE49-F238E27FC236}">
+                <a16:creationId xmlns:a16="http://schemas.microsoft.com/office/drawing/2014/main" id="{78B312DB-EDBE-974E-A456-84641A49CEA6}"/>
+              </a:ext>
+            </a:extLst>
+          </p:cNvPr>
+          <p:cNvSpPr txBox="1"/>
+          <p:nvPr/>
+        </p:nvSpPr>
+        <p:spPr>
+          <a:xfrm>
+            <a:off x="495894" y="3967078"/>
+            <a:ext cx="1195071" cy="369332"/>
+          </a:xfrm>
+          <a:prstGeom prst="rect">
+            <a:avLst/>
+          </a:prstGeom>
+          <a:noFill/>
+        </p:spPr>
+        <p:txBody>
+          <a:bodyPr wrap="none" rtlCol="0">
+            <a:spAutoFit/>
+          </a:bodyPr>
+          <a:lstStyle/>
+          <a:p>
+            <a:r>
+              <a:rPr lang="es-CL" dirty="0" err="1"/>
+              <a:t>ServiceBus</a:t>
+            </a:r>
+            <a:endParaRPr lang="es-CL" dirty="0"/>
+          </a:p>
+        </p:txBody>
+      </p:sp>
+      <p:sp>
+        <p:nvSpPr>
+          <p:cNvPr id="12" name="CuadroTexto 11">
+            <a:extLst>
+              <a:ext uri="{FF2B5EF4-FFF2-40B4-BE49-F238E27FC236}">
+                <a16:creationId xmlns:a16="http://schemas.microsoft.com/office/drawing/2014/main" id="{26418A9E-52FC-AB4B-AF0C-E158020CFBBE}"/>
+              </a:ext>
+            </a:extLst>
+          </p:cNvPr>
+          <p:cNvSpPr txBox="1"/>
+          <p:nvPr/>
+        </p:nvSpPr>
+        <p:spPr>
+          <a:xfrm>
+            <a:off x="225484" y="4552645"/>
+            <a:ext cx="1846018" cy="369332"/>
+          </a:xfrm>
+          <a:prstGeom prst="rect">
+            <a:avLst/>
+          </a:prstGeom>
+          <a:noFill/>
+        </p:spPr>
+        <p:txBody>
+          <a:bodyPr wrap="none" rtlCol="0">
+            <a:spAutoFit/>
+          </a:bodyPr>
+          <a:lstStyle/>
+          <a:p>
+            <a:r>
+              <a:rPr lang="es-CL" dirty="0" err="1"/>
+              <a:t>ServerApplication</a:t>
+            </a:r>
+            <a:endParaRPr lang="es-CL" dirty="0"/>
+          </a:p>
+        </p:txBody>
+      </p:sp>
+      <p:sp>
+        <p:nvSpPr>
+          <p:cNvPr id="13" name="CuadroTexto 12">
+            <a:extLst>
+              <a:ext uri="{FF2B5EF4-FFF2-40B4-BE49-F238E27FC236}">
+                <a16:creationId xmlns:a16="http://schemas.microsoft.com/office/drawing/2014/main" id="{BFCD639B-88E8-E940-8C1B-56F336E353BB}"/>
+              </a:ext>
+            </a:extLst>
+          </p:cNvPr>
+          <p:cNvSpPr txBox="1"/>
+          <p:nvPr/>
+        </p:nvSpPr>
+        <p:spPr>
+          <a:xfrm>
+            <a:off x="2016618" y="3928149"/>
+            <a:ext cx="1925142" cy="307777"/>
+          </a:xfrm>
+          <a:prstGeom prst="rect">
+            <a:avLst/>
+          </a:prstGeom>
+          <a:noFill/>
+        </p:spPr>
+        <p:txBody>
+          <a:bodyPr wrap="none" rtlCol="0">
+            <a:spAutoFit/>
+          </a:bodyPr>
+          <a:lstStyle/>
+          <a:p>
+            <a:r>
+              <a:rPr lang="es-CL" sz="1400" dirty="0"/>
+              <a:t>C++, Java, Python, otros</a:t>
+            </a:r>
+          </a:p>
+        </p:txBody>
+      </p:sp>
+      <p:sp>
+        <p:nvSpPr>
+          <p:cNvPr id="14" name="CuadroTexto 13">
+            <a:extLst>
+              <a:ext uri="{FF2B5EF4-FFF2-40B4-BE49-F238E27FC236}">
+                <a16:creationId xmlns:a16="http://schemas.microsoft.com/office/drawing/2014/main" id="{A99F07EB-8098-1C4B-AC5A-29A60EBA0250}"/>
+              </a:ext>
+            </a:extLst>
+          </p:cNvPr>
+          <p:cNvSpPr txBox="1"/>
+          <p:nvPr/>
+        </p:nvSpPr>
+        <p:spPr>
+          <a:xfrm>
+            <a:off x="2081957" y="4552645"/>
+            <a:ext cx="1625701" cy="369332"/>
+          </a:xfrm>
+          <a:prstGeom prst="rect">
+            <a:avLst/>
+          </a:prstGeom>
+          <a:noFill/>
+        </p:spPr>
+        <p:txBody>
+          <a:bodyPr wrap="none" rtlCol="0">
+            <a:spAutoFit/>
+          </a:bodyPr>
+          <a:lstStyle/>
+          <a:p>
+            <a:r>
+              <a:rPr lang="es-CL" dirty="0"/>
+              <a:t>SOAP, MQ, JMS</a:t>
+            </a:r>
+          </a:p>
+        </p:txBody>
+      </p:sp>
+      <p:sp>
+        <p:nvSpPr>
+          <p:cNvPr id="15" name="CuadroTexto 14">
+            <a:extLst>
+              <a:ext uri="{FF2B5EF4-FFF2-40B4-BE49-F238E27FC236}">
+                <a16:creationId xmlns:a16="http://schemas.microsoft.com/office/drawing/2014/main" id="{8CB70BA3-E011-734A-B902-184CFAAAA884}"/>
+              </a:ext>
+            </a:extLst>
+          </p:cNvPr>
+          <p:cNvSpPr txBox="1"/>
+          <p:nvPr/>
+        </p:nvSpPr>
+        <p:spPr>
+          <a:xfrm>
+            <a:off x="4401527" y="3828592"/>
+            <a:ext cx="1088118" cy="369332"/>
+          </a:xfrm>
+          <a:prstGeom prst="rect">
+            <a:avLst/>
+          </a:prstGeom>
+          <a:noFill/>
+        </p:spPr>
+        <p:txBody>
+          <a:bodyPr wrap="none" rtlCol="0">
+            <a:spAutoFit/>
+          </a:bodyPr>
+          <a:lstStyle/>
+          <a:p>
+            <a:r>
+              <a:rPr lang="es-CL" dirty="0" err="1"/>
+              <a:t>APIs</a:t>
+            </a:r>
+            <a:r>
+              <a:rPr lang="es-CL" dirty="0"/>
+              <a:t> REST</a:t>
+            </a:r>
+          </a:p>
+        </p:txBody>
+      </p:sp>
+      <p:sp>
+        <p:nvSpPr>
+          <p:cNvPr id="16" name="CuadroTexto 15">
+            <a:extLst>
+              <a:ext uri="{FF2B5EF4-FFF2-40B4-BE49-F238E27FC236}">
+                <a16:creationId xmlns:a16="http://schemas.microsoft.com/office/drawing/2014/main" id="{936FBD4E-831B-9747-874A-5B340DA72A31}"/>
+              </a:ext>
+            </a:extLst>
+          </p:cNvPr>
+          <p:cNvSpPr txBox="1"/>
+          <p:nvPr/>
+        </p:nvSpPr>
+        <p:spPr>
+          <a:xfrm>
+            <a:off x="4210106" y="4552645"/>
+            <a:ext cx="1012778" cy="369332"/>
+          </a:xfrm>
+          <a:prstGeom prst="rect">
+            <a:avLst/>
+          </a:prstGeom>
+          <a:noFill/>
+        </p:spPr>
+        <p:txBody>
+          <a:bodyPr wrap="none" rtlCol="0">
+            <a:spAutoFit/>
+          </a:bodyPr>
+          <a:lstStyle/>
+          <a:p>
+            <a:r>
+              <a:rPr lang="es-CL" dirty="0" err="1"/>
+              <a:t>Golang</a:t>
+            </a:r>
+            <a:r>
+              <a:rPr lang="es-CL" dirty="0"/>
+              <a:t>,  </a:t>
+            </a:r>
+          </a:p>
+        </p:txBody>
+      </p:sp>
+      <p:cxnSp>
+        <p:nvCxnSpPr>
+          <p:cNvPr id="17" name="Conector recto 16">
+            <a:extLst>
+              <a:ext uri="{FF2B5EF4-FFF2-40B4-BE49-F238E27FC236}">
+                <a16:creationId xmlns:a16="http://schemas.microsoft.com/office/drawing/2014/main" id="{E3B11859-C07C-D843-BB51-4FD7EA0964F0}"/>
+              </a:ext>
+            </a:extLst>
+          </p:cNvPr>
+          <p:cNvCxnSpPr/>
+          <p:nvPr/>
+        </p:nvCxnSpPr>
+        <p:spPr>
+          <a:xfrm>
+            <a:off x="1936069" y="4336410"/>
+            <a:ext cx="0" cy="239687"/>
+          </a:xfrm>
+          <a:prstGeom prst="line">
+            <a:avLst/>
+          </a:prstGeom>
+        </p:spPr>
+        <p:style>
+          <a:lnRef idx="1">
+            <a:schemeClr val="accent1"/>
+          </a:lnRef>
+          <a:fillRef idx="0">
+            <a:schemeClr val="accent1"/>
+          </a:fillRef>
+          <a:effectRef idx="0">
+            <a:schemeClr val="accent1"/>
+          </a:effectRef>
+          <a:fontRef idx="minor">
+            <a:schemeClr val="tx1"/>
+          </a:fontRef>
+        </p:style>
+      </p:cxnSp>
+      <p:cxnSp>
+        <p:nvCxnSpPr>
+          <p:cNvPr id="20" name="Conector recto 19">
+            <a:extLst>
+              <a:ext uri="{FF2B5EF4-FFF2-40B4-BE49-F238E27FC236}">
+                <a16:creationId xmlns:a16="http://schemas.microsoft.com/office/drawing/2014/main" id="{0A8A4A8A-6EE5-BC4F-B00A-FDF867944E7D}"/>
+              </a:ext>
+            </a:extLst>
+          </p:cNvPr>
+          <p:cNvCxnSpPr/>
+          <p:nvPr/>
+        </p:nvCxnSpPr>
+        <p:spPr>
+          <a:xfrm>
+            <a:off x="4216552" y="4336410"/>
+            <a:ext cx="0" cy="239687"/>
+          </a:xfrm>
+          <a:prstGeom prst="line">
+            <a:avLst/>
+          </a:prstGeom>
+        </p:spPr>
+        <p:style>
+          <a:lnRef idx="1">
+            <a:schemeClr val="accent1"/>
+          </a:lnRef>
+          <a:fillRef idx="0">
+            <a:schemeClr val="accent1"/>
+          </a:fillRef>
+          <a:effectRef idx="0">
+            <a:schemeClr val="accent1"/>
+          </a:effectRef>
+          <a:fontRef idx="minor">
+            <a:schemeClr val="tx1"/>
+          </a:fontRef>
+        </p:style>
+      </p:cxnSp>
+      <p:sp>
+        <p:nvSpPr>
+          <p:cNvPr id="21" name="CuadroTexto 20">
+            <a:extLst>
+              <a:ext uri="{FF2B5EF4-FFF2-40B4-BE49-F238E27FC236}">
+                <a16:creationId xmlns:a16="http://schemas.microsoft.com/office/drawing/2014/main" id="{707E2AF7-63EE-0F46-821B-E6E760DE41B2}"/>
+              </a:ext>
+            </a:extLst>
+          </p:cNvPr>
+          <p:cNvSpPr txBox="1"/>
+          <p:nvPr/>
+        </p:nvSpPr>
+        <p:spPr>
+          <a:xfrm>
+            <a:off x="4998354" y="4872703"/>
+            <a:ext cx="1291123" cy="369332"/>
+          </a:xfrm>
+          <a:prstGeom prst="rect">
+            <a:avLst/>
+          </a:prstGeom>
+          <a:noFill/>
+        </p:spPr>
+        <p:txBody>
+          <a:bodyPr wrap="none" rtlCol="0">
+            <a:spAutoFit/>
+          </a:bodyPr>
+          <a:lstStyle/>
+          <a:p>
+            <a:r>
+              <a:rPr lang="es-CL" dirty="0" err="1"/>
+              <a:t>Temporal.io</a:t>
+            </a:r>
+            <a:endParaRPr lang="es-CL" dirty="0"/>
+          </a:p>
+        </p:txBody>
+      </p:sp>
+    </p:spTree>
+    <p:extLst>
+      <p:ext uri="{BB962C8B-B14F-4D97-AF65-F5344CB8AC3E}">
+        <p14:creationId xmlns:p14="http://schemas.microsoft.com/office/powerpoint/2010/main" val="3790510542"/>
+      </p:ext>
+    </p:extLst>
+  </p:cSld>
+  <p:clrMapOvr>
+    <a:masterClrMapping/>
+  </p:clrMapOvr>
+</p:sld>
+</file>
+
+<file path=ppt/slides/slide3.xml><?xml version="1.0" encoding="utf-8"?>
+<p:sld xmlns:a="http://schemas.openxmlformats.org/drawingml/2006/main" xmlns:r="http://schemas.openxmlformats.org/officeDocument/2006/relationships" xmlns:p="http://schemas.openxmlformats.org/presentationml/2006/main">
+  <p:cSld>
+    <p:spTree>
+      <p:nvGrpSpPr>
+        <p:cNvPr id="1" name=""/>
+        <p:cNvGrpSpPr/>
+        <p:nvPr/>
+      </p:nvGrpSpPr>
+      <p:grpSpPr>
+        <a:xfrm>
+          <a:off x="0" y="0"/>
+          <a:ext cx="0" cy="0"/>
+          <a:chOff x="0" y="0"/>
+          <a:chExt cx="0" cy="0"/>
+        </a:xfrm>
+      </p:grpSpPr>
+      <p:sp>
+        <p:nvSpPr>
+          <p:cNvPr id="2" name="Título 1">
+            <a:extLst>
+              <a:ext uri="{FF2B5EF4-FFF2-40B4-BE49-F238E27FC236}">
+                <a16:creationId xmlns:a16="http://schemas.microsoft.com/office/drawing/2014/main" id="{F0A3EE38-C277-9E48-994E-70CE26621FCE}"/>
+              </a:ext>
+            </a:extLst>
+          </p:cNvPr>
+          <p:cNvSpPr>
+            <a:spLocks noGrp="1"/>
+          </p:cNvSpPr>
+          <p:nvPr>
+            <p:ph type="title"/>
+          </p:nvPr>
+        </p:nvSpPr>
+        <p:spPr>
+          <a:xfrm>
+            <a:off x="391606" y="96919"/>
+            <a:ext cx="10515600" cy="1325563"/>
+          </a:xfrm>
+        </p:spPr>
+        <p:txBody>
+          <a:bodyPr/>
+          <a:lstStyle/>
+          <a:p>
+            <a:r>
+              <a:rPr lang="es-CL" dirty="0"/>
+              <a:t>Pre-requisitos técnicos</a:t>
+            </a:r>
+          </a:p>
+        </p:txBody>
+      </p:sp>
+      <p:sp>
+        <p:nvSpPr>
+          <p:cNvPr id="3" name="CuadroTexto 2">
+            <a:extLst>
+              <a:ext uri="{FF2B5EF4-FFF2-40B4-BE49-F238E27FC236}">
+                <a16:creationId xmlns:a16="http://schemas.microsoft.com/office/drawing/2014/main" id="{BDB81CA8-2780-F04A-8FB2-EED00D3D6C3C}"/>
+              </a:ext>
+            </a:extLst>
+          </p:cNvPr>
+          <p:cNvSpPr txBox="1"/>
+          <p:nvPr/>
+        </p:nvSpPr>
+        <p:spPr>
+          <a:xfrm>
+            <a:off x="349068" y="1526861"/>
+            <a:ext cx="6061166" cy="923330"/>
+          </a:xfrm>
+          <a:prstGeom prst="rect">
+            <a:avLst/>
+          </a:prstGeom>
+          <a:noFill/>
+        </p:spPr>
+        <p:txBody>
+          <a:bodyPr wrap="square" rtlCol="0">
+            <a:spAutoFit/>
+          </a:bodyPr>
+          <a:lstStyle/>
+          <a:p>
+            <a:pPr marL="285750" indent="-285750">
+              <a:buFont typeface="Arial" panose="020B0604020202020204" pitchFamily="34" charset="0"/>
+              <a:buChar char="•"/>
+            </a:pPr>
+            <a:r>
+              <a:rPr lang="es-CL" dirty="0" err="1">
+                <a:latin typeface="Courier New" panose="02070309020205020404" pitchFamily="49" charset="0"/>
+                <a:cs typeface="Courier New" panose="02070309020205020404" pitchFamily="49" charset="0"/>
+              </a:rPr>
+              <a:t>Docker</a:t>
+            </a:r>
+            <a:r>
+              <a:rPr lang="es-CL" dirty="0">
+                <a:latin typeface="Courier New" panose="02070309020205020404" pitchFamily="49" charset="0"/>
+                <a:cs typeface="Courier New" panose="02070309020205020404" pitchFamily="49" charset="0"/>
+              </a:rPr>
+              <a:t> / </a:t>
+            </a:r>
+            <a:r>
+              <a:rPr lang="es-CL" dirty="0" err="1">
+                <a:latin typeface="Courier New" panose="02070309020205020404" pitchFamily="49" charset="0"/>
+                <a:cs typeface="Courier New" panose="02070309020205020404" pitchFamily="49" charset="0"/>
+              </a:rPr>
+              <a:t>Docker</a:t>
+            </a:r>
+            <a:r>
+              <a:rPr lang="es-CL" dirty="0">
+                <a:latin typeface="Courier New" panose="02070309020205020404" pitchFamily="49" charset="0"/>
+                <a:cs typeface="Courier New" panose="02070309020205020404" pitchFamily="49" charset="0"/>
+              </a:rPr>
+              <a:t> </a:t>
+            </a:r>
+            <a:r>
+              <a:rPr lang="es-CL" dirty="0" err="1">
+                <a:latin typeface="Courier New" panose="02070309020205020404" pitchFamily="49" charset="0"/>
+                <a:cs typeface="Courier New" panose="02070309020205020404" pitchFamily="49" charset="0"/>
+              </a:rPr>
+              <a:t>Compose</a:t>
+            </a:r>
+            <a:endParaRPr lang="es-CL" dirty="0">
+              <a:latin typeface="Courier New" panose="02070309020205020404" pitchFamily="49" charset="0"/>
+              <a:cs typeface="Courier New" panose="02070309020205020404" pitchFamily="49" charset="0"/>
+            </a:endParaRPr>
+          </a:p>
+          <a:p>
+            <a:pPr marL="285750" indent="-285750">
+              <a:buFont typeface="Arial" panose="020B0604020202020204" pitchFamily="34" charset="0"/>
+              <a:buChar char="•"/>
+            </a:pPr>
+            <a:r>
+              <a:rPr lang="es-CL" dirty="0" err="1">
+                <a:latin typeface="Courier New" panose="02070309020205020404" pitchFamily="49" charset="0"/>
+                <a:cs typeface="Courier New" panose="02070309020205020404" pitchFamily="49" charset="0"/>
+              </a:rPr>
+              <a:t>Golang</a:t>
+            </a:r>
+            <a:r>
+              <a:rPr lang="es-CL" dirty="0">
+                <a:latin typeface="Courier New" panose="02070309020205020404" pitchFamily="49" charset="0"/>
+                <a:cs typeface="Courier New" panose="02070309020205020404" pitchFamily="49" charset="0"/>
+              </a:rPr>
+              <a:t> 1.14+</a:t>
+            </a:r>
+          </a:p>
+          <a:p>
+            <a:pPr marL="285750" indent="-285750">
+              <a:buFont typeface="Arial" panose="020B0604020202020204" pitchFamily="34" charset="0"/>
+              <a:buChar char="•"/>
+            </a:pPr>
+            <a:endParaRPr lang="es-CL" dirty="0"/>
+          </a:p>
+        </p:txBody>
+      </p:sp>
+      <p:sp>
+        <p:nvSpPr>
+          <p:cNvPr id="4" name="CuadroTexto 3">
+            <a:extLst>
+              <a:ext uri="{FF2B5EF4-FFF2-40B4-BE49-F238E27FC236}">
+                <a16:creationId xmlns:a16="http://schemas.microsoft.com/office/drawing/2014/main" id="{A2304D3F-144B-9745-9F1B-705F4E7F7D29}"/>
+              </a:ext>
+            </a:extLst>
+          </p:cNvPr>
+          <p:cNvSpPr txBox="1"/>
+          <p:nvPr/>
+        </p:nvSpPr>
+        <p:spPr>
+          <a:xfrm>
+            <a:off x="349068" y="2665459"/>
+            <a:ext cx="10375538" cy="1323439"/>
+          </a:xfrm>
+          <a:prstGeom prst="rect">
+            <a:avLst/>
+          </a:prstGeom>
+          <a:noFill/>
+        </p:spPr>
+        <p:txBody>
+          <a:bodyPr wrap="square" rtlCol="0">
+            <a:spAutoFit/>
+          </a:bodyPr>
+          <a:lstStyle/>
+          <a:p>
+            <a:pPr marL="285750" indent="-285750">
+              <a:buFont typeface="Arial" panose="020B0604020202020204" pitchFamily="34" charset="0"/>
+              <a:buChar char="•"/>
+            </a:pPr>
+            <a:r>
+              <a:rPr lang="es-CL" sz="2000" dirty="0">
+                <a:latin typeface="Courier New" panose="02070309020205020404" pitchFamily="49" charset="0"/>
+                <a:cs typeface="Courier New" panose="02070309020205020404" pitchFamily="49" charset="0"/>
+              </a:rPr>
+              <a:t>$ </a:t>
+            </a:r>
+            <a:r>
+              <a:rPr lang="es-CL" sz="2000" dirty="0" err="1">
+                <a:latin typeface="Courier New" panose="02070309020205020404" pitchFamily="49" charset="0"/>
+                <a:cs typeface="Courier New" panose="02070309020205020404" pitchFamily="49" charset="0"/>
+              </a:rPr>
+              <a:t>go</a:t>
+            </a:r>
+            <a:r>
+              <a:rPr lang="es-CL" sz="2000" dirty="0">
+                <a:latin typeface="Courier New" panose="02070309020205020404" pitchFamily="49" charset="0"/>
+                <a:cs typeface="Courier New" panose="02070309020205020404" pitchFamily="49" charset="0"/>
+              </a:rPr>
+              <a:t> </a:t>
+            </a:r>
+            <a:r>
+              <a:rPr lang="es-CL" sz="2000" dirty="0" err="1">
+                <a:latin typeface="Courier New" panose="02070309020205020404" pitchFamily="49" charset="0"/>
+                <a:cs typeface="Courier New" panose="02070309020205020404" pitchFamily="49" charset="0"/>
+              </a:rPr>
+              <a:t>mod</a:t>
+            </a:r>
+            <a:r>
+              <a:rPr lang="es-CL" sz="2000" dirty="0">
+                <a:latin typeface="Courier New" panose="02070309020205020404" pitchFamily="49" charset="0"/>
+                <a:cs typeface="Courier New" panose="02070309020205020404" pitchFamily="49" charset="0"/>
+              </a:rPr>
+              <a:t> </a:t>
+            </a:r>
+            <a:r>
+              <a:rPr lang="es-CL" sz="2000" dirty="0" err="1">
+                <a:latin typeface="Courier New" panose="02070309020205020404" pitchFamily="49" charset="0"/>
+                <a:cs typeface="Courier New" panose="02070309020205020404" pitchFamily="49" charset="0"/>
+              </a:rPr>
+              <a:t>init</a:t>
+            </a:r>
+            <a:r>
+              <a:rPr lang="es-CL" sz="2000" dirty="0">
+                <a:latin typeface="Courier New" panose="02070309020205020404" pitchFamily="49" charset="0"/>
+                <a:cs typeface="Courier New" panose="02070309020205020404" pitchFamily="49" charset="0"/>
+              </a:rPr>
+              <a:t> </a:t>
+            </a:r>
+            <a:r>
+              <a:rPr lang="es-CL" sz="2000" dirty="0" err="1">
+                <a:latin typeface="Courier New" panose="02070309020205020404" pitchFamily="49" charset="0"/>
+                <a:cs typeface="Courier New" panose="02070309020205020404" pitchFamily="49" charset="0"/>
+              </a:rPr>
+              <a:t>github.com</a:t>
+            </a:r>
+            <a:r>
+              <a:rPr lang="es-CL" sz="2000" dirty="0">
+                <a:latin typeface="Courier New" panose="02070309020205020404" pitchFamily="49" charset="0"/>
+                <a:cs typeface="Courier New" panose="02070309020205020404" pitchFamily="49" charset="0"/>
+              </a:rPr>
+              <a:t>/jclanas2019/temporal-io-workshop-2021</a:t>
+            </a:r>
+          </a:p>
+          <a:p>
+            <a:pPr marL="285750" indent="-285750">
+              <a:buFont typeface="Arial" panose="020B0604020202020204" pitchFamily="34" charset="0"/>
+              <a:buChar char="•"/>
+            </a:pPr>
+            <a:endParaRPr lang="es-CL" sz="2000" dirty="0">
+              <a:latin typeface="Courier New" panose="02070309020205020404" pitchFamily="49" charset="0"/>
+              <a:cs typeface="Courier New" panose="02070309020205020404" pitchFamily="49" charset="0"/>
+            </a:endParaRPr>
+          </a:p>
+          <a:p>
+            <a:pPr marL="285750" indent="-285750">
+              <a:buFont typeface="Arial" panose="020B0604020202020204" pitchFamily="34" charset="0"/>
+              <a:buChar char="•"/>
+            </a:pPr>
+            <a:r>
+              <a:rPr lang="es-CL" sz="2000" dirty="0">
+                <a:latin typeface="Courier New" panose="02070309020205020404" pitchFamily="49" charset="0"/>
+                <a:cs typeface="Courier New" panose="02070309020205020404" pitchFamily="49" charset="0"/>
+              </a:rPr>
+              <a:t>$ </a:t>
+            </a:r>
+            <a:r>
+              <a:rPr lang="es-CL" sz="2000" dirty="0" err="1">
+                <a:latin typeface="Courier New" panose="02070309020205020404" pitchFamily="49" charset="0"/>
+                <a:cs typeface="Courier New" panose="02070309020205020404" pitchFamily="49" charset="0"/>
+              </a:rPr>
+              <a:t>go</a:t>
+            </a:r>
+            <a:r>
+              <a:rPr lang="es-CL" sz="2000" dirty="0">
+                <a:latin typeface="Courier New" panose="02070309020205020404" pitchFamily="49" charset="0"/>
+                <a:cs typeface="Courier New" panose="02070309020205020404" pitchFamily="49" charset="0"/>
+              </a:rPr>
+              <a:t> </a:t>
+            </a:r>
+            <a:r>
+              <a:rPr lang="es-CL" sz="2000" dirty="0" err="1">
+                <a:latin typeface="Courier New" panose="02070309020205020404" pitchFamily="49" charset="0"/>
+                <a:cs typeface="Courier New" panose="02070309020205020404" pitchFamily="49" charset="0"/>
+              </a:rPr>
+              <a:t>get</a:t>
+            </a:r>
+            <a:r>
+              <a:rPr lang="es-CL" sz="2000" dirty="0">
+                <a:latin typeface="Courier New" panose="02070309020205020404" pitchFamily="49" charset="0"/>
+                <a:cs typeface="Courier New" panose="02070309020205020404" pitchFamily="49" charset="0"/>
+              </a:rPr>
+              <a:t> </a:t>
+            </a:r>
+            <a:r>
+              <a:rPr lang="es-CL" sz="2000" dirty="0" err="1">
+                <a:latin typeface="Courier New" panose="02070309020205020404" pitchFamily="49" charset="0"/>
+                <a:cs typeface="Courier New" panose="02070309020205020404" pitchFamily="49" charset="0"/>
+              </a:rPr>
+              <a:t>go.temporal.io</a:t>
+            </a:r>
+            <a:r>
+              <a:rPr lang="es-CL" sz="2000" dirty="0">
+                <a:latin typeface="Courier New" panose="02070309020205020404" pitchFamily="49" charset="0"/>
+                <a:cs typeface="Courier New" panose="02070309020205020404" pitchFamily="49" charset="0"/>
+              </a:rPr>
+              <a:t>/</a:t>
+            </a:r>
+            <a:r>
+              <a:rPr lang="es-CL" sz="2000" dirty="0" err="1">
+                <a:latin typeface="Courier New" panose="02070309020205020404" pitchFamily="49" charset="0"/>
+                <a:cs typeface="Courier New" panose="02070309020205020404" pitchFamily="49" charset="0"/>
+              </a:rPr>
+              <a:t>sdk</a:t>
+            </a:r>
+            <a:endParaRPr lang="es-CL" sz="2000" dirty="0">
+              <a:latin typeface="Courier New" panose="02070309020205020404" pitchFamily="49" charset="0"/>
+              <a:cs typeface="Courier New" panose="02070309020205020404" pitchFamily="49" charset="0"/>
+            </a:endParaRPr>
+          </a:p>
+          <a:p>
+            <a:pPr marL="285750" indent="-285750">
+              <a:buFont typeface="Arial" panose="020B0604020202020204" pitchFamily="34" charset="0"/>
+              <a:buChar char="•"/>
+            </a:pPr>
+            <a:r>
+              <a:rPr lang="es-CL" sz="2000" dirty="0">
+                <a:latin typeface="Courier New" panose="02070309020205020404" pitchFamily="49" charset="0"/>
+                <a:cs typeface="Courier New" panose="02070309020205020404" pitchFamily="49" charset="0"/>
+              </a:rPr>
+              <a:t>$ </a:t>
+            </a:r>
+            <a:r>
+              <a:rPr lang="es-CL" sz="2000" dirty="0" err="1">
+                <a:latin typeface="Courier New" panose="02070309020205020404" pitchFamily="49" charset="0"/>
+                <a:cs typeface="Courier New" panose="02070309020205020404" pitchFamily="49" charset="0"/>
+              </a:rPr>
+              <a:t>go</a:t>
+            </a:r>
+            <a:r>
+              <a:rPr lang="es-CL" sz="2000" dirty="0">
+                <a:latin typeface="Courier New" panose="02070309020205020404" pitchFamily="49" charset="0"/>
+                <a:cs typeface="Courier New" panose="02070309020205020404" pitchFamily="49" charset="0"/>
+              </a:rPr>
+              <a:t> </a:t>
+            </a:r>
+            <a:r>
+              <a:rPr lang="es-CL" sz="2000" dirty="0" err="1">
+                <a:latin typeface="Courier New" panose="02070309020205020404" pitchFamily="49" charset="0"/>
+                <a:cs typeface="Courier New" panose="02070309020205020404" pitchFamily="49" charset="0"/>
+              </a:rPr>
+              <a:t>get</a:t>
+            </a:r>
+            <a:r>
+              <a:rPr lang="es-CL" sz="2000" dirty="0">
+                <a:latin typeface="Courier New" panose="02070309020205020404" pitchFamily="49" charset="0"/>
+                <a:cs typeface="Courier New" panose="02070309020205020404" pitchFamily="49" charset="0"/>
+              </a:rPr>
+              <a:t> </a:t>
+            </a:r>
+            <a:r>
+              <a:rPr lang="es-CL" sz="2000" dirty="0" err="1">
+                <a:latin typeface="Courier New" panose="02070309020205020404" pitchFamily="49" charset="0"/>
+                <a:cs typeface="Courier New" panose="02070309020205020404" pitchFamily="49" charset="0"/>
+              </a:rPr>
+              <a:t>github.com</a:t>
+            </a:r>
+            <a:r>
+              <a:rPr lang="es-CL" sz="2000" dirty="0">
+                <a:latin typeface="Courier New" panose="02070309020205020404" pitchFamily="49" charset="0"/>
+                <a:cs typeface="Courier New" panose="02070309020205020404" pitchFamily="49" charset="0"/>
+              </a:rPr>
+              <a:t>/</a:t>
+            </a:r>
+            <a:r>
+              <a:rPr lang="es-CL" sz="2000" dirty="0" err="1">
+                <a:latin typeface="Courier New" panose="02070309020205020404" pitchFamily="49" charset="0"/>
+                <a:cs typeface="Courier New" panose="02070309020205020404" pitchFamily="49" charset="0"/>
+              </a:rPr>
+              <a:t>gofiber</a:t>
+            </a:r>
+            <a:r>
+              <a:rPr lang="es-CL" sz="2000" dirty="0">
+                <a:latin typeface="Courier New" panose="02070309020205020404" pitchFamily="49" charset="0"/>
+                <a:cs typeface="Courier New" panose="02070309020205020404" pitchFamily="49" charset="0"/>
+              </a:rPr>
+              <a:t>/</a:t>
+            </a:r>
+            <a:r>
+              <a:rPr lang="es-CL" sz="2000" dirty="0" err="1">
+                <a:latin typeface="Courier New" panose="02070309020205020404" pitchFamily="49" charset="0"/>
+                <a:cs typeface="Courier New" panose="02070309020205020404" pitchFamily="49" charset="0"/>
+              </a:rPr>
+              <a:t>fiber</a:t>
+            </a:r>
+            <a:r>
+              <a:rPr lang="es-CL" sz="2000" dirty="0">
+                <a:latin typeface="Courier New" panose="02070309020205020404" pitchFamily="49" charset="0"/>
+                <a:cs typeface="Courier New" panose="02070309020205020404" pitchFamily="49" charset="0"/>
+              </a:rPr>
+              <a:t>/v2</a:t>
+            </a:r>
+          </a:p>
+        </p:txBody>
+      </p:sp>
+      <p:pic>
+        <p:nvPicPr>
+          <p:cNvPr id="5" name="Imagen 4" descr="Logotipo&#10;&#10;Descripción generada automáticamente">
+            <a:extLst>
+              <a:ext uri="{FF2B5EF4-FFF2-40B4-BE49-F238E27FC236}">
+                <a16:creationId xmlns:a16="http://schemas.microsoft.com/office/drawing/2014/main" id="{3F2DECDA-9FA1-1A43-AF37-8A51EEB10D3D}"/>
+              </a:ext>
+            </a:extLst>
+          </p:cNvPr>
+          <p:cNvPicPr>
+            <a:picLocks noChangeAspect="1"/>
+          </p:cNvPicPr>
+          <p:nvPr/>
+        </p:nvPicPr>
+        <p:blipFill>
+          <a:blip r:embed="rId2"/>
+          <a:stretch>
+            <a:fillRect/>
+          </a:stretch>
+        </p:blipFill>
+        <p:spPr>
+          <a:xfrm>
+            <a:off x="8770699" y="193227"/>
+            <a:ext cx="3124532" cy="1502864"/>
+          </a:xfrm>
+          <a:prstGeom prst="rect">
+            <a:avLst/>
+          </a:prstGeom>
+        </p:spPr>
+      </p:pic>
+      <p:pic>
+        <p:nvPicPr>
+          <p:cNvPr id="6" name="Imagen 5">
+            <a:extLst>
+              <a:ext uri="{FF2B5EF4-FFF2-40B4-BE49-F238E27FC236}">
+                <a16:creationId xmlns:a16="http://schemas.microsoft.com/office/drawing/2014/main" id="{EDF68471-C564-384A-9AA9-27B63599B35E}"/>
+              </a:ext>
+            </a:extLst>
+          </p:cNvPr>
+          <p:cNvPicPr>
+            <a:picLocks noChangeAspect="1"/>
+          </p:cNvPicPr>
+          <p:nvPr/>
+        </p:nvPicPr>
+        <p:blipFill>
+          <a:blip r:embed="rId3"/>
+          <a:stretch>
+            <a:fillRect/>
+          </a:stretch>
+        </p:blipFill>
+        <p:spPr>
+          <a:xfrm>
+            <a:off x="349068" y="6194793"/>
+            <a:ext cx="3661229" cy="572609"/>
+          </a:xfrm>
+          <a:prstGeom prst="rect">
+            <a:avLst/>
+          </a:prstGeom>
+        </p:spPr>
+      </p:pic>
+    </p:spTree>
+    <p:extLst>
+      <p:ext uri="{BB962C8B-B14F-4D97-AF65-F5344CB8AC3E}">
+        <p14:creationId xmlns:p14="http://schemas.microsoft.com/office/powerpoint/2010/main" val="1405712206"/>
+      </p:ext>
+    </p:extLst>
+  </p:cSld>
+  <p:clrMapOvr>
+    <a:masterClrMapping/>
+  </p:clrMapOvr>
+</p:sld>
+</file>
+
+<file path=ppt/slides/slide4.xml><?xml version="1.0" encoding="utf-8"?>
+<p:sld xmlns:a="http://schemas.openxmlformats.org/drawingml/2006/main" xmlns:r="http://schemas.openxmlformats.org/officeDocument/2006/relationships" xmlns:p="http://schemas.openxmlformats.org/presentationml/2006/main">
+  <p:cSld>
+    <p:bg>
+      <p:bgPr>
+        <a:solidFill>
+          <a:schemeClr val="bg1">
+            <a:tint val="95000"/>
+            <a:satMod val="170000"/>
+          </a:schemeClr>
+        </a:solidFill>
+        <a:effectLst/>
+      </p:bgPr>
+    </p:bg>
+    <p:spTree>
+      <p:nvGrpSpPr>
+        <p:cNvPr id="1" name=""/>
+        <p:cNvGrpSpPr/>
+        <p:nvPr/>
+      </p:nvGrpSpPr>
+      <p:grpSpPr>
+        <a:xfrm>
+          <a:off x="0" y="0"/>
+          <a:ext cx="0" cy="0"/>
+          <a:chOff x="0" y="0"/>
+          <a:chExt cx="0" cy="0"/>
+        </a:xfrm>
+      </p:grpSpPr>
+      <p:sp>
+        <p:nvSpPr>
+          <p:cNvPr id="2" name="Título 1">
+            <a:extLst>
+              <a:ext uri="{FF2B5EF4-FFF2-40B4-BE49-F238E27FC236}">
+                <a16:creationId xmlns:a16="http://schemas.microsoft.com/office/drawing/2014/main" id="{DB1FD8B5-8F34-FC46-AEEF-79A5345BBAFB}"/>
+              </a:ext>
+            </a:extLst>
+          </p:cNvPr>
+          <p:cNvSpPr>
+            <a:spLocks noGrp="1"/>
+          </p:cNvSpPr>
+          <p:nvPr>
+            <p:ph type="title"/>
+          </p:nvPr>
+        </p:nvSpPr>
+        <p:spPr>
+          <a:xfrm>
+            <a:off x="4997303" y="694538"/>
+            <a:ext cx="6993234" cy="994925"/>
           </a:xfrm>
         </p:spPr>
         <p:txBody>
@@ -4092,8 +7798,8 @@
         </p:blipFill>
         <p:spPr bwMode="auto">
           <a:xfrm>
-            <a:off x="5435963" y="3717158"/>
-            <a:ext cx="2594085" cy="1729390"/>
+            <a:off x="7095835" y="5693197"/>
+            <a:ext cx="1634657" cy="1089771"/>
           </a:xfrm>
           <a:prstGeom prst="rect">
             <a:avLst/>
@@ -4134,14 +7840,170 @@
         </p:blipFill>
         <p:spPr>
           <a:xfrm>
-            <a:off x="7399252" y="4975547"/>
-            <a:ext cx="4209363" cy="1393240"/>
+            <a:off x="8885841" y="5649657"/>
+            <a:ext cx="3104695" cy="1027610"/>
           </a:xfrm>
           <a:prstGeom prst="rect">
             <a:avLst/>
           </a:prstGeom>
         </p:spPr>
       </p:pic>
+      <p:sp>
+        <p:nvSpPr>
+          <p:cNvPr id="5" name="Rectángulo 4">
+            <a:extLst>
+              <a:ext uri="{FF2B5EF4-FFF2-40B4-BE49-F238E27FC236}">
+                <a16:creationId xmlns:a16="http://schemas.microsoft.com/office/drawing/2014/main" id="{91C38F6A-CA55-D94E-8A03-2A2CA29EB90A}"/>
+              </a:ext>
+            </a:extLst>
+          </p:cNvPr>
+          <p:cNvSpPr/>
+          <p:nvPr/>
+        </p:nvSpPr>
+        <p:spPr>
+          <a:xfrm>
+            <a:off x="5837841" y="3252226"/>
+            <a:ext cx="6096000" cy="2031325"/>
+          </a:xfrm>
+          <a:prstGeom prst="rect">
+            <a:avLst/>
+          </a:prstGeom>
+        </p:spPr>
+        <p:txBody>
+          <a:bodyPr>
+            <a:spAutoFit/>
+          </a:bodyPr>
+          <a:lstStyle/>
+          <a:p>
+            <a:pPr>
+              <a:buFont typeface="Arial" panose="020B0604020202020204" pitchFamily="34" charset="0"/>
+              <a:buChar char="•"/>
+            </a:pPr>
+            <a:r>
+              <a:rPr lang="es-CL" dirty="0">
+                <a:latin typeface="arial" panose="020B0604020202020204" pitchFamily="34" charset="0"/>
+              </a:rPr>
+              <a:t>Mayor atención al cliente a todas horas </a:t>
+            </a:r>
+          </a:p>
+          <a:p>
+            <a:pPr>
+              <a:buFont typeface="Arial" panose="020B0604020202020204" pitchFamily="34" charset="0"/>
+              <a:buChar char="•"/>
+            </a:pPr>
+            <a:r>
+              <a:rPr lang="es-CL" dirty="0">
+                <a:latin typeface="arial" panose="020B0604020202020204" pitchFamily="34" charset="0"/>
+              </a:rPr>
+              <a:t>Ahorro de costos y comisiones</a:t>
+            </a:r>
+          </a:p>
+          <a:p>
+            <a:pPr>
+              <a:buFont typeface="Arial" panose="020B0604020202020204" pitchFamily="34" charset="0"/>
+              <a:buChar char="•"/>
+            </a:pPr>
+            <a:r>
+              <a:rPr lang="es-CL" dirty="0">
+                <a:latin typeface="arial" panose="020B0604020202020204" pitchFamily="34" charset="0"/>
+              </a:rPr>
+              <a:t>Mayor control financiero</a:t>
+            </a:r>
+          </a:p>
+          <a:p>
+            <a:pPr>
+              <a:buFont typeface="Arial" panose="020B0604020202020204" pitchFamily="34" charset="0"/>
+              <a:buChar char="•"/>
+            </a:pPr>
+            <a:r>
+              <a:rPr lang="es-CL" dirty="0">
+                <a:latin typeface="arial" panose="020B0604020202020204" pitchFamily="34" charset="0"/>
+              </a:rPr>
+              <a:t>Atención sin tener que desplazarte</a:t>
+            </a:r>
+          </a:p>
+          <a:p>
+            <a:pPr>
+              <a:buFont typeface="Arial" panose="020B0604020202020204" pitchFamily="34" charset="0"/>
+              <a:buChar char="•"/>
+            </a:pPr>
+            <a:r>
+              <a:rPr lang="es-CL" dirty="0">
+                <a:latin typeface="arial" panose="020B0604020202020204" pitchFamily="34" charset="0"/>
+              </a:rPr>
+              <a:t>Puedes solicitar alertas y notificaciones </a:t>
+            </a:r>
+          </a:p>
+          <a:p>
+            <a:pPr>
+              <a:buFont typeface="Arial" panose="020B0604020202020204" pitchFamily="34" charset="0"/>
+              <a:buChar char="•"/>
+            </a:pPr>
+            <a:r>
+              <a:rPr lang="es-CL" dirty="0">
+                <a:latin typeface="arial" panose="020B0604020202020204" pitchFamily="34" charset="0"/>
+              </a:rPr>
+              <a:t>Opera con mucha facilidad y seguridad</a:t>
+            </a:r>
+          </a:p>
+          <a:p>
+            <a:pPr>
+              <a:buFont typeface="Arial" panose="020B0604020202020204" pitchFamily="34" charset="0"/>
+              <a:buChar char="•"/>
+            </a:pPr>
+            <a:r>
+              <a:rPr lang="es-CL" dirty="0">
+                <a:latin typeface="arial" panose="020B0604020202020204" pitchFamily="34" charset="0"/>
+              </a:rPr>
+              <a:t>Puedes automatizar pagos</a:t>
+            </a:r>
+            <a:endParaRPr lang="es-CL" b="0" i="0" u="none" strike="noStrike" dirty="0">
+              <a:effectLst/>
+              <a:latin typeface="arial" panose="020B0604020202020204" pitchFamily="34" charset="0"/>
+            </a:endParaRPr>
+          </a:p>
+        </p:txBody>
+      </p:sp>
+      <p:sp>
+        <p:nvSpPr>
+          <p:cNvPr id="8" name="Rectángulo 7">
+            <a:extLst>
+              <a:ext uri="{FF2B5EF4-FFF2-40B4-BE49-F238E27FC236}">
+                <a16:creationId xmlns:a16="http://schemas.microsoft.com/office/drawing/2014/main" id="{A8325196-49F2-6A49-968D-2A55512DEAEB}"/>
+              </a:ext>
+            </a:extLst>
+          </p:cNvPr>
+          <p:cNvSpPr/>
+          <p:nvPr/>
+        </p:nvSpPr>
+        <p:spPr>
+          <a:xfrm>
+            <a:off x="5612770" y="2882894"/>
+            <a:ext cx="1726755" cy="369332"/>
+          </a:xfrm>
+          <a:prstGeom prst="rect">
+            <a:avLst/>
+          </a:prstGeom>
+        </p:spPr>
+        <p:txBody>
+          <a:bodyPr wrap="none">
+            <a:spAutoFit/>
+          </a:bodyPr>
+          <a:lstStyle/>
+          <a:p>
+            <a:pPr>
+              <a:buFont typeface="Arial" panose="020B0604020202020204" pitchFamily="34" charset="0"/>
+              <a:buChar char="•"/>
+            </a:pPr>
+            <a:r>
+              <a:rPr lang="es-CL" b="1" dirty="0">
+                <a:latin typeface="arial" panose="020B0604020202020204" pitchFamily="34" charset="0"/>
+              </a:rPr>
+              <a:t>Banca Digital</a:t>
+            </a:r>
+          </a:p>
+        </p:txBody>
+      </p:sp>
     </p:spTree>
     <p:extLst>
       <p:ext uri="{BB962C8B-B14F-4D97-AF65-F5344CB8AC3E}">
@@ -4155,7 +8017,7 @@
 </p:sld>
 </file>
 
-<file path=ppt/slides/slide3.xml><?xml version="1.0" encoding="utf-8"?>
+<file path=ppt/slides/slide5.xml><?xml version="1.0" encoding="utf-8"?>
 <p:sld xmlns:a="http://schemas.openxmlformats.org/drawingml/2006/main" xmlns:r="http://schemas.openxmlformats.org/officeDocument/2006/relationships" xmlns:p="http://schemas.openxmlformats.org/presentationml/2006/main">
   <p:cSld>
     <p:bg>
@@ -5120,7 +8982,1149 @@
 </p:sld>
 </file>
 
-<file path=ppt/slides/slide4.xml><?xml version="1.0" encoding="utf-8"?>
+<file path=ppt/slides/slide6.xml><?xml version="1.0" encoding="utf-8"?>
+<p:sld xmlns:a="http://schemas.openxmlformats.org/drawingml/2006/main" xmlns:r="http://schemas.openxmlformats.org/officeDocument/2006/relationships" xmlns:p="http://schemas.openxmlformats.org/presentationml/2006/main">
+  <p:cSld>
+    <p:bg>
+      <p:bgPr>
+        <a:solidFill>
+          <a:schemeClr val="bg1"/>
+        </a:solidFill>
+        <a:effectLst/>
+      </p:bgPr>
+    </p:bg>
+    <p:spTree>
+      <p:nvGrpSpPr>
+        <p:cNvPr id="1" name=""/>
+        <p:cNvGrpSpPr/>
+        <p:nvPr/>
+      </p:nvGrpSpPr>
+      <p:grpSpPr>
+        <a:xfrm>
+          <a:off x="0" y="0"/>
+          <a:ext cx="0" cy="0"/>
+          <a:chOff x="0" y="0"/>
+          <a:chExt cx="0" cy="0"/>
+        </a:xfrm>
+      </p:grpSpPr>
+      <p:sp useBgFill="1">
+        <p:nvSpPr>
+          <p:cNvPr id="7" name="Rectangle 6">
+            <a:extLst>
+              <a:ext uri="{FF2B5EF4-FFF2-40B4-BE49-F238E27FC236}">
+                <a16:creationId xmlns:a16="http://schemas.microsoft.com/office/drawing/2014/main" id="{7C1E5815-D54C-487F-A054-6D4930ADE3DF}"/>
+              </a:ext>
+              <a:ext uri="{C183D7F6-B498-43B3-948B-1728B52AA6E4}">
+                <adec:decorative xmlns:adec="http://schemas.microsoft.com/office/drawing/2017/decorative" val="1"/>
+              </a:ext>
+            </a:extLst>
+          </p:cNvPr>
+          <p:cNvSpPr>
+            <a:spLocks noGrp="1" noRot="1" noChangeAspect="1" noMove="1" noResize="1" noEditPoints="1" noAdjustHandles="1" noChangeArrowheads="1" noChangeShapeType="1" noTextEdit="1"/>
+          </p:cNvSpPr>
+          <p:nvPr>
+            <p:extLst>
+              <p:ext uri="{386F3935-93C4-4BCD-93E2-E3B085C9AB24}">
+                <p16:designElem xmlns:p16="http://schemas.microsoft.com/office/powerpoint/2015/main" val="1"/>
+              </p:ext>
+            </p:extLst>
+          </p:nvPr>
+        </p:nvSpPr>
+        <p:spPr>
+          <a:xfrm>
+            <a:off x="0" y="0"/>
+            <a:ext cx="12192000" cy="6858000"/>
+          </a:xfrm>
+          <a:prstGeom prst="rect">
+            <a:avLst/>
+          </a:prstGeom>
+          <a:ln>
+            <a:noFill/>
+          </a:ln>
+        </p:spPr>
+        <p:style>
+          <a:lnRef idx="2">
+            <a:schemeClr val="accent1">
+              <a:shade val="50000"/>
+            </a:schemeClr>
+          </a:lnRef>
+          <a:fillRef idx="1">
+            <a:schemeClr val="accent1"/>
+          </a:fillRef>
+          <a:effectRef idx="0">
+            <a:schemeClr val="accent1"/>
+          </a:effectRef>
+          <a:fontRef idx="minor">
+            <a:schemeClr val="lt1"/>
+          </a:fontRef>
+        </p:style>
+        <p:txBody>
+          <a:bodyPr rtlCol="0" anchor="ctr"/>
+          <a:lstStyle/>
+          <a:p>
+            <a:pPr algn="ctr"/>
+            <a:endParaRPr lang="en-US"/>
+          </a:p>
+        </p:txBody>
+      </p:sp>
+      <p:pic>
+        <p:nvPicPr>
+          <p:cNvPr id="2" name="Picture 2" descr="Temporal">
+            <a:extLst>
+              <a:ext uri="{FF2B5EF4-FFF2-40B4-BE49-F238E27FC236}">
+                <a16:creationId xmlns:a16="http://schemas.microsoft.com/office/drawing/2014/main" id="{FCA75F5B-AEB5-AE4D-BBC8-54A5298ECD85}"/>
+              </a:ext>
+            </a:extLst>
+          </p:cNvPr>
+          <p:cNvPicPr>
+            <a:picLocks noChangeAspect="1" noChangeArrowheads="1"/>
+          </p:cNvPicPr>
+          <p:nvPr/>
+        </p:nvPicPr>
+        <p:blipFill>
+          <a:blip r:embed="rId2">
+            <a:extLst>
+              <a:ext uri="{28A0092B-C50C-407E-A947-70E740481C1C}">
+                <a14:useLocalDpi xmlns:a14="http://schemas.microsoft.com/office/drawing/2010/main" val="0"/>
+              </a:ext>
+            </a:extLst>
+          </a:blip>
+          <a:stretch>
+            <a:fillRect/>
+          </a:stretch>
+        </p:blipFill>
+        <p:spPr bwMode="auto">
+          <a:xfrm>
+            <a:off x="1295226" y="1279397"/>
+            <a:ext cx="9240039" cy="4596919"/>
+          </a:xfrm>
+          <a:prstGeom prst="rect">
+            <a:avLst/>
+          </a:prstGeom>
+          <a:noFill/>
+          <a:extLst>
+            <a:ext uri="{909E8E84-426E-40DD-AFC4-6F175D3DCCD1}">
+              <a14:hiddenFill xmlns:a14="http://schemas.microsoft.com/office/drawing/2010/main">
+                <a:solidFill>
+                  <a:srgbClr val="FFFFFF"/>
+                </a:solidFill>
+              </a14:hiddenFill>
+            </a:ext>
+          </a:extLst>
+        </p:spPr>
+      </p:pic>
+      <p:sp>
+        <p:nvSpPr>
+          <p:cNvPr id="9" name="Freeform: Shape 8">
+            <a:extLst>
+              <a:ext uri="{FF2B5EF4-FFF2-40B4-BE49-F238E27FC236}">
+                <a16:creationId xmlns:a16="http://schemas.microsoft.com/office/drawing/2014/main" id="{736F0DFD-0954-464F-BF12-DD2E6F6E0380}"/>
+              </a:ext>
+              <a:ext uri="{C183D7F6-B498-43B3-948B-1728B52AA6E4}">
+                <adec:decorative xmlns:adec="http://schemas.microsoft.com/office/drawing/2017/decorative" val="1"/>
+              </a:ext>
+            </a:extLst>
+          </p:cNvPr>
+          <p:cNvSpPr>
+            <a:spLocks noGrp="1" noRot="1" noChangeAspect="1" noMove="1" noResize="1" noEditPoints="1" noAdjustHandles="1" noChangeArrowheads="1" noChangeShapeType="1" noTextEdit="1"/>
+          </p:cNvSpPr>
+          <p:nvPr>
+            <p:extLst>
+              <p:ext uri="{386F3935-93C4-4BCD-93E2-E3B085C9AB24}">
+                <p16:designElem xmlns:p16="http://schemas.microsoft.com/office/powerpoint/2015/main" val="1"/>
+              </p:ext>
+            </p:extLst>
+          </p:nvPr>
+        </p:nvSpPr>
+        <p:spPr>
+          <a:xfrm flipH="1">
+            <a:off x="10208496" y="0"/>
+            <a:ext cx="1983504" cy="6858000"/>
+          </a:xfrm>
+          <a:custGeom>
+            <a:avLst/>
+            <a:gdLst>
+              <a:gd name="connsiteX0" fmla="*/ 0 w 1983504"/>
+              <a:gd name="connsiteY0" fmla="*/ 0 h 6858000"/>
+              <a:gd name="connsiteX1" fmla="*/ 1376658 w 1983504"/>
+              <a:gd name="connsiteY1" fmla="*/ 0 h 6858000"/>
+              <a:gd name="connsiteX2" fmla="*/ 1690650 w 1983504"/>
+              <a:gd name="connsiteY2" fmla="*/ 110269 h 6858000"/>
+              <a:gd name="connsiteX3" fmla="*/ 1645361 w 1983504"/>
+              <a:gd name="connsiteY3" fmla="*/ 135168 h 6858000"/>
+              <a:gd name="connsiteX4" fmla="*/ 1373640 w 1983504"/>
+              <a:gd name="connsiteY4" fmla="*/ 71141 h 6858000"/>
+              <a:gd name="connsiteX5" fmla="*/ 1319295 w 1983504"/>
+              <a:gd name="connsiteY5" fmla="*/ 88927 h 6858000"/>
+              <a:gd name="connsiteX6" fmla="*/ 1346468 w 1983504"/>
+              <a:gd name="connsiteY6" fmla="*/ 163625 h 6858000"/>
+              <a:gd name="connsiteX7" fmla="*/ 1464213 w 1983504"/>
+              <a:gd name="connsiteY7" fmla="*/ 192082 h 6858000"/>
+              <a:gd name="connsiteX8" fmla="*/ 1648381 w 1983504"/>
+              <a:gd name="connsiteY8" fmla="*/ 373491 h 6858000"/>
+              <a:gd name="connsiteX9" fmla="*/ 1370620 w 1983504"/>
+              <a:gd name="connsiteY9" fmla="*/ 352148 h 6858000"/>
+              <a:gd name="connsiteX10" fmla="*/ 1322314 w 1983504"/>
+              <a:gd name="connsiteY10" fmla="*/ 394834 h 6858000"/>
+              <a:gd name="connsiteX11" fmla="*/ 1304199 w 1983504"/>
+              <a:gd name="connsiteY11" fmla="*/ 451747 h 6858000"/>
+              <a:gd name="connsiteX12" fmla="*/ 1222682 w 1983504"/>
+              <a:gd name="connsiteY12" fmla="*/ 359262 h 6858000"/>
+              <a:gd name="connsiteX13" fmla="*/ 1153242 w 1983504"/>
+              <a:gd name="connsiteY13" fmla="*/ 334364 h 6858000"/>
+              <a:gd name="connsiteX14" fmla="*/ 1132108 w 1983504"/>
+              <a:gd name="connsiteY14" fmla="*/ 416176 h 6858000"/>
+              <a:gd name="connsiteX15" fmla="*/ 1195509 w 1983504"/>
+              <a:gd name="connsiteY15" fmla="*/ 505101 h 6858000"/>
+              <a:gd name="connsiteX16" fmla="*/ 1364582 w 1983504"/>
+              <a:gd name="connsiteY16" fmla="*/ 558458 h 6858000"/>
+              <a:gd name="connsiteX17" fmla="*/ 1183434 w 1983504"/>
+              <a:gd name="connsiteY17" fmla="*/ 558458 h 6858000"/>
+              <a:gd name="connsiteX18" fmla="*/ 975114 w 1983504"/>
+              <a:gd name="connsiteY18" fmla="*/ 522887 h 6858000"/>
+              <a:gd name="connsiteX19" fmla="*/ 754716 w 1983504"/>
+              <a:gd name="connsiteY19" fmla="*/ 533558 h 6858000"/>
+              <a:gd name="connsiteX20" fmla="*/ 546395 w 1983504"/>
+              <a:gd name="connsiteY20" fmla="*/ 462417 h 6858000"/>
+              <a:gd name="connsiteX21" fmla="*/ 335056 w 1983504"/>
+              <a:gd name="connsiteY21" fmla="*/ 465975 h 6858000"/>
+              <a:gd name="connsiteX22" fmla="*/ 1270988 w 1983504"/>
+              <a:gd name="connsiteY22" fmla="*/ 910606 h 6858000"/>
+              <a:gd name="connsiteX23" fmla="*/ 1225701 w 1983504"/>
+              <a:gd name="connsiteY23" fmla="*/ 921277 h 6858000"/>
+              <a:gd name="connsiteX24" fmla="*/ 1165318 w 1983504"/>
+              <a:gd name="connsiteY24" fmla="*/ 949734 h 6858000"/>
+              <a:gd name="connsiteX25" fmla="*/ 1210606 w 1983504"/>
+              <a:gd name="connsiteY25" fmla="*/ 1006647 h 6858000"/>
+              <a:gd name="connsiteX26" fmla="*/ 1455156 w 1983504"/>
+              <a:gd name="connsiteY26" fmla="*/ 1113358 h 6858000"/>
+              <a:gd name="connsiteX27" fmla="*/ 1515538 w 1983504"/>
+              <a:gd name="connsiteY27" fmla="*/ 1220069 h 6858000"/>
+              <a:gd name="connsiteX28" fmla="*/ 1440060 w 1983504"/>
+              <a:gd name="connsiteY28" fmla="*/ 1209399 h 6858000"/>
+              <a:gd name="connsiteX29" fmla="*/ 1373640 w 1983504"/>
+              <a:gd name="connsiteY29" fmla="*/ 1230741 h 6858000"/>
+              <a:gd name="connsiteX30" fmla="*/ 1400810 w 1983504"/>
+              <a:gd name="connsiteY30" fmla="*/ 1365909 h 6858000"/>
+              <a:gd name="connsiteX31" fmla="*/ 1748012 w 1983504"/>
+              <a:gd name="connsiteY31" fmla="*/ 1540204 h 6858000"/>
+              <a:gd name="connsiteX32" fmla="*/ 1778203 w 1983504"/>
+              <a:gd name="connsiteY32" fmla="*/ 1597117 h 6858000"/>
+              <a:gd name="connsiteX33" fmla="*/ 1735936 w 1983504"/>
+              <a:gd name="connsiteY33" fmla="*/ 1636245 h 6858000"/>
+              <a:gd name="connsiteX34" fmla="*/ 1624228 w 1983504"/>
+              <a:gd name="connsiteY34" fmla="*/ 1657587 h 6858000"/>
+              <a:gd name="connsiteX35" fmla="*/ 1781223 w 1983504"/>
+              <a:gd name="connsiteY35" fmla="*/ 1849668 h 6858000"/>
+              <a:gd name="connsiteX36" fmla="*/ 1838587 w 1983504"/>
+              <a:gd name="connsiteY36" fmla="*/ 1903025 h 6858000"/>
+              <a:gd name="connsiteX37" fmla="*/ 1938218 w 1983504"/>
+              <a:gd name="connsiteY37" fmla="*/ 1984836 h 6858000"/>
+              <a:gd name="connsiteX38" fmla="*/ 1938218 w 1983504"/>
+              <a:gd name="connsiteY38" fmla="*/ 2013292 h 6858000"/>
+              <a:gd name="connsiteX39" fmla="*/ 1805376 w 1983504"/>
+              <a:gd name="connsiteY39" fmla="*/ 2102219 h 6858000"/>
+              <a:gd name="connsiteX40" fmla="*/ 1563844 w 1983504"/>
+              <a:gd name="connsiteY40" fmla="*/ 2077320 h 6858000"/>
+              <a:gd name="connsiteX41" fmla="*/ 1920104 w 1983504"/>
+              <a:gd name="connsiteY41" fmla="*/ 2208931 h 6858000"/>
+              <a:gd name="connsiteX42" fmla="*/ 766792 w 1983504"/>
+              <a:gd name="connsiteY42" fmla="*/ 1892353 h 6858000"/>
+              <a:gd name="connsiteX43" fmla="*/ 839252 w 1983504"/>
+              <a:gd name="connsiteY43" fmla="*/ 1974165 h 6858000"/>
+              <a:gd name="connsiteX44" fmla="*/ 1243816 w 1983504"/>
+              <a:gd name="connsiteY44" fmla="*/ 2191146 h 6858000"/>
+              <a:gd name="connsiteX45" fmla="*/ 1358543 w 1983504"/>
+              <a:gd name="connsiteY45" fmla="*/ 2326314 h 6858000"/>
+              <a:gd name="connsiteX46" fmla="*/ 1479310 w 1983504"/>
+              <a:gd name="connsiteY46" fmla="*/ 2401012 h 6858000"/>
+              <a:gd name="connsiteX47" fmla="*/ 1648381 w 1983504"/>
+              <a:gd name="connsiteY47" fmla="*/ 2401012 h 6858000"/>
+              <a:gd name="connsiteX48" fmla="*/ 1769146 w 1983504"/>
+              <a:gd name="connsiteY48" fmla="*/ 2518395 h 6858000"/>
+              <a:gd name="connsiteX49" fmla="*/ 1645361 w 1983504"/>
+              <a:gd name="connsiteY49" fmla="*/ 2543294 h 6858000"/>
+              <a:gd name="connsiteX50" fmla="*/ 1500444 w 1983504"/>
+              <a:gd name="connsiteY50" fmla="*/ 2525509 h 6858000"/>
+              <a:gd name="connsiteX51" fmla="*/ 1337410 w 1983504"/>
+              <a:gd name="connsiteY51" fmla="*/ 2564636 h 6858000"/>
+              <a:gd name="connsiteX52" fmla="*/ 1186452 w 1983504"/>
+              <a:gd name="connsiteY52" fmla="*/ 2532623 h 6858000"/>
+              <a:gd name="connsiteX53" fmla="*/ 1005304 w 1983504"/>
+              <a:gd name="connsiteY53" fmla="*/ 2553965 h 6858000"/>
+              <a:gd name="connsiteX54" fmla="*/ 947940 w 1983504"/>
+              <a:gd name="connsiteY54" fmla="*/ 2692689 h 6858000"/>
+              <a:gd name="connsiteX55" fmla="*/ 929826 w 1983504"/>
+              <a:gd name="connsiteY55" fmla="*/ 2703362 h 6858000"/>
+              <a:gd name="connsiteX56" fmla="*/ 594701 w 1983504"/>
+              <a:gd name="connsiteY56" fmla="*/ 2923898 h 6858000"/>
+              <a:gd name="connsiteX57" fmla="*/ 501108 w 1983504"/>
+              <a:gd name="connsiteY57" fmla="*/ 2941684 h 6858000"/>
+              <a:gd name="connsiteX58" fmla="*/ 1053610 w 1983504"/>
+              <a:gd name="connsiteY58" fmla="*/ 3329402 h 6858000"/>
+              <a:gd name="connsiteX59" fmla="*/ 682256 w 1983504"/>
+              <a:gd name="connsiteY59" fmla="*/ 3229805 h 6858000"/>
+              <a:gd name="connsiteX60" fmla="*/ 630932 w 1983504"/>
+              <a:gd name="connsiteY60" fmla="*/ 3393429 h 6858000"/>
+              <a:gd name="connsiteX61" fmla="*/ 806041 w 1983504"/>
+              <a:gd name="connsiteY61" fmla="*/ 3539269 h 6858000"/>
+              <a:gd name="connsiteX62" fmla="*/ 869444 w 1983504"/>
+              <a:gd name="connsiteY62" fmla="*/ 3827390 h 6858000"/>
+              <a:gd name="connsiteX63" fmla="*/ 839252 w 1983504"/>
+              <a:gd name="connsiteY63" fmla="*/ 4090612 h 6858000"/>
+              <a:gd name="connsiteX64" fmla="*/ 763774 w 1983504"/>
+              <a:gd name="connsiteY64" fmla="*/ 4172424 h 6858000"/>
+              <a:gd name="connsiteX65" fmla="*/ 655085 w 1983504"/>
+              <a:gd name="connsiteY65" fmla="*/ 4321821 h 6858000"/>
+              <a:gd name="connsiteX66" fmla="*/ 588662 w 1983504"/>
+              <a:gd name="connsiteY66" fmla="*/ 4414305 h 6858000"/>
+              <a:gd name="connsiteX67" fmla="*/ 356189 w 1983504"/>
+              <a:gd name="connsiteY67" fmla="*/ 4378734 h 6858000"/>
+              <a:gd name="connsiteX68" fmla="*/ 667160 w 1983504"/>
+              <a:gd name="connsiteY68" fmla="*/ 4613499 h 6858000"/>
+              <a:gd name="connsiteX69" fmla="*/ 416573 w 1983504"/>
+              <a:gd name="connsiteY69" fmla="*/ 4585042 h 6858000"/>
+              <a:gd name="connsiteX70" fmla="*/ 335056 w 1983504"/>
+              <a:gd name="connsiteY70" fmla="*/ 4602828 h 6858000"/>
+              <a:gd name="connsiteX71" fmla="*/ 380342 w 1983504"/>
+              <a:gd name="connsiteY71" fmla="*/ 4677526 h 6858000"/>
+              <a:gd name="connsiteX72" fmla="*/ 564510 w 1983504"/>
+              <a:gd name="connsiteY72" fmla="*/ 4805580 h 6858000"/>
+              <a:gd name="connsiteX73" fmla="*/ 944922 w 1983504"/>
+              <a:gd name="connsiteY73" fmla="*/ 5154171 h 6858000"/>
+              <a:gd name="connsiteX74" fmla="*/ 576586 w 1983504"/>
+              <a:gd name="connsiteY74" fmla="*/ 4994104 h 6858000"/>
+              <a:gd name="connsiteX75" fmla="*/ 963036 w 1983504"/>
+              <a:gd name="connsiteY75" fmla="*/ 5353367 h 6858000"/>
+              <a:gd name="connsiteX76" fmla="*/ 1047572 w 1983504"/>
+              <a:gd name="connsiteY76" fmla="*/ 5474306 h 6858000"/>
+              <a:gd name="connsiteX77" fmla="*/ 1222682 w 1983504"/>
+              <a:gd name="connsiteY77" fmla="*/ 5769542 h 6858000"/>
+              <a:gd name="connsiteX78" fmla="*/ 1213626 w 1983504"/>
+              <a:gd name="connsiteY78" fmla="*/ 5801555 h 6858000"/>
+              <a:gd name="connsiteX79" fmla="*/ 1014361 w 1983504"/>
+              <a:gd name="connsiteY79" fmla="*/ 5755314 h 6858000"/>
+              <a:gd name="connsiteX80" fmla="*/ 1274008 w 1983504"/>
+              <a:gd name="connsiteY80" fmla="*/ 6004307 h 6858000"/>
+              <a:gd name="connsiteX81" fmla="*/ 1542711 w 1983504"/>
+              <a:gd name="connsiteY81" fmla="*/ 6196388 h 6858000"/>
+              <a:gd name="connsiteX82" fmla="*/ 1352504 w 1983504"/>
+              <a:gd name="connsiteY82" fmla="*/ 6167932 h 6858000"/>
+              <a:gd name="connsiteX83" fmla="*/ 1089840 w 1983504"/>
+              <a:gd name="connsiteY83" fmla="*/ 6057663 h 6858000"/>
+              <a:gd name="connsiteX84" fmla="*/ 999266 w 1983504"/>
+              <a:gd name="connsiteY84" fmla="*/ 6100347 h 6858000"/>
+              <a:gd name="connsiteX85" fmla="*/ 1246836 w 1983504"/>
+              <a:gd name="connsiteY85" fmla="*/ 6281757 h 6858000"/>
+              <a:gd name="connsiteX86" fmla="*/ 1388735 w 1983504"/>
+              <a:gd name="connsiteY86" fmla="*/ 6367127 h 6858000"/>
+              <a:gd name="connsiteX87" fmla="*/ 1446099 w 1983504"/>
+              <a:gd name="connsiteY87" fmla="*/ 6431153 h 6858000"/>
+              <a:gd name="connsiteX88" fmla="*/ 1609132 w 1983504"/>
+              <a:gd name="connsiteY88" fmla="*/ 6658805 h 6858000"/>
+              <a:gd name="connsiteX89" fmla="*/ 1983504 w 1983504"/>
+              <a:gd name="connsiteY89" fmla="*/ 6858000 h 6858000"/>
+              <a:gd name="connsiteX90" fmla="*/ 0 w 1983504"/>
+              <a:gd name="connsiteY90" fmla="*/ 6858000 h 6858000"/>
+            </a:gdLst>
+            <a:ahLst/>
+            <a:cxnLst>
+              <a:cxn ang="0">
+                <a:pos x="connsiteX0" y="connsiteY0"/>
+              </a:cxn>
+              <a:cxn ang="0">
+                <a:pos x="connsiteX1" y="connsiteY1"/>
+              </a:cxn>
+              <a:cxn ang="0">
+                <a:pos x="connsiteX2" y="connsiteY2"/>
+              </a:cxn>
+              <a:cxn ang="0">
+                <a:pos x="connsiteX3" y="connsiteY3"/>
+              </a:cxn>
+              <a:cxn ang="0">
+                <a:pos x="connsiteX4" y="connsiteY4"/>
+              </a:cxn>
+              <a:cxn ang="0">
+                <a:pos x="connsiteX5" y="connsiteY5"/>
+              </a:cxn>
+              <a:cxn ang="0">
+                <a:pos x="connsiteX6" y="connsiteY6"/>
+              </a:cxn>
+              <a:cxn ang="0">
+                <a:pos x="connsiteX7" y="connsiteY7"/>
+              </a:cxn>
+              <a:cxn ang="0">
+                <a:pos x="connsiteX8" y="connsiteY8"/>
+              </a:cxn>
+              <a:cxn ang="0">
+                <a:pos x="connsiteX9" y="connsiteY9"/>
+              </a:cxn>
+              <a:cxn ang="0">
+                <a:pos x="connsiteX10" y="connsiteY10"/>
+              </a:cxn>
+              <a:cxn ang="0">
+                <a:pos x="connsiteX11" y="connsiteY11"/>
+              </a:cxn>
+              <a:cxn ang="0">
+                <a:pos x="connsiteX12" y="connsiteY12"/>
+              </a:cxn>
+              <a:cxn ang="0">
+                <a:pos x="connsiteX13" y="connsiteY13"/>
+              </a:cxn>
+              <a:cxn ang="0">
+                <a:pos x="connsiteX14" y="connsiteY14"/>
+              </a:cxn>
+              <a:cxn ang="0">
+                <a:pos x="connsiteX15" y="connsiteY15"/>
+              </a:cxn>
+              <a:cxn ang="0">
+                <a:pos x="connsiteX16" y="connsiteY16"/>
+              </a:cxn>
+              <a:cxn ang="0">
+                <a:pos x="connsiteX17" y="connsiteY17"/>
+              </a:cxn>
+              <a:cxn ang="0">
+                <a:pos x="connsiteX18" y="connsiteY18"/>
+              </a:cxn>
+              <a:cxn ang="0">
+                <a:pos x="connsiteX19" y="connsiteY19"/>
+              </a:cxn>
+              <a:cxn ang="0">
+                <a:pos x="connsiteX20" y="connsiteY20"/>
+              </a:cxn>
+              <a:cxn ang="0">
+                <a:pos x="connsiteX21" y="connsiteY21"/>
+              </a:cxn>
+              <a:cxn ang="0">
+                <a:pos x="connsiteX22" y="connsiteY22"/>
+              </a:cxn>
+              <a:cxn ang="0">
+                <a:pos x="connsiteX23" y="connsiteY23"/>
+              </a:cxn>
+              <a:cxn ang="0">
+                <a:pos x="connsiteX24" y="connsiteY24"/>
+              </a:cxn>
+              <a:cxn ang="0">
+                <a:pos x="connsiteX25" y="connsiteY25"/>
+              </a:cxn>
+              <a:cxn ang="0">
+                <a:pos x="connsiteX26" y="connsiteY26"/>
+              </a:cxn>
+              <a:cxn ang="0">
+                <a:pos x="connsiteX27" y="connsiteY27"/>
+              </a:cxn>
+              <a:cxn ang="0">
+                <a:pos x="connsiteX28" y="connsiteY28"/>
+              </a:cxn>
+              <a:cxn ang="0">
+                <a:pos x="connsiteX29" y="connsiteY29"/>
+              </a:cxn>
+              <a:cxn ang="0">
+                <a:pos x="connsiteX30" y="connsiteY30"/>
+              </a:cxn>
+              <a:cxn ang="0">
+                <a:pos x="connsiteX31" y="connsiteY31"/>
+              </a:cxn>
+              <a:cxn ang="0">
+                <a:pos x="connsiteX32" y="connsiteY32"/>
+              </a:cxn>
+              <a:cxn ang="0">
+                <a:pos x="connsiteX33" y="connsiteY33"/>
+              </a:cxn>
+              <a:cxn ang="0">
+                <a:pos x="connsiteX34" y="connsiteY34"/>
+              </a:cxn>
+              <a:cxn ang="0">
+                <a:pos x="connsiteX35" y="connsiteY35"/>
+              </a:cxn>
+              <a:cxn ang="0">
+                <a:pos x="connsiteX36" y="connsiteY36"/>
+              </a:cxn>
+              <a:cxn ang="0">
+                <a:pos x="connsiteX37" y="connsiteY37"/>
+              </a:cxn>
+              <a:cxn ang="0">
+                <a:pos x="connsiteX38" y="connsiteY38"/>
+              </a:cxn>
+              <a:cxn ang="0">
+                <a:pos x="connsiteX39" y="connsiteY39"/>
+              </a:cxn>
+              <a:cxn ang="0">
+                <a:pos x="connsiteX40" y="connsiteY40"/>
+              </a:cxn>
+              <a:cxn ang="0">
+                <a:pos x="connsiteX41" y="connsiteY41"/>
+              </a:cxn>
+              <a:cxn ang="0">
+                <a:pos x="connsiteX42" y="connsiteY42"/>
+              </a:cxn>
+              <a:cxn ang="0">
+                <a:pos x="connsiteX43" y="connsiteY43"/>
+              </a:cxn>
+              <a:cxn ang="0">
+                <a:pos x="connsiteX44" y="connsiteY44"/>
+              </a:cxn>
+              <a:cxn ang="0">
+                <a:pos x="connsiteX45" y="connsiteY45"/>
+              </a:cxn>
+              <a:cxn ang="0">
+                <a:pos x="connsiteX46" y="connsiteY46"/>
+              </a:cxn>
+              <a:cxn ang="0">
+                <a:pos x="connsiteX47" y="connsiteY47"/>
+              </a:cxn>
+              <a:cxn ang="0">
+                <a:pos x="connsiteX48" y="connsiteY48"/>
+              </a:cxn>
+              <a:cxn ang="0">
+                <a:pos x="connsiteX49" y="connsiteY49"/>
+              </a:cxn>
+              <a:cxn ang="0">
+                <a:pos x="connsiteX50" y="connsiteY50"/>
+              </a:cxn>
+              <a:cxn ang="0">
+                <a:pos x="connsiteX51" y="connsiteY51"/>
+              </a:cxn>
+              <a:cxn ang="0">
+                <a:pos x="connsiteX52" y="connsiteY52"/>
+              </a:cxn>
+              <a:cxn ang="0">
+                <a:pos x="connsiteX53" y="connsiteY53"/>
+              </a:cxn>
+              <a:cxn ang="0">
+                <a:pos x="connsiteX54" y="connsiteY54"/>
+              </a:cxn>
+              <a:cxn ang="0">
+                <a:pos x="connsiteX55" y="connsiteY55"/>
+              </a:cxn>
+              <a:cxn ang="0">
+                <a:pos x="connsiteX56" y="connsiteY56"/>
+              </a:cxn>
+              <a:cxn ang="0">
+                <a:pos x="connsiteX57" y="connsiteY57"/>
+              </a:cxn>
+              <a:cxn ang="0">
+                <a:pos x="connsiteX58" y="connsiteY58"/>
+              </a:cxn>
+              <a:cxn ang="0">
+                <a:pos x="connsiteX59" y="connsiteY59"/>
+              </a:cxn>
+              <a:cxn ang="0">
+                <a:pos x="connsiteX60" y="connsiteY60"/>
+              </a:cxn>
+              <a:cxn ang="0">
+                <a:pos x="connsiteX61" y="connsiteY61"/>
+              </a:cxn>
+              <a:cxn ang="0">
+                <a:pos x="connsiteX62" y="connsiteY62"/>
+              </a:cxn>
+              <a:cxn ang="0">
+                <a:pos x="connsiteX63" y="connsiteY63"/>
+              </a:cxn>
+              <a:cxn ang="0">
+                <a:pos x="connsiteX64" y="connsiteY64"/>
+              </a:cxn>
+              <a:cxn ang="0">
+                <a:pos x="connsiteX65" y="connsiteY65"/>
+              </a:cxn>
+              <a:cxn ang="0">
+                <a:pos x="connsiteX66" y="connsiteY66"/>
+              </a:cxn>
+              <a:cxn ang="0">
+                <a:pos x="connsiteX67" y="connsiteY67"/>
+              </a:cxn>
+              <a:cxn ang="0">
+                <a:pos x="connsiteX68" y="connsiteY68"/>
+              </a:cxn>
+              <a:cxn ang="0">
+                <a:pos x="connsiteX69" y="connsiteY69"/>
+              </a:cxn>
+              <a:cxn ang="0">
+                <a:pos x="connsiteX70" y="connsiteY70"/>
+              </a:cxn>
+              <a:cxn ang="0">
+                <a:pos x="connsiteX71" y="connsiteY71"/>
+              </a:cxn>
+              <a:cxn ang="0">
+                <a:pos x="connsiteX72" y="connsiteY72"/>
+              </a:cxn>
+              <a:cxn ang="0">
+                <a:pos x="connsiteX73" y="connsiteY73"/>
+              </a:cxn>
+              <a:cxn ang="0">
+                <a:pos x="connsiteX74" y="connsiteY74"/>
+              </a:cxn>
+              <a:cxn ang="0">
+                <a:pos x="connsiteX75" y="connsiteY75"/>
+              </a:cxn>
+              <a:cxn ang="0">
+                <a:pos x="connsiteX76" y="connsiteY76"/>
+              </a:cxn>
+              <a:cxn ang="0">
+                <a:pos x="connsiteX77" y="connsiteY77"/>
+              </a:cxn>
+              <a:cxn ang="0">
+                <a:pos x="connsiteX78" y="connsiteY78"/>
+              </a:cxn>
+              <a:cxn ang="0">
+                <a:pos x="connsiteX79" y="connsiteY79"/>
+              </a:cxn>
+              <a:cxn ang="0">
+                <a:pos x="connsiteX80" y="connsiteY80"/>
+              </a:cxn>
+              <a:cxn ang="0">
+                <a:pos x="connsiteX81" y="connsiteY81"/>
+              </a:cxn>
+              <a:cxn ang="0">
+                <a:pos x="connsiteX82" y="connsiteY82"/>
+              </a:cxn>
+              <a:cxn ang="0">
+                <a:pos x="connsiteX83" y="connsiteY83"/>
+              </a:cxn>
+              <a:cxn ang="0">
+                <a:pos x="connsiteX84" y="connsiteY84"/>
+              </a:cxn>
+              <a:cxn ang="0">
+                <a:pos x="connsiteX85" y="connsiteY85"/>
+              </a:cxn>
+              <a:cxn ang="0">
+                <a:pos x="connsiteX86" y="connsiteY86"/>
+              </a:cxn>
+              <a:cxn ang="0">
+                <a:pos x="connsiteX87" y="connsiteY87"/>
+              </a:cxn>
+              <a:cxn ang="0">
+                <a:pos x="connsiteX88" y="connsiteY88"/>
+              </a:cxn>
+              <a:cxn ang="0">
+                <a:pos x="connsiteX89" y="connsiteY89"/>
+              </a:cxn>
+              <a:cxn ang="0">
+                <a:pos x="connsiteX90" y="connsiteY90"/>
+              </a:cxn>
+            </a:cxnLst>
+            <a:rect l="l" t="t" r="r" b="b"/>
+            <a:pathLst>
+              <a:path w="1983504" h="6858000">
+                <a:moveTo>
+                  <a:pt x="0" y="0"/>
+                </a:moveTo>
+                <a:lnTo>
+                  <a:pt x="1376658" y="0"/>
+                </a:lnTo>
+                <a:cubicBezTo>
+                  <a:pt x="1482328" y="35571"/>
+                  <a:pt x="1584980" y="78255"/>
+                  <a:pt x="1690650" y="110269"/>
+                </a:cubicBezTo>
+                <a:cubicBezTo>
+                  <a:pt x="1675553" y="145839"/>
+                  <a:pt x="1660458" y="138725"/>
+                  <a:pt x="1645361" y="135168"/>
+                </a:cubicBezTo>
+                <a:cubicBezTo>
+                  <a:pt x="1554788" y="120941"/>
+                  <a:pt x="1461194" y="110269"/>
+                  <a:pt x="1373640" y="71141"/>
+                </a:cubicBezTo>
+                <a:cubicBezTo>
+                  <a:pt x="1352504" y="64027"/>
+                  <a:pt x="1328352" y="64027"/>
+                  <a:pt x="1319295" y="88927"/>
+                </a:cubicBezTo>
+                <a:cubicBezTo>
+                  <a:pt x="1304199" y="124497"/>
+                  <a:pt x="1325332" y="145839"/>
+                  <a:pt x="1346468" y="163625"/>
+                </a:cubicBezTo>
+                <a:cubicBezTo>
+                  <a:pt x="1382696" y="195638"/>
+                  <a:pt x="1424964" y="188525"/>
+                  <a:pt x="1464213" y="192082"/>
+                </a:cubicBezTo>
+                <a:cubicBezTo>
+                  <a:pt x="1572902" y="209867"/>
+                  <a:pt x="1624228" y="259665"/>
+                  <a:pt x="1648381" y="373491"/>
+                </a:cubicBezTo>
+                <a:cubicBezTo>
+                  <a:pt x="1554788" y="327250"/>
+                  <a:pt x="1461194" y="384162"/>
+                  <a:pt x="1370620" y="352148"/>
+                </a:cubicBezTo>
+                <a:cubicBezTo>
+                  <a:pt x="1346468" y="345034"/>
+                  <a:pt x="1310237" y="355706"/>
+                  <a:pt x="1322314" y="394834"/>
+                </a:cubicBezTo>
+                <a:cubicBezTo>
+                  <a:pt x="1334390" y="430405"/>
+                  <a:pt x="1373640" y="458860"/>
+                  <a:pt x="1304199" y="451747"/>
+                </a:cubicBezTo>
+                <a:cubicBezTo>
+                  <a:pt x="1252873" y="448189"/>
+                  <a:pt x="1237778" y="405504"/>
+                  <a:pt x="1222682" y="359262"/>
+                </a:cubicBezTo>
+                <a:cubicBezTo>
+                  <a:pt x="1210606" y="334364"/>
+                  <a:pt x="1177395" y="320135"/>
+                  <a:pt x="1153242" y="334364"/>
+                </a:cubicBezTo>
+                <a:cubicBezTo>
+                  <a:pt x="1123051" y="348592"/>
+                  <a:pt x="1132108" y="387720"/>
+                  <a:pt x="1132108" y="416176"/>
+                </a:cubicBezTo>
+                <a:cubicBezTo>
+                  <a:pt x="1129088" y="469532"/>
+                  <a:pt x="1153242" y="494431"/>
+                  <a:pt x="1195509" y="505101"/>
+                </a:cubicBezTo>
+                <a:cubicBezTo>
+                  <a:pt x="1246836" y="519330"/>
+                  <a:pt x="1298160" y="537116"/>
+                  <a:pt x="1364582" y="558458"/>
+                </a:cubicBezTo>
+                <a:cubicBezTo>
+                  <a:pt x="1292122" y="594028"/>
+                  <a:pt x="1237778" y="586915"/>
+                  <a:pt x="1183434" y="558458"/>
+                </a:cubicBezTo>
+                <a:cubicBezTo>
+                  <a:pt x="1117012" y="526444"/>
+                  <a:pt x="1029458" y="483759"/>
+                  <a:pt x="975114" y="522887"/>
+                </a:cubicBezTo>
+                <a:cubicBezTo>
+                  <a:pt x="893597" y="579800"/>
+                  <a:pt x="827176" y="544229"/>
+                  <a:pt x="754716" y="533558"/>
+                </a:cubicBezTo>
+                <a:cubicBezTo>
+                  <a:pt x="603758" y="512216"/>
+                  <a:pt x="697352" y="480203"/>
+                  <a:pt x="546395" y="462417"/>
+                </a:cubicBezTo>
+                <a:cubicBezTo>
+                  <a:pt x="486012" y="455303"/>
+                  <a:pt x="422610" y="426847"/>
+                  <a:pt x="335056" y="465975"/>
+                </a:cubicBezTo>
+                <a:cubicBezTo>
+                  <a:pt x="730563" y="672284"/>
+                  <a:pt x="917750" y="658055"/>
+                  <a:pt x="1270988" y="910606"/>
+                </a:cubicBezTo>
+                <a:cubicBezTo>
+                  <a:pt x="1255893" y="935506"/>
+                  <a:pt x="1240798" y="924835"/>
+                  <a:pt x="1225701" y="921277"/>
+                </a:cubicBezTo>
+                <a:cubicBezTo>
+                  <a:pt x="1201548" y="917720"/>
+                  <a:pt x="1171356" y="903491"/>
+                  <a:pt x="1165318" y="949734"/>
+                </a:cubicBezTo>
+                <a:cubicBezTo>
+                  <a:pt x="1162298" y="985305"/>
+                  <a:pt x="1180415" y="1003089"/>
+                  <a:pt x="1210606" y="1006647"/>
+                </a:cubicBezTo>
+                <a:cubicBezTo>
+                  <a:pt x="1298160" y="1020875"/>
+                  <a:pt x="1376658" y="1070674"/>
+                  <a:pt x="1455156" y="1113358"/>
+                </a:cubicBezTo>
+                <a:cubicBezTo>
+                  <a:pt x="1491385" y="1131144"/>
+                  <a:pt x="1530634" y="1156043"/>
+                  <a:pt x="1515538" y="1220069"/>
+                </a:cubicBezTo>
+                <a:cubicBezTo>
+                  <a:pt x="1485348" y="1237855"/>
+                  <a:pt x="1464213" y="1212955"/>
+                  <a:pt x="1440060" y="1209399"/>
+                </a:cubicBezTo>
+                <a:cubicBezTo>
+                  <a:pt x="1415907" y="1205842"/>
+                  <a:pt x="1358543" y="1220069"/>
+                  <a:pt x="1373640" y="1230741"/>
+                </a:cubicBezTo>
+                <a:cubicBezTo>
+                  <a:pt x="1443080" y="1269868"/>
+                  <a:pt x="1316276" y="1365909"/>
+                  <a:pt x="1400810" y="1365909"/>
+                </a:cubicBezTo>
+                <a:cubicBezTo>
+                  <a:pt x="1539691" y="1365909"/>
+                  <a:pt x="1615170" y="1536647"/>
+                  <a:pt x="1748012" y="1540204"/>
+                </a:cubicBezTo>
+                <a:cubicBezTo>
+                  <a:pt x="1769146" y="1540204"/>
+                  <a:pt x="1778203" y="1572219"/>
+                  <a:pt x="1778203" y="1597117"/>
+                </a:cubicBezTo>
+                <a:cubicBezTo>
+                  <a:pt x="1778203" y="1629132"/>
+                  <a:pt x="1757070" y="1632688"/>
+                  <a:pt x="1735936" y="1636245"/>
+                </a:cubicBezTo>
+                <a:cubicBezTo>
+                  <a:pt x="1702725" y="1639802"/>
+                  <a:pt x="1666496" y="1597117"/>
+                  <a:pt x="1624228" y="1657587"/>
+                </a:cubicBezTo>
+                <a:cubicBezTo>
+                  <a:pt x="1702725" y="1693158"/>
+                  <a:pt x="1784242" y="1728729"/>
+                  <a:pt x="1781223" y="1849668"/>
+                </a:cubicBezTo>
+                <a:cubicBezTo>
+                  <a:pt x="1781223" y="1881683"/>
+                  <a:pt x="1814434" y="1895910"/>
+                  <a:pt x="1838587" y="1903025"/>
+                </a:cubicBezTo>
+                <a:cubicBezTo>
+                  <a:pt x="1880854" y="1917252"/>
+                  <a:pt x="1914065" y="1938595"/>
+                  <a:pt x="1938218" y="1984836"/>
+                </a:cubicBezTo>
+                <a:cubicBezTo>
+                  <a:pt x="1938218" y="1995507"/>
+                  <a:pt x="1938218" y="2002622"/>
+                  <a:pt x="1938218" y="2013292"/>
+                </a:cubicBezTo>
+                <a:cubicBezTo>
+                  <a:pt x="1932180" y="2123562"/>
+                  <a:pt x="1871798" y="2120004"/>
+                  <a:pt x="1805376" y="2102219"/>
+                </a:cubicBezTo>
+                <a:cubicBezTo>
+                  <a:pt x="1726878" y="2080877"/>
+                  <a:pt x="1648381" y="2038192"/>
+                  <a:pt x="1563844" y="2077320"/>
+                </a:cubicBezTo>
+                <a:cubicBezTo>
+                  <a:pt x="1681592" y="2130676"/>
+                  <a:pt x="1811414" y="2134233"/>
+                  <a:pt x="1920104" y="2208931"/>
+                </a:cubicBezTo>
+                <a:cubicBezTo>
+                  <a:pt x="1515538" y="2223159"/>
+                  <a:pt x="1159280" y="1984836"/>
+                  <a:pt x="766792" y="1892353"/>
+                </a:cubicBezTo>
+                <a:cubicBezTo>
+                  <a:pt x="778869" y="1952823"/>
+                  <a:pt x="812080" y="1967051"/>
+                  <a:pt x="839252" y="1974165"/>
+                </a:cubicBezTo>
+                <a:cubicBezTo>
+                  <a:pt x="984170" y="2020407"/>
+                  <a:pt x="1110974" y="2112891"/>
+                  <a:pt x="1243816" y="2191146"/>
+                </a:cubicBezTo>
+                <a:cubicBezTo>
+                  <a:pt x="1298160" y="2223159"/>
+                  <a:pt x="1337410" y="2258731"/>
+                  <a:pt x="1358543" y="2326314"/>
+                </a:cubicBezTo>
+                <a:cubicBezTo>
+                  <a:pt x="1376658" y="2390340"/>
+                  <a:pt x="1412888" y="2418796"/>
+                  <a:pt x="1479310" y="2401012"/>
+                </a:cubicBezTo>
+                <a:cubicBezTo>
+                  <a:pt x="1533654" y="2386784"/>
+                  <a:pt x="1591018" y="2393898"/>
+                  <a:pt x="1648381" y="2401012"/>
+                </a:cubicBezTo>
+                <a:cubicBezTo>
+                  <a:pt x="1711782" y="2408126"/>
+                  <a:pt x="1784242" y="2479267"/>
+                  <a:pt x="1769146" y="2518395"/>
+                </a:cubicBezTo>
+                <a:cubicBezTo>
+                  <a:pt x="1738956" y="2582422"/>
+                  <a:pt x="1687630" y="2550408"/>
+                  <a:pt x="1645361" y="2543294"/>
+                </a:cubicBezTo>
+                <a:cubicBezTo>
+                  <a:pt x="1594036" y="2536181"/>
+                  <a:pt x="1500444" y="2518395"/>
+                  <a:pt x="1500444" y="2525509"/>
+                </a:cubicBezTo>
+                <a:cubicBezTo>
+                  <a:pt x="1467232" y="2685576"/>
+                  <a:pt x="1391754" y="2564636"/>
+                  <a:pt x="1337410" y="2564636"/>
+                </a:cubicBezTo>
+                <a:cubicBezTo>
+                  <a:pt x="1286084" y="2564636"/>
+                  <a:pt x="1234759" y="2546851"/>
+                  <a:pt x="1186452" y="2532623"/>
+                </a:cubicBezTo>
+                <a:cubicBezTo>
+                  <a:pt x="1123051" y="2514837"/>
+                  <a:pt x="1065688" y="2546851"/>
+                  <a:pt x="1005304" y="2553965"/>
+                </a:cubicBezTo>
+                <a:cubicBezTo>
+                  <a:pt x="950960" y="2561080"/>
+                  <a:pt x="981150" y="2653563"/>
+                  <a:pt x="947940" y="2692689"/>
+                </a:cubicBezTo>
+                <a:cubicBezTo>
+                  <a:pt x="941903" y="2703362"/>
+                  <a:pt x="935864" y="2703362"/>
+                  <a:pt x="929826" y="2703362"/>
+                </a:cubicBezTo>
+                <a:cubicBezTo>
+                  <a:pt x="911711" y="2980812"/>
+                  <a:pt x="594701" y="2913227"/>
+                  <a:pt x="594701" y="2923898"/>
+                </a:cubicBezTo>
+                <a:cubicBezTo>
+                  <a:pt x="567529" y="2941684"/>
+                  <a:pt x="534318" y="2899000"/>
+                  <a:pt x="501108" y="2941684"/>
+                </a:cubicBezTo>
+                <a:cubicBezTo>
+                  <a:pt x="643007" y="3137322"/>
+                  <a:pt x="860386" y="3183563"/>
+                  <a:pt x="1053610" y="3329402"/>
+                </a:cubicBezTo>
+                <a:cubicBezTo>
+                  <a:pt x="893597" y="3379202"/>
+                  <a:pt x="800002" y="3208463"/>
+                  <a:pt x="682256" y="3229805"/>
+                </a:cubicBezTo>
+                <a:cubicBezTo>
+                  <a:pt x="624893" y="3283162"/>
+                  <a:pt x="796984" y="3368530"/>
+                  <a:pt x="630932" y="3393429"/>
+                </a:cubicBezTo>
+                <a:cubicBezTo>
+                  <a:pt x="703390" y="3439672"/>
+                  <a:pt x="754716" y="3485914"/>
+                  <a:pt x="806041" y="3539269"/>
+                </a:cubicBezTo>
+                <a:cubicBezTo>
+                  <a:pt x="893597" y="3635309"/>
+                  <a:pt x="911711" y="3699337"/>
+                  <a:pt x="869444" y="3827390"/>
+                </a:cubicBezTo>
+                <a:cubicBezTo>
+                  <a:pt x="842270" y="3912759"/>
+                  <a:pt x="803022" y="3991015"/>
+                  <a:pt x="839252" y="4090612"/>
+                </a:cubicBezTo>
+                <a:cubicBezTo>
+                  <a:pt x="863405" y="4158196"/>
+                  <a:pt x="854347" y="4204438"/>
+                  <a:pt x="763774" y="4172424"/>
+                </a:cubicBezTo>
+                <a:cubicBezTo>
+                  <a:pt x="667160" y="4140411"/>
+                  <a:pt x="630932" y="4200882"/>
+                  <a:pt x="655085" y="4321821"/>
+                </a:cubicBezTo>
+                <a:cubicBezTo>
+                  <a:pt x="670179" y="4400076"/>
+                  <a:pt x="655085" y="4424975"/>
+                  <a:pt x="588662" y="4414305"/>
+                </a:cubicBezTo>
+                <a:cubicBezTo>
+                  <a:pt x="516204" y="4403633"/>
+                  <a:pt x="446764" y="4353835"/>
+                  <a:pt x="356189" y="4378734"/>
+                </a:cubicBezTo>
+                <a:cubicBezTo>
+                  <a:pt x="428648" y="4521016"/>
+                  <a:pt x="582626" y="4478331"/>
+                  <a:pt x="667160" y="4613499"/>
+                </a:cubicBezTo>
+                <a:cubicBezTo>
+                  <a:pt x="567529" y="4613499"/>
+                  <a:pt x="489031" y="4613499"/>
+                  <a:pt x="416573" y="4585042"/>
+                </a:cubicBezTo>
+                <a:cubicBezTo>
+                  <a:pt x="386381" y="4574373"/>
+                  <a:pt x="353170" y="4560144"/>
+                  <a:pt x="335056" y="4602828"/>
+                </a:cubicBezTo>
+                <a:cubicBezTo>
+                  <a:pt x="313920" y="4652628"/>
+                  <a:pt x="356189" y="4670412"/>
+                  <a:pt x="380342" y="4677526"/>
+                </a:cubicBezTo>
+                <a:cubicBezTo>
+                  <a:pt x="449784" y="4702425"/>
+                  <a:pt x="504126" y="4759339"/>
+                  <a:pt x="564510" y="4805580"/>
+                </a:cubicBezTo>
+                <a:cubicBezTo>
+                  <a:pt x="694332" y="4905177"/>
+                  <a:pt x="836233" y="4990547"/>
+                  <a:pt x="944922" y="5154171"/>
+                </a:cubicBezTo>
+                <a:cubicBezTo>
+                  <a:pt x="809060" y="5111487"/>
+                  <a:pt x="706410" y="5011889"/>
+                  <a:pt x="576586" y="4994104"/>
+                </a:cubicBezTo>
+                <a:cubicBezTo>
+                  <a:pt x="688296" y="5143500"/>
+                  <a:pt x="830194" y="5243097"/>
+                  <a:pt x="963036" y="5353367"/>
+                </a:cubicBezTo>
+                <a:cubicBezTo>
+                  <a:pt x="1002286" y="5385379"/>
+                  <a:pt x="1041534" y="5406721"/>
+                  <a:pt x="1047572" y="5474306"/>
+                </a:cubicBezTo>
+                <a:cubicBezTo>
+                  <a:pt x="1065688" y="5605917"/>
+                  <a:pt x="1113992" y="5712629"/>
+                  <a:pt x="1222682" y="5769542"/>
+                </a:cubicBezTo>
+                <a:cubicBezTo>
+                  <a:pt x="1222682" y="5769542"/>
+                  <a:pt x="1216644" y="5790884"/>
+                  <a:pt x="1213626" y="5801555"/>
+                </a:cubicBezTo>
+                <a:cubicBezTo>
+                  <a:pt x="1147203" y="5805112"/>
+                  <a:pt x="1095878" y="5726858"/>
+                  <a:pt x="1014361" y="5755314"/>
+                </a:cubicBezTo>
+                <a:cubicBezTo>
+                  <a:pt x="1095878" y="5862025"/>
+                  <a:pt x="1162298" y="5954508"/>
+                  <a:pt x="1274008" y="6004307"/>
+                </a:cubicBezTo>
+                <a:cubicBezTo>
+                  <a:pt x="1364582" y="6043434"/>
+                  <a:pt x="1476290" y="6068335"/>
+                  <a:pt x="1542711" y="6196388"/>
+                </a:cubicBezTo>
+                <a:cubicBezTo>
+                  <a:pt x="1467232" y="6221287"/>
+                  <a:pt x="1409868" y="6189274"/>
+                  <a:pt x="1352504" y="6167932"/>
+                </a:cubicBezTo>
+                <a:cubicBezTo>
+                  <a:pt x="1264950" y="6132361"/>
+                  <a:pt x="1177395" y="6093234"/>
+                  <a:pt x="1089840" y="6057663"/>
+                </a:cubicBezTo>
+                <a:cubicBezTo>
+                  <a:pt x="1056628" y="6043434"/>
+                  <a:pt x="1020400" y="6036320"/>
+                  <a:pt x="999266" y="6100347"/>
+                </a:cubicBezTo>
+                <a:cubicBezTo>
+                  <a:pt x="1110974" y="6114575"/>
+                  <a:pt x="1177395" y="6199945"/>
+                  <a:pt x="1246836" y="6281757"/>
+                </a:cubicBezTo>
+                <a:cubicBezTo>
+                  <a:pt x="1286084" y="6327999"/>
+                  <a:pt x="1319295" y="6388469"/>
+                  <a:pt x="1388735" y="6367127"/>
+                </a:cubicBezTo>
+                <a:cubicBezTo>
+                  <a:pt x="1424964" y="6356456"/>
+                  <a:pt x="1449118" y="6388469"/>
+                  <a:pt x="1446099" y="6431153"/>
+                </a:cubicBezTo>
+                <a:cubicBezTo>
+                  <a:pt x="1431002" y="6580550"/>
+                  <a:pt x="1518558" y="6630349"/>
+                  <a:pt x="1609132" y="6658805"/>
+                </a:cubicBezTo>
+                <a:cubicBezTo>
+                  <a:pt x="1741974" y="6701489"/>
+                  <a:pt x="1859720" y="6786859"/>
+                  <a:pt x="1983504" y="6858000"/>
+                </a:cubicBezTo>
+                <a:lnTo>
+                  <a:pt x="0" y="6858000"/>
+                </a:lnTo>
+                <a:close/>
+              </a:path>
+            </a:pathLst>
+          </a:custGeom>
+          <a:solidFill>
+            <a:schemeClr val="bg2">
+              <a:alpha val="50000"/>
+            </a:schemeClr>
+          </a:solidFill>
+          <a:ln w="32707" cap="flat">
+            <a:noFill/>
+            <a:prstDash val="solid"/>
+            <a:miter/>
+          </a:ln>
+        </p:spPr>
+        <p:txBody>
+          <a:bodyPr wrap="square" rtlCol="0" anchor="ctr">
+            <a:noAutofit/>
+          </a:bodyPr>
+          <a:lstStyle/>
+          <a:p>
+            <a:pPr algn="ctr"/>
+            <a:endParaRPr lang="en-US"/>
+          </a:p>
+        </p:txBody>
+      </p:sp>
+      <p:pic>
+        <p:nvPicPr>
+          <p:cNvPr id="5" name="Imagen 4" descr="Icono&#10;&#10;Descripción generada automáticamente">
+            <a:extLst>
+              <a:ext uri="{FF2B5EF4-FFF2-40B4-BE49-F238E27FC236}">
+                <a16:creationId xmlns:a16="http://schemas.microsoft.com/office/drawing/2014/main" id="{2A264B22-8984-C849-8E34-10976265E27E}"/>
+              </a:ext>
+            </a:extLst>
+          </p:cNvPr>
+          <p:cNvPicPr>
+            <a:picLocks noChangeAspect="1"/>
+          </p:cNvPicPr>
+          <p:nvPr/>
+        </p:nvPicPr>
+        <p:blipFill>
+          <a:blip r:embed="rId3"/>
+          <a:stretch>
+            <a:fillRect/>
+          </a:stretch>
+        </p:blipFill>
+        <p:spPr>
+          <a:xfrm>
+            <a:off x="136703" y="139141"/>
+            <a:ext cx="767422" cy="915839"/>
+          </a:xfrm>
+          <a:prstGeom prst="rect">
+            <a:avLst/>
+          </a:prstGeom>
+        </p:spPr>
+      </p:pic>
+    </p:spTree>
+    <p:extLst>
+      <p:ext uri="{BB962C8B-B14F-4D97-AF65-F5344CB8AC3E}">
+        <p14:creationId xmlns:p14="http://schemas.microsoft.com/office/powerpoint/2010/main" val="2144811306"/>
+      </p:ext>
+    </p:extLst>
+  </p:cSld>
+  <p:clrMapOvr>
+    <a:masterClrMapping/>
+  </p:clrMapOvr>
+</p:sld>
+</file>
+
+<file path=ppt/slides/slide7.xml><?xml version="1.0" encoding="utf-8"?>
 <p:sld xmlns:a="http://schemas.openxmlformats.org/drawingml/2006/main" xmlns:r="http://schemas.openxmlformats.org/officeDocument/2006/relationships" xmlns:p="http://schemas.openxmlformats.org/presentationml/2006/main">
   <p:cSld>
     <p:bg>
@@ -5436,7 +10440,7 @@
 </p:sld>
 </file>
 
-<file path=ppt/slides/slide5.xml><?xml version="1.0" encoding="utf-8"?>
+<file path=ppt/slides/slide8.xml><?xml version="1.0" encoding="utf-8"?>
 <p:sld xmlns:a="http://schemas.openxmlformats.org/drawingml/2006/main" xmlns:r="http://schemas.openxmlformats.org/officeDocument/2006/relationships" xmlns:p="http://schemas.openxmlformats.org/presentationml/2006/main">
   <p:cSld>
     <p:bg>
@@ -5914,7 +10918,7 @@
 </p:sld>
 </file>
 
-<file path=ppt/slides/slide6.xml><?xml version="1.0" encoding="utf-8"?>
+<file path=ppt/slides/slide9.xml><?xml version="1.0" encoding="utf-8"?>
 <p:sld xmlns:a="http://schemas.openxmlformats.org/drawingml/2006/main" xmlns:r="http://schemas.openxmlformats.org/officeDocument/2006/relationships" xmlns:p="http://schemas.openxmlformats.org/presentationml/2006/main">
   <p:cSld>
     <p:spTree>
@@ -6586,973 +11590,6 @@
   </p:cSld>
   <p:clrMapOvr>
     <a:masterClrMapping/>
-  </p:clrMapOvr>
-</p:sld>
-</file>
-
-<file path=ppt/slides/slide7.xml><?xml version="1.0" encoding="utf-8"?>
-<p:sld xmlns:a="http://schemas.openxmlformats.org/drawingml/2006/main" xmlns:r="http://schemas.openxmlformats.org/officeDocument/2006/relationships" xmlns:p="http://schemas.openxmlformats.org/presentationml/2006/main">
-  <p:cSld>
-    <p:bg>
-      <p:bgPr>
-        <a:solidFill>
-          <a:schemeClr val="bg1">
-            <a:tint val="95000"/>
-            <a:satMod val="170000"/>
-          </a:schemeClr>
-        </a:solidFill>
-        <a:effectLst/>
-      </p:bgPr>
-    </p:bg>
-    <p:spTree>
-      <p:nvGrpSpPr>
-        <p:cNvPr id="1" name=""/>
-        <p:cNvGrpSpPr/>
-        <p:nvPr/>
-      </p:nvGrpSpPr>
-      <p:grpSpPr>
-        <a:xfrm>
-          <a:off x="0" y="0"/>
-          <a:ext cx="0" cy="0"/>
-          <a:chOff x="0" y="0"/>
-          <a:chExt cx="0" cy="0"/>
-        </a:xfrm>
-      </p:grpSpPr>
-      <p:sp>
-        <p:nvSpPr>
-          <p:cNvPr id="17" name="Título 16">
-            <a:extLst>
-              <a:ext uri="{FF2B5EF4-FFF2-40B4-BE49-F238E27FC236}">
-                <a16:creationId xmlns:a16="http://schemas.microsoft.com/office/drawing/2014/main" id="{FA5AA584-4C68-C543-ACEA-B917E3D51079}"/>
-              </a:ext>
-            </a:extLst>
-          </p:cNvPr>
-          <p:cNvSpPr>
-            <a:spLocks noGrp="1"/>
-          </p:cNvSpPr>
-          <p:nvPr>
-            <p:ph type="title"/>
-          </p:nvPr>
-        </p:nvSpPr>
-        <p:spPr>
-          <a:xfrm>
-            <a:off x="6354468" y="1396289"/>
-            <a:ext cx="5277333" cy="1325563"/>
-          </a:xfrm>
-        </p:spPr>
-        <p:txBody>
-          <a:bodyPr vert="horz" lIns="91440" tIns="45720" rIns="91440" bIns="45720" rtlCol="0" anchor="ctr">
-            <a:normAutofit/>
-          </a:bodyPr>
-          <a:lstStyle/>
-          <a:p>
-            <a:r>
-              <a:rPr lang="en-US"/>
-              <a:t>¿Preguntas?</a:t>
-            </a:r>
-          </a:p>
-        </p:txBody>
-      </p:sp>
-      <p:sp>
-        <p:nvSpPr>
-          <p:cNvPr id="26" name="Freeform: Shape 25">
-            <a:extLst>
-              <a:ext uri="{FF2B5EF4-FFF2-40B4-BE49-F238E27FC236}">
-                <a16:creationId xmlns:a16="http://schemas.microsoft.com/office/drawing/2014/main" id="{432691CC-4AB8-48AF-B822-EBF7F4E9E6CD}"/>
-              </a:ext>
-              <a:ext uri="{C183D7F6-B498-43B3-948B-1728B52AA6E4}">
-                <adec:decorative xmlns:adec="http://schemas.microsoft.com/office/drawing/2017/decorative" val="1"/>
-              </a:ext>
-            </a:extLst>
-          </p:cNvPr>
-          <p:cNvSpPr>
-            <a:spLocks noGrp="1" noRot="1" noChangeAspect="1" noMove="1" noResize="1" noEditPoints="1" noAdjustHandles="1" noChangeArrowheads="1" noChangeShapeType="1" noTextEdit="1"/>
-          </p:cNvSpPr>
-          <p:nvPr>
-            <p:extLst>
-              <p:ext uri="{386F3935-93C4-4BCD-93E2-E3B085C9AB24}">
-                <p16:designElem xmlns:p16="http://schemas.microsoft.com/office/powerpoint/2015/main" val="1"/>
-              </p:ext>
-            </p:extLst>
-          </p:nvPr>
-        </p:nvSpPr>
-        <p:spPr>
-          <a:xfrm>
-            <a:off x="1129705" y="1"/>
-            <a:ext cx="4480560" cy="2513993"/>
-          </a:xfrm>
-          <a:custGeom>
-            <a:avLst/>
-            <a:gdLst>
-              <a:gd name="connsiteX0" fmla="*/ 18382 w 4480560"/>
-              <a:gd name="connsiteY0" fmla="*/ 0 h 2513993"/>
-              <a:gd name="connsiteX1" fmla="*/ 4462178 w 4480560"/>
-              <a:gd name="connsiteY1" fmla="*/ 0 h 2513993"/>
-              <a:gd name="connsiteX2" fmla="*/ 4468994 w 4480560"/>
-              <a:gd name="connsiteY2" fmla="*/ 44657 h 2513993"/>
-              <a:gd name="connsiteX3" fmla="*/ 4480560 w 4480560"/>
-              <a:gd name="connsiteY3" fmla="*/ 273713 h 2513993"/>
-              <a:gd name="connsiteX4" fmla="*/ 2240280 w 4480560"/>
-              <a:gd name="connsiteY4" fmla="*/ 2513993 h 2513993"/>
-              <a:gd name="connsiteX5" fmla="*/ 0 w 4480560"/>
-              <a:gd name="connsiteY5" fmla="*/ 273713 h 2513993"/>
-              <a:gd name="connsiteX6" fmla="*/ 11567 w 4480560"/>
-              <a:gd name="connsiteY6" fmla="*/ 44657 h 2513993"/>
-            </a:gdLst>
-            <a:ahLst/>
-            <a:cxnLst>
-              <a:cxn ang="0">
-                <a:pos x="connsiteX0" y="connsiteY0"/>
-              </a:cxn>
-              <a:cxn ang="0">
-                <a:pos x="connsiteX1" y="connsiteY1"/>
-              </a:cxn>
-              <a:cxn ang="0">
-                <a:pos x="connsiteX2" y="connsiteY2"/>
-              </a:cxn>
-              <a:cxn ang="0">
-                <a:pos x="connsiteX3" y="connsiteY3"/>
-              </a:cxn>
-              <a:cxn ang="0">
-                <a:pos x="connsiteX4" y="connsiteY4"/>
-              </a:cxn>
-              <a:cxn ang="0">
-                <a:pos x="connsiteX5" y="connsiteY5"/>
-              </a:cxn>
-              <a:cxn ang="0">
-                <a:pos x="connsiteX6" y="connsiteY6"/>
-              </a:cxn>
-            </a:cxnLst>
-            <a:rect l="l" t="t" r="r" b="b"/>
-            <a:pathLst>
-              <a:path w="4480560" h="2513993">
-                <a:moveTo>
-                  <a:pt x="18382" y="0"/>
-                </a:moveTo>
-                <a:lnTo>
-                  <a:pt x="4462178" y="0"/>
-                </a:lnTo>
-                <a:lnTo>
-                  <a:pt x="4468994" y="44657"/>
-                </a:lnTo>
-                <a:cubicBezTo>
-                  <a:pt x="4476642" y="119969"/>
-                  <a:pt x="4480560" y="196384"/>
-                  <a:pt x="4480560" y="273713"/>
-                </a:cubicBezTo>
-                <a:cubicBezTo>
-                  <a:pt x="4480560" y="1510985"/>
-                  <a:pt x="3477552" y="2513993"/>
-                  <a:pt x="2240280" y="2513993"/>
-                </a:cubicBezTo>
-                <a:cubicBezTo>
-                  <a:pt x="1003008" y="2513993"/>
-                  <a:pt x="0" y="1510985"/>
-                  <a:pt x="0" y="273713"/>
-                </a:cubicBezTo>
-                <a:cubicBezTo>
-                  <a:pt x="0" y="196384"/>
-                  <a:pt x="3918" y="119969"/>
-                  <a:pt x="11567" y="44657"/>
-                </a:cubicBezTo>
-                <a:close/>
-              </a:path>
-            </a:pathLst>
-          </a:custGeom>
-          <a:solidFill>
-            <a:srgbClr val="FFFFFF">
-              <a:alpha val="80000"/>
-            </a:srgbClr>
-          </a:solidFill>
-          <a:ln>
-            <a:noFill/>
-          </a:ln>
-        </p:spPr>
-        <p:style>
-          <a:lnRef idx="2">
-            <a:schemeClr val="accent1">
-              <a:shade val="50000"/>
-            </a:schemeClr>
-          </a:lnRef>
-          <a:fillRef idx="1">
-            <a:schemeClr val="accent1"/>
-          </a:fillRef>
-          <a:effectRef idx="0">
-            <a:schemeClr val="accent1"/>
-          </a:effectRef>
-          <a:fontRef idx="minor">
-            <a:schemeClr val="lt1"/>
-          </a:fontRef>
-        </p:style>
-        <p:txBody>
-          <a:bodyPr rtlCol="0" anchor="ctr"/>
-          <a:lstStyle/>
-          <a:p>
-            <a:pPr marL="0" marR="0" lvl="0" indent="0" algn="ctr" defTabSz="914400" rtl="0" eaLnBrk="1" fontAlgn="auto" latinLnBrk="0" hangingPunct="1">
-              <a:lnSpc>
-                <a:spcPct val="100000"/>
-              </a:lnSpc>
-              <a:spcBef>
-                <a:spcPts val="0"/>
-              </a:spcBef>
-              <a:spcAft>
-                <a:spcPts val="0"/>
-              </a:spcAft>
-              <a:buClrTx/>
-              <a:buSzTx/>
-              <a:buFontTx/>
-              <a:buNone/>
-              <a:tabLst/>
-              <a:defRPr/>
-            </a:pPr>
-            <a:endParaRPr kumimoji="0" lang="en-US" sz="1800" b="0" i="0" u="none" strike="noStrike" kern="1200" cap="none" spc="0" normalizeH="0" baseline="0" noProof="0">
-              <a:ln>
-                <a:noFill/>
-              </a:ln>
-              <a:solidFill>
-                <a:prstClr val="white"/>
-              </a:solidFill>
-              <a:effectLst/>
-              <a:uLnTx/>
-              <a:uFillTx/>
-              <a:latin typeface="Calibri" panose="020F0502020204030204"/>
-              <a:ea typeface="+mn-ea"/>
-              <a:cs typeface="+mn-cs"/>
-            </a:endParaRPr>
-          </a:p>
-        </p:txBody>
-      </p:sp>
-      <p:sp>
-        <p:nvSpPr>
-          <p:cNvPr id="28" name="Freeform: Shape 27">
-            <a:extLst>
-              <a:ext uri="{FF2B5EF4-FFF2-40B4-BE49-F238E27FC236}">
-                <a16:creationId xmlns:a16="http://schemas.microsoft.com/office/drawing/2014/main" id="{47311653-CA1C-4366-AF7B-2E9767F1871B}"/>
-              </a:ext>
-              <a:ext uri="{C183D7F6-B498-43B3-948B-1728B52AA6E4}">
-                <adec:decorative xmlns:adec="http://schemas.microsoft.com/office/drawing/2017/decorative" val="1"/>
-              </a:ext>
-            </a:extLst>
-          </p:cNvPr>
-          <p:cNvSpPr>
-            <a:spLocks noGrp="1" noRot="1" noChangeAspect="1" noMove="1" noResize="1" noEditPoints="1" noAdjustHandles="1" noChangeArrowheads="1" noChangeShapeType="1" noTextEdit="1"/>
-          </p:cNvSpPr>
-          <p:nvPr>
-            <p:extLst>
-              <p:ext uri="{386F3935-93C4-4BCD-93E2-E3B085C9AB24}">
-                <p16:designElem xmlns:p16="http://schemas.microsoft.com/office/powerpoint/2015/main" val="1"/>
-              </p:ext>
-            </p:extLst>
-          </p:nvPr>
-        </p:nvSpPr>
-        <p:spPr>
-          <a:xfrm>
-            <a:off x="1294297" y="2"/>
-            <a:ext cx="4151376" cy="2349401"/>
-          </a:xfrm>
-          <a:custGeom>
-            <a:avLst/>
-            <a:gdLst>
-              <a:gd name="connsiteX0" fmla="*/ 20101 w 4151376"/>
-              <a:gd name="connsiteY0" fmla="*/ 0 h 2349401"/>
-              <a:gd name="connsiteX1" fmla="*/ 4131276 w 4151376"/>
-              <a:gd name="connsiteY1" fmla="*/ 0 h 2349401"/>
-              <a:gd name="connsiteX2" fmla="*/ 4140659 w 4151376"/>
-              <a:gd name="connsiteY2" fmla="*/ 61486 h 2349401"/>
-              <a:gd name="connsiteX3" fmla="*/ 4151376 w 4151376"/>
-              <a:gd name="connsiteY3" fmla="*/ 273713 h 2349401"/>
-              <a:gd name="connsiteX4" fmla="*/ 2075688 w 4151376"/>
-              <a:gd name="connsiteY4" fmla="*/ 2349401 h 2349401"/>
-              <a:gd name="connsiteX5" fmla="*/ 0 w 4151376"/>
-              <a:gd name="connsiteY5" fmla="*/ 273713 h 2349401"/>
-              <a:gd name="connsiteX6" fmla="*/ 10717 w 4151376"/>
-              <a:gd name="connsiteY6" fmla="*/ 61486 h 2349401"/>
-            </a:gdLst>
-            <a:ahLst/>
-            <a:cxnLst>
-              <a:cxn ang="0">
-                <a:pos x="connsiteX0" y="connsiteY0"/>
-              </a:cxn>
-              <a:cxn ang="0">
-                <a:pos x="connsiteX1" y="connsiteY1"/>
-              </a:cxn>
-              <a:cxn ang="0">
-                <a:pos x="connsiteX2" y="connsiteY2"/>
-              </a:cxn>
-              <a:cxn ang="0">
-                <a:pos x="connsiteX3" y="connsiteY3"/>
-              </a:cxn>
-              <a:cxn ang="0">
-                <a:pos x="connsiteX4" y="connsiteY4"/>
-              </a:cxn>
-              <a:cxn ang="0">
-                <a:pos x="connsiteX5" y="connsiteY5"/>
-              </a:cxn>
-              <a:cxn ang="0">
-                <a:pos x="connsiteX6" y="connsiteY6"/>
-              </a:cxn>
-            </a:cxnLst>
-            <a:rect l="l" t="t" r="r" b="b"/>
-            <a:pathLst>
-              <a:path w="4151376" h="2349401">
-                <a:moveTo>
-                  <a:pt x="20101" y="0"/>
-                </a:moveTo>
-                <a:lnTo>
-                  <a:pt x="4131276" y="0"/>
-                </a:lnTo>
-                <a:lnTo>
-                  <a:pt x="4140659" y="61486"/>
-                </a:lnTo>
-                <a:cubicBezTo>
-                  <a:pt x="4147746" y="131265"/>
-                  <a:pt x="4151376" y="202065"/>
-                  <a:pt x="4151376" y="273713"/>
-                </a:cubicBezTo>
-                <a:cubicBezTo>
-                  <a:pt x="4151376" y="1420084"/>
-                  <a:pt x="3222059" y="2349401"/>
-                  <a:pt x="2075688" y="2349401"/>
-                </a:cubicBezTo>
-                <a:cubicBezTo>
-                  <a:pt x="929317" y="2349401"/>
-                  <a:pt x="0" y="1420084"/>
-                  <a:pt x="0" y="273713"/>
-                </a:cubicBezTo>
-                <a:cubicBezTo>
-                  <a:pt x="0" y="202065"/>
-                  <a:pt x="3630" y="131265"/>
-                  <a:pt x="10717" y="61486"/>
-                </a:cubicBezTo>
-                <a:close/>
-              </a:path>
-            </a:pathLst>
-          </a:custGeom>
-          <a:solidFill>
-            <a:schemeClr val="tx1"/>
-          </a:solidFill>
-          <a:ln>
-            <a:noFill/>
-          </a:ln>
-        </p:spPr>
-        <p:style>
-          <a:lnRef idx="2">
-            <a:schemeClr val="accent1">
-              <a:shade val="50000"/>
-            </a:schemeClr>
-          </a:lnRef>
-          <a:fillRef idx="1">
-            <a:schemeClr val="accent1"/>
-          </a:fillRef>
-          <a:effectRef idx="0">
-            <a:schemeClr val="accent1"/>
-          </a:effectRef>
-          <a:fontRef idx="minor">
-            <a:schemeClr val="lt1"/>
-          </a:fontRef>
-        </p:style>
-        <p:txBody>
-          <a:bodyPr rtlCol="0" anchor="ctr"/>
-          <a:lstStyle/>
-          <a:p>
-            <a:pPr marL="0" marR="0" lvl="0" indent="0" algn="ctr" defTabSz="914400" rtl="0" eaLnBrk="1" fontAlgn="auto" latinLnBrk="0" hangingPunct="1">
-              <a:lnSpc>
-                <a:spcPct val="100000"/>
-              </a:lnSpc>
-              <a:spcBef>
-                <a:spcPts val="0"/>
-              </a:spcBef>
-              <a:spcAft>
-                <a:spcPts val="0"/>
-              </a:spcAft>
-              <a:buClrTx/>
-              <a:buSzTx/>
-              <a:buFontTx/>
-              <a:buNone/>
-              <a:tabLst/>
-              <a:defRPr/>
-            </a:pPr>
-            <a:endParaRPr kumimoji="0" lang="en-US" sz="1800" b="0" i="0" u="none" strike="noStrike" kern="1200" cap="none" spc="0" normalizeH="0" baseline="0" noProof="0">
-              <a:ln>
-                <a:noFill/>
-              </a:ln>
-              <a:solidFill>
-                <a:prstClr val="white"/>
-              </a:solidFill>
-              <a:effectLst/>
-              <a:uLnTx/>
-              <a:uFillTx/>
-              <a:latin typeface="Calibri" panose="020F0502020204030204"/>
-              <a:ea typeface="+mn-ea"/>
-              <a:cs typeface="+mn-cs"/>
-            </a:endParaRPr>
-          </a:p>
-        </p:txBody>
-      </p:sp>
-      <p:pic>
-        <p:nvPicPr>
-          <p:cNvPr id="21" name="Imagen 20" descr="Dibujo con letras&#10;&#10;Descripción generada automáticamente con confianza media">
-            <a:extLst>
-              <a:ext uri="{FF2B5EF4-FFF2-40B4-BE49-F238E27FC236}">
-                <a16:creationId xmlns:a16="http://schemas.microsoft.com/office/drawing/2014/main" id="{2F86149E-C6F9-6E4E-8384-23CC51BA0993}"/>
-              </a:ext>
-            </a:extLst>
-          </p:cNvPr>
-          <p:cNvPicPr>
-            <a:picLocks noChangeAspect="1"/>
-          </p:cNvPicPr>
-          <p:nvPr/>
-        </p:nvPicPr>
-        <p:blipFill>
-          <a:blip r:embed="rId2"/>
-          <a:stretch>
-            <a:fillRect/>
-          </a:stretch>
-        </p:blipFill>
-        <p:spPr>
-          <a:xfrm>
-            <a:off x="2248114" y="805647"/>
-            <a:ext cx="2267712" cy="354665"/>
-          </a:xfrm>
-          <a:prstGeom prst="rect">
-            <a:avLst/>
-          </a:prstGeom>
-        </p:spPr>
-      </p:pic>
-      <p:sp>
-        <p:nvSpPr>
-          <p:cNvPr id="30" name="Freeform: Shape 29">
-            <a:extLst>
-              <a:ext uri="{FF2B5EF4-FFF2-40B4-BE49-F238E27FC236}">
-                <a16:creationId xmlns:a16="http://schemas.microsoft.com/office/drawing/2014/main" id="{D6A8E1B4-B839-4C58-B08A-F0B09458080B}"/>
-              </a:ext>
-              <a:ext uri="{C183D7F6-B498-43B3-948B-1728B52AA6E4}">
-                <adec:decorative xmlns:adec="http://schemas.microsoft.com/office/drawing/2017/decorative" val="1"/>
-              </a:ext>
-            </a:extLst>
-          </p:cNvPr>
-          <p:cNvSpPr>
-            <a:spLocks noGrp="1" noRot="1" noChangeAspect="1" noMove="1" noResize="1" noEditPoints="1" noAdjustHandles="1" noChangeArrowheads="1" noChangeShapeType="1" noTextEdit="1"/>
-          </p:cNvSpPr>
-          <p:nvPr>
-            <p:extLst>
-              <p:ext uri="{386F3935-93C4-4BCD-93E2-E3B085C9AB24}">
-                <p16:designElem xmlns:p16="http://schemas.microsoft.com/office/powerpoint/2015/main" val="1"/>
-              </p:ext>
-            </p:extLst>
-          </p:nvPr>
-        </p:nvSpPr>
-        <p:spPr>
-          <a:xfrm flipH="1">
-            <a:off x="0" y="2909477"/>
-            <a:ext cx="4966870" cy="3948522"/>
-          </a:xfrm>
-          <a:custGeom>
-            <a:avLst/>
-            <a:gdLst>
-              <a:gd name="connsiteX0" fmla="*/ 2748962 w 4966870"/>
-              <a:gd name="connsiteY0" fmla="*/ 0 h 3948522"/>
-              <a:gd name="connsiteX1" fmla="*/ 4870195 w 4966870"/>
-              <a:gd name="connsiteY1" fmla="*/ 1000367 h 3948522"/>
-              <a:gd name="connsiteX2" fmla="*/ 4966870 w 4966870"/>
-              <a:gd name="connsiteY2" fmla="*/ 1129649 h 3948522"/>
-              <a:gd name="connsiteX3" fmla="*/ 4966870 w 4966870"/>
-              <a:gd name="connsiteY3" fmla="*/ 3948522 h 3948522"/>
-              <a:gd name="connsiteX4" fmla="*/ 278430 w 4966870"/>
-              <a:gd name="connsiteY4" fmla="*/ 3948522 h 3948522"/>
-              <a:gd name="connsiteX5" fmla="*/ 216027 w 4966870"/>
-              <a:gd name="connsiteY5" fmla="*/ 3818982 h 3948522"/>
-              <a:gd name="connsiteX6" fmla="*/ 0 w 4966870"/>
-              <a:gd name="connsiteY6" fmla="*/ 2748962 h 3948522"/>
-              <a:gd name="connsiteX7" fmla="*/ 2748962 w 4966870"/>
-              <a:gd name="connsiteY7" fmla="*/ 0 h 3948522"/>
-            </a:gdLst>
-            <a:ahLst/>
-            <a:cxnLst>
-              <a:cxn ang="0">
-                <a:pos x="connsiteX0" y="connsiteY0"/>
-              </a:cxn>
-              <a:cxn ang="0">
-                <a:pos x="connsiteX1" y="connsiteY1"/>
-              </a:cxn>
-              <a:cxn ang="0">
-                <a:pos x="connsiteX2" y="connsiteY2"/>
-              </a:cxn>
-              <a:cxn ang="0">
-                <a:pos x="connsiteX3" y="connsiteY3"/>
-              </a:cxn>
-              <a:cxn ang="0">
-                <a:pos x="connsiteX4" y="connsiteY4"/>
-              </a:cxn>
-              <a:cxn ang="0">
-                <a:pos x="connsiteX5" y="connsiteY5"/>
-              </a:cxn>
-              <a:cxn ang="0">
-                <a:pos x="connsiteX6" y="connsiteY6"/>
-              </a:cxn>
-              <a:cxn ang="0">
-                <a:pos x="connsiteX7" y="connsiteY7"/>
-              </a:cxn>
-            </a:cxnLst>
-            <a:rect l="l" t="t" r="r" b="b"/>
-            <a:pathLst>
-              <a:path w="4966870" h="3948522">
-                <a:moveTo>
-                  <a:pt x="2748962" y="0"/>
-                </a:moveTo>
-                <a:cubicBezTo>
-                  <a:pt x="3602955" y="0"/>
-                  <a:pt x="4365995" y="389418"/>
-                  <a:pt x="4870195" y="1000367"/>
-                </a:cubicBezTo>
-                <a:lnTo>
-                  <a:pt x="4966870" y="1129649"/>
-                </a:lnTo>
-                <a:lnTo>
-                  <a:pt x="4966870" y="3948522"/>
-                </a:lnTo>
-                <a:lnTo>
-                  <a:pt x="278430" y="3948522"/>
-                </a:lnTo>
-                <a:lnTo>
-                  <a:pt x="216027" y="3818982"/>
-                </a:lnTo>
-                <a:cubicBezTo>
-                  <a:pt x="76922" y="3490101"/>
-                  <a:pt x="0" y="3128515"/>
-                  <a:pt x="0" y="2748962"/>
-                </a:cubicBezTo>
-                <a:cubicBezTo>
-                  <a:pt x="0" y="1230752"/>
-                  <a:pt x="1230752" y="0"/>
-                  <a:pt x="2748962" y="0"/>
-                </a:cubicBezTo>
-                <a:close/>
-              </a:path>
-            </a:pathLst>
-          </a:custGeom>
-          <a:solidFill>
-            <a:srgbClr val="FFFFFF">
-              <a:alpha val="80000"/>
-            </a:srgbClr>
-          </a:solidFill>
-          <a:ln>
-            <a:noFill/>
-          </a:ln>
-        </p:spPr>
-        <p:style>
-          <a:lnRef idx="2">
-            <a:schemeClr val="accent1">
-              <a:shade val="50000"/>
-            </a:schemeClr>
-          </a:lnRef>
-          <a:fillRef idx="1">
-            <a:schemeClr val="accent1"/>
-          </a:fillRef>
-          <a:effectRef idx="0">
-            <a:schemeClr val="accent1"/>
-          </a:effectRef>
-          <a:fontRef idx="minor">
-            <a:schemeClr val="lt1"/>
-          </a:fontRef>
-        </p:style>
-        <p:txBody>
-          <a:bodyPr rtlCol="0" anchor="ctr"/>
-          <a:lstStyle/>
-          <a:p>
-            <a:pPr marL="0" marR="0" lvl="0" indent="0" algn="ctr" defTabSz="914400" rtl="0" eaLnBrk="1" fontAlgn="auto" latinLnBrk="0" hangingPunct="1">
-              <a:lnSpc>
-                <a:spcPct val="100000"/>
-              </a:lnSpc>
-              <a:spcBef>
-                <a:spcPts val="0"/>
-              </a:spcBef>
-              <a:spcAft>
-                <a:spcPts val="0"/>
-              </a:spcAft>
-              <a:buClrTx/>
-              <a:buSzTx/>
-              <a:buFontTx/>
-              <a:buNone/>
-              <a:tabLst/>
-              <a:defRPr/>
-            </a:pPr>
-            <a:endParaRPr kumimoji="0" lang="en-US" sz="1800" b="0" i="0" u="none" strike="noStrike" kern="1200" cap="none" spc="0" normalizeH="0" baseline="0" noProof="0">
-              <a:ln>
-                <a:noFill/>
-              </a:ln>
-              <a:solidFill>
-                <a:prstClr val="white"/>
-              </a:solidFill>
-              <a:effectLst/>
-              <a:uLnTx/>
-              <a:uFillTx/>
-              <a:latin typeface="Calibri" panose="020F0502020204030204"/>
-              <a:ea typeface="+mn-ea"/>
-              <a:cs typeface="+mn-cs"/>
-            </a:endParaRPr>
-          </a:p>
-        </p:txBody>
-      </p:sp>
-      <p:sp>
-        <p:nvSpPr>
-          <p:cNvPr id="32" name="Freeform: Shape 31">
-            <a:extLst>
-              <a:ext uri="{FF2B5EF4-FFF2-40B4-BE49-F238E27FC236}">
-                <a16:creationId xmlns:a16="http://schemas.microsoft.com/office/drawing/2014/main" id="{2CABF795-F18F-494E-BBDE-C1415B786531}"/>
-              </a:ext>
-              <a:ext uri="{C183D7F6-B498-43B3-948B-1728B52AA6E4}">
-                <adec:decorative xmlns:adec="http://schemas.microsoft.com/office/drawing/2017/decorative" val="1"/>
-              </a:ext>
-            </a:extLst>
-          </p:cNvPr>
-          <p:cNvSpPr>
-            <a:spLocks noGrp="1" noRot="1" noChangeAspect="1" noMove="1" noResize="1" noEditPoints="1" noAdjustHandles="1" noChangeArrowheads="1" noChangeShapeType="1" noTextEdit="1"/>
-          </p:cNvSpPr>
-          <p:nvPr>
-            <p:extLst>
-              <p:ext uri="{386F3935-93C4-4BCD-93E2-E3B085C9AB24}">
-                <p16:designElem xmlns:p16="http://schemas.microsoft.com/office/powerpoint/2015/main" val="1"/>
-              </p:ext>
-            </p:extLst>
-          </p:nvPr>
-        </p:nvSpPr>
-        <p:spPr>
-          <a:xfrm flipH="1">
-            <a:off x="0" y="3075259"/>
-            <a:ext cx="4801088" cy="3782741"/>
-          </a:xfrm>
-          <a:custGeom>
-            <a:avLst/>
-            <a:gdLst>
-              <a:gd name="connsiteX0" fmla="*/ 2583180 w 4801088"/>
-              <a:gd name="connsiteY0" fmla="*/ 0 h 3782741"/>
-              <a:gd name="connsiteX1" fmla="*/ 4725194 w 4801088"/>
-              <a:gd name="connsiteY1" fmla="*/ 1138900 h 3782741"/>
-              <a:gd name="connsiteX2" fmla="*/ 4801088 w 4801088"/>
-              <a:gd name="connsiteY2" fmla="*/ 1263826 h 3782741"/>
-              <a:gd name="connsiteX3" fmla="*/ 4801088 w 4801088"/>
-              <a:gd name="connsiteY3" fmla="*/ 3782741 h 3782741"/>
-              <a:gd name="connsiteX4" fmla="*/ 296488 w 4801088"/>
-              <a:gd name="connsiteY4" fmla="*/ 3782741 h 3782741"/>
-              <a:gd name="connsiteX5" fmla="*/ 202999 w 4801088"/>
-              <a:gd name="connsiteY5" fmla="*/ 3588671 h 3782741"/>
-              <a:gd name="connsiteX6" fmla="*/ 0 w 4801088"/>
-              <a:gd name="connsiteY6" fmla="*/ 2583180 h 3782741"/>
-              <a:gd name="connsiteX7" fmla="*/ 2583180 w 4801088"/>
-              <a:gd name="connsiteY7" fmla="*/ 0 h 3782741"/>
-            </a:gdLst>
-            <a:ahLst/>
-            <a:cxnLst>
-              <a:cxn ang="0">
-                <a:pos x="connsiteX0" y="connsiteY0"/>
-              </a:cxn>
-              <a:cxn ang="0">
-                <a:pos x="connsiteX1" y="connsiteY1"/>
-              </a:cxn>
-              <a:cxn ang="0">
-                <a:pos x="connsiteX2" y="connsiteY2"/>
-              </a:cxn>
-              <a:cxn ang="0">
-                <a:pos x="connsiteX3" y="connsiteY3"/>
-              </a:cxn>
-              <a:cxn ang="0">
-                <a:pos x="connsiteX4" y="connsiteY4"/>
-              </a:cxn>
-              <a:cxn ang="0">
-                <a:pos x="connsiteX5" y="connsiteY5"/>
-              </a:cxn>
-              <a:cxn ang="0">
-                <a:pos x="connsiteX6" y="connsiteY6"/>
-              </a:cxn>
-              <a:cxn ang="0">
-                <a:pos x="connsiteX7" y="connsiteY7"/>
-              </a:cxn>
-            </a:cxnLst>
-            <a:rect l="l" t="t" r="r" b="b"/>
-            <a:pathLst>
-              <a:path w="4801088" h="3782741">
-                <a:moveTo>
-                  <a:pt x="2583180" y="0"/>
-                </a:moveTo>
-                <a:cubicBezTo>
-                  <a:pt x="3474837" y="0"/>
-                  <a:pt x="4260977" y="451769"/>
-                  <a:pt x="4725194" y="1138900"/>
-                </a:cubicBezTo>
-                <a:lnTo>
-                  <a:pt x="4801088" y="1263826"/>
-                </a:lnTo>
-                <a:lnTo>
-                  <a:pt x="4801088" y="3782741"/>
-                </a:lnTo>
-                <a:lnTo>
-                  <a:pt x="296488" y="3782741"/>
-                </a:lnTo>
-                <a:lnTo>
-                  <a:pt x="202999" y="3588671"/>
-                </a:lnTo>
-                <a:cubicBezTo>
-                  <a:pt x="72283" y="3279623"/>
-                  <a:pt x="0" y="2939843"/>
-                  <a:pt x="0" y="2583180"/>
-                </a:cubicBezTo>
-                <a:cubicBezTo>
-                  <a:pt x="0" y="1156529"/>
-                  <a:pt x="1156529" y="0"/>
-                  <a:pt x="2583180" y="0"/>
-                </a:cubicBezTo>
-                <a:close/>
-              </a:path>
-            </a:pathLst>
-          </a:custGeom>
-          <a:solidFill>
-            <a:schemeClr val="tx1"/>
-          </a:solidFill>
-          <a:ln>
-            <a:noFill/>
-          </a:ln>
-        </p:spPr>
-        <p:style>
-          <a:lnRef idx="2">
-            <a:schemeClr val="accent1">
-              <a:shade val="50000"/>
-            </a:schemeClr>
-          </a:lnRef>
-          <a:fillRef idx="1">
-            <a:schemeClr val="accent1"/>
-          </a:fillRef>
-          <a:effectRef idx="0">
-            <a:schemeClr val="accent1"/>
-          </a:effectRef>
-          <a:fontRef idx="minor">
-            <a:schemeClr val="lt1"/>
-          </a:fontRef>
-        </p:style>
-        <p:txBody>
-          <a:bodyPr rtlCol="0" anchor="ctr"/>
-          <a:lstStyle/>
-          <a:p>
-            <a:pPr marL="0" marR="0" lvl="0" indent="0" algn="ctr" defTabSz="914400" rtl="0" eaLnBrk="1" fontAlgn="auto" latinLnBrk="0" hangingPunct="1">
-              <a:lnSpc>
-                <a:spcPct val="100000"/>
-              </a:lnSpc>
-              <a:spcBef>
-                <a:spcPts val="0"/>
-              </a:spcBef>
-              <a:spcAft>
-                <a:spcPts val="0"/>
-              </a:spcAft>
-              <a:buClrTx/>
-              <a:buSzTx/>
-              <a:buFontTx/>
-              <a:buNone/>
-              <a:tabLst/>
-              <a:defRPr/>
-            </a:pPr>
-            <a:endParaRPr kumimoji="0" lang="en-US" sz="1800" b="0" i="0" u="none" strike="noStrike" kern="1200" cap="none" spc="0" normalizeH="0" baseline="0" noProof="0">
-              <a:ln>
-                <a:noFill/>
-              </a:ln>
-              <a:solidFill>
-                <a:prstClr val="white"/>
-              </a:solidFill>
-              <a:effectLst/>
-              <a:uLnTx/>
-              <a:uFillTx/>
-              <a:latin typeface="Calibri" panose="020F0502020204030204"/>
-              <a:ea typeface="+mn-ea"/>
-              <a:cs typeface="+mn-cs"/>
-            </a:endParaRPr>
-          </a:p>
-        </p:txBody>
-      </p:sp>
-      <p:pic>
-        <p:nvPicPr>
-          <p:cNvPr id="15" name="Imagen 14" descr="Logotipo&#10;&#10;Descripción generada automáticamente">
-            <a:extLst>
-              <a:ext uri="{FF2B5EF4-FFF2-40B4-BE49-F238E27FC236}">
-                <a16:creationId xmlns:a16="http://schemas.microsoft.com/office/drawing/2014/main" id="{0ED32C8B-7E47-8D48-B053-3C1EC3250ED5}"/>
-              </a:ext>
-            </a:extLst>
-          </p:cNvPr>
-          <p:cNvPicPr>
-            <a:picLocks noChangeAspect="1"/>
-          </p:cNvPicPr>
-          <p:nvPr/>
-        </p:nvPicPr>
-        <p:blipFill>
-          <a:blip r:embed="rId3"/>
-          <a:stretch>
-            <a:fillRect/>
-          </a:stretch>
-        </p:blipFill>
-        <p:spPr>
-          <a:xfrm>
-            <a:off x="489490" y="4890774"/>
-            <a:ext cx="3474720" cy="816560"/>
-          </a:xfrm>
-          <a:prstGeom prst="rect">
-            <a:avLst/>
-          </a:prstGeom>
-        </p:spPr>
-      </p:pic>
-      <p:sp>
-        <p:nvSpPr>
-          <p:cNvPr id="3" name="Rectángulo 2">
-            <a:extLst>
-              <a:ext uri="{FF2B5EF4-FFF2-40B4-BE49-F238E27FC236}">
-                <a16:creationId xmlns:a16="http://schemas.microsoft.com/office/drawing/2014/main" id="{A2770C0F-B011-5440-9D06-BE5B26D8E5AE}"/>
-              </a:ext>
-            </a:extLst>
-          </p:cNvPr>
-          <p:cNvSpPr/>
-          <p:nvPr/>
-        </p:nvSpPr>
-        <p:spPr>
-          <a:xfrm>
-            <a:off x="4966870" y="5299054"/>
-            <a:ext cx="7266982" cy="1579438"/>
-          </a:xfrm>
-          <a:prstGeom prst="rect">
-            <a:avLst/>
-          </a:prstGeom>
-        </p:spPr>
-        <p:txBody>
-          <a:bodyPr vert="horz" lIns="91440" tIns="45720" rIns="91440" bIns="45720" rtlCol="0" anchor="t">
-            <a:normAutofit/>
-          </a:bodyPr>
-          <a:lstStyle/>
-          <a:p>
-            <a:pPr marL="285750" indent="-228600">
-              <a:lnSpc>
-                <a:spcPct val="90000"/>
-              </a:lnSpc>
-              <a:spcAft>
-                <a:spcPts val="600"/>
-              </a:spcAft>
-              <a:buFont typeface="Arial" panose="020B0604020202020204" pitchFamily="34" charset="0"/>
-              <a:buChar char="•"/>
-            </a:pPr>
-            <a:r>
-              <a:rPr lang="en-US" sz="2000" dirty="0">
-                <a:hlinkClick r:id="rId4">
-                  <a:extLst>
-                    <a:ext uri="{A12FA001-AC4F-418D-AE19-62706E023703}">
-                      <ahyp:hlinkClr xmlns:ahyp="http://schemas.microsoft.com/office/drawing/2018/hyperlinkcolor" val="tx"/>
-                    </a:ext>
-                  </a:extLst>
-                </a:hlinkClick>
-              </a:rPr>
-              <a:t>https://docs.temporal.io</a:t>
-            </a:r>
-            <a:endParaRPr lang="en-US" sz="2000" dirty="0"/>
-          </a:p>
-          <a:p>
-            <a:pPr marL="285750" indent="-228600">
-              <a:lnSpc>
-                <a:spcPct val="90000"/>
-              </a:lnSpc>
-              <a:spcAft>
-                <a:spcPts val="600"/>
-              </a:spcAft>
-              <a:buFont typeface="Arial" panose="020B0604020202020204" pitchFamily="34" charset="0"/>
-              <a:buChar char="•"/>
-            </a:pPr>
-            <a:endParaRPr lang="en-US" sz="2000" dirty="0"/>
-          </a:p>
-          <a:p>
-            <a:pPr marL="285750" indent="-228600">
-              <a:lnSpc>
-                <a:spcPct val="90000"/>
-              </a:lnSpc>
-              <a:spcAft>
-                <a:spcPts val="600"/>
-              </a:spcAft>
-              <a:buFont typeface="Arial" panose="020B0604020202020204" pitchFamily="34" charset="0"/>
-              <a:buChar char="•"/>
-            </a:pPr>
-            <a:r>
-              <a:rPr lang="en-US" sz="2000" dirty="0">
-                <a:hlinkClick r:id="rId5">
-                  <a:extLst>
-                    <a:ext uri="{A12FA001-AC4F-418D-AE19-62706E023703}">
-                      <ahyp:hlinkClr xmlns:ahyp="http://schemas.microsoft.com/office/drawing/2018/hyperlinkcolor" val="tx"/>
-                    </a:ext>
-                  </a:extLst>
-                </a:hlinkClick>
-              </a:rPr>
-              <a:t>https://github.com/jclanas2019/temporal-io-workshop-2021</a:t>
-            </a:r>
-            <a:endParaRPr lang="en-US" sz="2000" dirty="0"/>
-          </a:p>
-          <a:p>
-            <a:pPr marL="285750" indent="-228600">
-              <a:lnSpc>
-                <a:spcPct val="90000"/>
-              </a:lnSpc>
-              <a:spcAft>
-                <a:spcPts val="600"/>
-              </a:spcAft>
-              <a:buFont typeface="Arial" panose="020B0604020202020204" pitchFamily="34" charset="0"/>
-              <a:buChar char="•"/>
-            </a:pPr>
-            <a:endParaRPr lang="en-US" sz="2000" dirty="0"/>
-          </a:p>
-          <a:p>
-            <a:pPr marL="285750" indent="-228600">
-              <a:lnSpc>
-                <a:spcPct val="90000"/>
-              </a:lnSpc>
-              <a:spcAft>
-                <a:spcPts val="600"/>
-              </a:spcAft>
-              <a:buFont typeface="Arial" panose="020B0604020202020204" pitchFamily="34" charset="0"/>
-              <a:buChar char="•"/>
-            </a:pPr>
-            <a:endParaRPr lang="en-US" sz="2000" dirty="0"/>
-          </a:p>
-        </p:txBody>
-      </p:sp>
-      <p:pic>
-        <p:nvPicPr>
-          <p:cNvPr id="6" name="Imagen 5" descr="Icono&#10;&#10;Descripción generada automáticamente">
-            <a:extLst>
-              <a:ext uri="{FF2B5EF4-FFF2-40B4-BE49-F238E27FC236}">
-                <a16:creationId xmlns:a16="http://schemas.microsoft.com/office/drawing/2014/main" id="{25C722AC-50AF-0C41-90A9-7436A77CDFC0}"/>
-              </a:ext>
-            </a:extLst>
-          </p:cNvPr>
-          <p:cNvPicPr>
-            <a:picLocks noChangeAspect="1"/>
-          </p:cNvPicPr>
-          <p:nvPr/>
-        </p:nvPicPr>
-        <p:blipFill>
-          <a:blip r:embed="rId6"/>
-          <a:stretch>
-            <a:fillRect/>
-          </a:stretch>
-        </p:blipFill>
-        <p:spPr>
-          <a:xfrm>
-            <a:off x="136703" y="139141"/>
-            <a:ext cx="767422" cy="915839"/>
-          </a:xfrm>
-          <a:prstGeom prst="rect">
-            <a:avLst/>
-          </a:prstGeom>
-        </p:spPr>
-      </p:pic>
-    </p:spTree>
-    <p:extLst>
-      <p:ext uri="{BB962C8B-B14F-4D97-AF65-F5344CB8AC3E}">
-        <p14:creationId xmlns:p14="http://schemas.microsoft.com/office/powerpoint/2010/main" val="3477478790"/>
-      </p:ext>
-    </p:extLst>
-  </p:cSld>
-  <p:clrMapOvr>
-    <a:overrideClrMapping bg1="dk1" tx1="lt1" bg2="dk2" tx2="lt2" accent1="accent1" accent2="accent2" accent3="accent3" accent4="accent4" accent5="accent5" accent6="accent6" hlink="hlink" folHlink="folHlink"/>
   </p:clrMapOvr>
 </p:sld>
 </file>
@@ -7850,4 +11887,299 @@
     </a:ext>
   </a:extLst>
 </a:theme>
+</file>
+
+<file path=ppt/theme/theme2.xml><?xml version="1.0" encoding="utf-8"?>
+<a:theme xmlns:a="http://schemas.openxmlformats.org/drawingml/2006/main" name="Tema de Office">
+  <a:themeElements>
+    <a:clrScheme name="Office">
+      <a:dk1>
+        <a:sysClr val="windowText" lastClr="000000"/>
+      </a:dk1>
+      <a:lt1>
+        <a:sysClr val="window" lastClr="FFFFFF"/>
+      </a:lt1>
+      <a:dk2>
+        <a:srgbClr val="44546A"/>
+      </a:dk2>
+      <a:lt2>
+        <a:srgbClr val="E7E6E6"/>
+      </a:lt2>
+      <a:accent1>
+        <a:srgbClr val="4472C4"/>
+      </a:accent1>
+      <a:accent2>
+        <a:srgbClr val="ED7D31"/>
+      </a:accent2>
+      <a:accent3>
+        <a:srgbClr val="A5A5A5"/>
+      </a:accent3>
+      <a:accent4>
+        <a:srgbClr val="FFC000"/>
+      </a:accent4>
+      <a:accent5>
+        <a:srgbClr val="5B9BD5"/>
+      </a:accent5>
+      <a:accent6>
+        <a:srgbClr val="70AD47"/>
+      </a:accent6>
+      <a:hlink>
+        <a:srgbClr val="0563C1"/>
+      </a:hlink>
+      <a:folHlink>
+        <a:srgbClr val="954F72"/>
+      </a:folHlink>
+    </a:clrScheme>
+    <a:fontScheme name="Office">
+      <a:majorFont>
+        <a:latin typeface="Calibri Light" panose="020F0302020204030204"/>
+        <a:ea typeface=""/>
+        <a:cs typeface=""/>
+        <a:font script="Jpan" typeface="游ゴシック Light"/>
+        <a:font script="Hang" typeface="맑은 고딕"/>
+        <a:font script="Hans" typeface="等线 Light"/>
+        <a:font script="Hant" typeface="新細明體"/>
+        <a:font script="Arab" typeface="Times New Roman"/>
+        <a:font script="Hebr" typeface="Times New Roman"/>
+        <a:font script="Thai" typeface="Angsana New"/>
+        <a:font script="Ethi" typeface="Nyala"/>
+        <a:font script="Beng" typeface="Vrinda"/>
+        <a:font script="Gujr" typeface="Shruti"/>
+        <a:font script="Khmr" typeface="MoolBoran"/>
+        <a:font script="Knda" typeface="Tunga"/>
+        <a:font script="Guru" typeface="Raavi"/>
+        <a:font script="Cans" typeface="Euphemia"/>
+        <a:font script="Cher" typeface="Plantagenet Cherokee"/>
+        <a:font script="Yiii" typeface="Microsoft Yi Baiti"/>
+        <a:font script="Tibt" typeface="Microsoft Himalaya"/>
+        <a:font script="Thaa" typeface="MV Boli"/>
+        <a:font script="Deva" typeface="Mangal"/>
+        <a:font script="Telu" typeface="Gautami"/>
+        <a:font script="Taml" typeface="Latha"/>
+        <a:font script="Syrc" typeface="Estrangelo Edessa"/>
+        <a:font script="Orya" typeface="Kalinga"/>
+        <a:font script="Mlym" typeface="Kartika"/>
+        <a:font script="Laoo" typeface="DokChampa"/>
+        <a:font script="Sinh" typeface="Iskoola Pota"/>
+        <a:font script="Mong" typeface="Mongolian Baiti"/>
+        <a:font script="Viet" typeface="Times New Roman"/>
+        <a:font script="Uigh" typeface="Microsoft Uighur"/>
+        <a:font script="Geor" typeface="Sylfaen"/>
+        <a:font script="Armn" typeface="Arial"/>
+        <a:font script="Bugi" typeface="Leelawadee UI"/>
+        <a:font script="Bopo" typeface="Microsoft JhengHei"/>
+        <a:font script="Java" typeface="Javanese Text"/>
+        <a:font script="Lisu" typeface="Segoe UI"/>
+        <a:font script="Mymr" typeface="Myanmar Text"/>
+        <a:font script="Nkoo" typeface="Ebrima"/>
+        <a:font script="Olck" typeface="Nirmala UI"/>
+        <a:font script="Osma" typeface="Ebrima"/>
+        <a:font script="Phag" typeface="Phagspa"/>
+        <a:font script="Syrn" typeface="Estrangelo Edessa"/>
+        <a:font script="Syrj" typeface="Estrangelo Edessa"/>
+        <a:font script="Syre" typeface="Estrangelo Edessa"/>
+        <a:font script="Sora" typeface="Nirmala UI"/>
+        <a:font script="Tale" typeface="Microsoft Tai Le"/>
+        <a:font script="Talu" typeface="Microsoft New Tai Lue"/>
+        <a:font script="Tfng" typeface="Ebrima"/>
+      </a:majorFont>
+      <a:minorFont>
+        <a:latin typeface="Calibri" panose="020F0502020204030204"/>
+        <a:ea typeface=""/>
+        <a:cs typeface=""/>
+        <a:font script="Jpan" typeface="游ゴシック"/>
+        <a:font script="Hang" typeface="맑은 고딕"/>
+        <a:font script="Hans" typeface="等线"/>
+        <a:font script="Hant" typeface="新細明體"/>
+        <a:font script="Arab" typeface="Arial"/>
+        <a:font script="Hebr" typeface="Arial"/>
+        <a:font script="Thai" typeface="Cordia New"/>
+        <a:font script="Ethi" typeface="Nyala"/>
+        <a:font script="Beng" typeface="Vrinda"/>
+        <a:font script="Gujr" typeface="Shruti"/>
+        <a:font script="Khmr" typeface="DaunPenh"/>
+        <a:font script="Knda" typeface="Tunga"/>
+        <a:font script="Guru" typeface="Raavi"/>
+        <a:font script="Cans" typeface="Euphemia"/>
+        <a:font script="Cher" typeface="Plantagenet Cherokee"/>
+        <a:font script="Yiii" typeface="Microsoft Yi Baiti"/>
+        <a:font script="Tibt" typeface="Microsoft Himalaya"/>
+        <a:font script="Thaa" typeface="MV Boli"/>
+        <a:font script="Deva" typeface="Mangal"/>
+        <a:font script="Telu" typeface="Gautami"/>
+        <a:font script="Taml" typeface="Latha"/>
+        <a:font script="Syrc" typeface="Estrangelo Edessa"/>
+        <a:font script="Orya" typeface="Kalinga"/>
+        <a:font script="Mlym" typeface="Kartika"/>
+        <a:font script="Laoo" typeface="DokChampa"/>
+        <a:font script="Sinh" typeface="Iskoola Pota"/>
+        <a:font script="Mong" typeface="Mongolian Baiti"/>
+        <a:font script="Viet" typeface="Arial"/>
+        <a:font script="Uigh" typeface="Microsoft Uighur"/>
+        <a:font script="Geor" typeface="Sylfaen"/>
+        <a:font script="Armn" typeface="Arial"/>
+        <a:font script="Bugi" typeface="Leelawadee UI"/>
+        <a:font script="Bopo" typeface="Microsoft JhengHei"/>
+        <a:font script="Java" typeface="Javanese Text"/>
+        <a:font script="Lisu" typeface="Segoe UI"/>
+        <a:font script="Mymr" typeface="Myanmar Text"/>
+        <a:font script="Nkoo" typeface="Ebrima"/>
+        <a:font script="Olck" typeface="Nirmala UI"/>
+        <a:font script="Osma" typeface="Ebrima"/>
+        <a:font script="Phag" typeface="Phagspa"/>
+        <a:font script="Syrn" typeface="Estrangelo Edessa"/>
+        <a:font script="Syrj" typeface="Estrangelo Edessa"/>
+        <a:font script="Syre" typeface="Estrangelo Edessa"/>
+        <a:font script="Sora" typeface="Nirmala UI"/>
+        <a:font script="Tale" typeface="Microsoft Tai Le"/>
+        <a:font script="Talu" typeface="Microsoft New Tai Lue"/>
+        <a:font script="Tfng" typeface="Ebrima"/>
+      </a:minorFont>
+    </a:fontScheme>
+    <a:fmtScheme name="Office">
+      <a:fillStyleLst>
+        <a:solidFill>
+          <a:schemeClr val="phClr"/>
+        </a:solidFill>
+        <a:gradFill rotWithShape="1">
+          <a:gsLst>
+            <a:gs pos="0">
+              <a:schemeClr val="phClr">
+                <a:lumMod val="110000"/>
+                <a:satMod val="105000"/>
+                <a:tint val="67000"/>
+              </a:schemeClr>
+            </a:gs>
+            <a:gs pos="50000">
+              <a:schemeClr val="phClr">
+                <a:lumMod val="105000"/>
+                <a:satMod val="103000"/>
+                <a:tint val="73000"/>
+              </a:schemeClr>
+            </a:gs>
+            <a:gs pos="100000">
+              <a:schemeClr val="phClr">
+                <a:lumMod val="105000"/>
+                <a:satMod val="109000"/>
+                <a:tint val="81000"/>
+              </a:schemeClr>
+            </a:gs>
+          </a:gsLst>
+          <a:lin ang="5400000" scaled="0"/>
+        </a:gradFill>
+        <a:gradFill rotWithShape="1">
+          <a:gsLst>
+            <a:gs pos="0">
+              <a:schemeClr val="phClr">
+                <a:satMod val="103000"/>
+                <a:lumMod val="102000"/>
+                <a:tint val="94000"/>
+              </a:schemeClr>
+            </a:gs>
+            <a:gs pos="50000">
+              <a:schemeClr val="phClr">
+                <a:satMod val="110000"/>
+                <a:lumMod val="100000"/>
+                <a:shade val="100000"/>
+              </a:schemeClr>
+            </a:gs>
+            <a:gs pos="100000">
+              <a:schemeClr val="phClr">
+                <a:lumMod val="99000"/>
+                <a:satMod val="120000"/>
+                <a:shade val="78000"/>
+              </a:schemeClr>
+            </a:gs>
+          </a:gsLst>
+          <a:lin ang="5400000" scaled="0"/>
+        </a:gradFill>
+      </a:fillStyleLst>
+      <a:lnStyleLst>
+        <a:ln w="6350" cap="flat" cmpd="sng" algn="ctr">
+          <a:solidFill>
+            <a:schemeClr val="phClr"/>
+          </a:solidFill>
+          <a:prstDash val="solid"/>
+          <a:miter lim="800000"/>
+        </a:ln>
+        <a:ln w="12700" cap="flat" cmpd="sng" algn="ctr">
+          <a:solidFill>
+            <a:schemeClr val="phClr"/>
+          </a:solidFill>
+          <a:prstDash val="solid"/>
+          <a:miter lim="800000"/>
+        </a:ln>
+        <a:ln w="19050" cap="flat" cmpd="sng" algn="ctr">
+          <a:solidFill>
+            <a:schemeClr val="phClr"/>
+          </a:solidFill>
+          <a:prstDash val="solid"/>
+          <a:miter lim="800000"/>
+        </a:ln>
+      </a:lnStyleLst>
+      <a:effectStyleLst>
+        <a:effectStyle>
+          <a:effectLst/>
+        </a:effectStyle>
+        <a:effectStyle>
+          <a:effectLst/>
+        </a:effectStyle>
+        <a:effectStyle>
+          <a:effectLst>
+            <a:outerShdw blurRad="57150" dist="19050" dir="5400000" algn="ctr" rotWithShape="0">
+              <a:srgbClr val="000000">
+                <a:alpha val="63000"/>
+              </a:srgbClr>
+            </a:outerShdw>
+          </a:effectLst>
+        </a:effectStyle>
+      </a:effectStyleLst>
+      <a:bgFillStyleLst>
+        <a:solidFill>
+          <a:schemeClr val="phClr"/>
+        </a:solidFill>
+        <a:solidFill>
+          <a:schemeClr val="phClr">
+            <a:tint val="95000"/>
+            <a:satMod val="170000"/>
+          </a:schemeClr>
+        </a:solidFill>
+        <a:gradFill rotWithShape="1">
+          <a:gsLst>
+            <a:gs pos="0">
+              <a:schemeClr val="phClr">
+                <a:tint val="93000"/>
+                <a:satMod val="150000"/>
+                <a:shade val="98000"/>
+                <a:lumMod val="102000"/>
+              </a:schemeClr>
+            </a:gs>
+            <a:gs pos="50000">
+              <a:schemeClr val="phClr">
+                <a:tint val="98000"/>
+                <a:satMod val="130000"/>
+                <a:shade val="90000"/>
+                <a:lumMod val="103000"/>
+              </a:schemeClr>
+            </a:gs>
+            <a:gs pos="100000">
+              <a:schemeClr val="phClr">
+                <a:shade val="63000"/>
+                <a:satMod val="120000"/>
+              </a:schemeClr>
+            </a:gs>
+          </a:gsLst>
+          <a:lin ang="5400000" scaled="0"/>
+        </a:gradFill>
+      </a:bgFillStyleLst>
+    </a:fmtScheme>
+  </a:themeElements>
+  <a:objectDefaults/>
+  <a:extraClrSchemeLst/>
+  <a:extLst>
+    <a:ext uri="{05A4C25C-085E-4340-85A3-A5531E510DB2}">
+      <thm15:themeFamily xmlns:thm15="http://schemas.microsoft.com/office/thememl/2012/main" name="Office Theme" id="{62F939B6-93AF-4DB8-9C6B-D6C7DFDC589F}" vid="{4A3C46E8-61CC-4603-A589-7422A47A8E4A}"/>
+    </a:ext>
+  </a:extLst>
+</a:theme>
 </file>